--- a/schema/mzqc_schema.pptx
+++ b/schema/mzqc_schema.pptx
@@ -115,9 +115,9 @@
 <file path=ppt/revisionInfo.xml><?xml version="1.0" encoding="utf-8"?>
 <p1510:revInfo xmlns:a="http://schemas.openxmlformats.org/drawingml/2006/main" xmlns:r="http://schemas.openxmlformats.org/officeDocument/2006/relationships" xmlns:p1510="http://schemas.microsoft.com/office/powerpoint/2015/10/main">
   <p1510:revLst>
-    <p1510:client id="{014D798E-3F78-BFE5-17ED-CAF0490D6935}" v="21" dt="2020-12-08T17:29:50.317"/>
-    <p1510:client id="{1FD5A6B1-2C9F-4C71-CB5E-5210ACEED0F7}" v="44" dt="2020-12-13T20:42:54.205"/>
-    <p1510:client id="{A83ED1F8-6397-4B98-8C2F-A94DA2146586}" v="54" dt="2020-12-06T14:48:30.910"/>
+    <p1510:client id="{04A9A133-A782-4D30-BF96-F2C1732C6480}" v="4" dt="2021-03-23T14:39:46.057"/>
+    <p1510:client id="{11640E1F-0256-A68C-1B74-39CE4160BB1A}" v="538" dt="2021-06-30T15:41:51.848"/>
+    <p1510:client id="{29B72627-F045-E45D-D60F-1F3327548DC2}" v="256" dt="2021-03-23T14:44:11.384"/>
   </p1510:revLst>
 </p1510:revInfo>
 </file>
@@ -167,7 +167,6 @@
               <a:rPr lang="en-US"/>
               <a:t>Click to edit Master title style</a:t>
             </a:r>
-            <a:endParaRPr lang="en-US" dirty="0"/>
           </a:p>
         </p:txBody>
       </p:sp>
@@ -232,7 +231,6 @@
               <a:rPr lang="en-US"/>
               <a:t>Click to edit Master subtitle style</a:t>
             </a:r>
-            <a:endParaRPr lang="en-US" dirty="0"/>
           </a:p>
         </p:txBody>
       </p:sp>
@@ -253,7 +251,7 @@
           <a:p>
             <a:fld id="{846CE7D5-CF57-46EF-B807-FDD0502418D4}" type="datetimeFigureOut">
               <a:rPr lang="en-GB" smtClean="0"/>
-              <a:t>13/12/2020</a:t>
+              <a:t>01/07/2021</a:t>
             </a:fld>
             <a:endParaRPr lang="en-GB"/>
           </a:p>
@@ -350,7 +348,6 @@
               <a:rPr lang="en-US"/>
               <a:t>Click to edit Master title style</a:t>
             </a:r>
-            <a:endParaRPr lang="en-US" dirty="0"/>
           </a:p>
         </p:txBody>
       </p:sp>
@@ -402,7 +399,6 @@
               <a:rPr lang="en-US"/>
               <a:t>Fifth level</a:t>
             </a:r>
-            <a:endParaRPr lang="en-US" dirty="0"/>
           </a:p>
         </p:txBody>
       </p:sp>
@@ -423,7 +419,7 @@
           <a:p>
             <a:fld id="{846CE7D5-CF57-46EF-B807-FDD0502418D4}" type="datetimeFigureOut">
               <a:rPr lang="en-GB" smtClean="0"/>
-              <a:t>13/12/2020</a:t>
+              <a:t>01/07/2021</a:t>
             </a:fld>
             <a:endParaRPr lang="en-GB"/>
           </a:p>
@@ -525,7 +521,6 @@
               <a:rPr lang="en-US"/>
               <a:t>Click to edit Master title style</a:t>
             </a:r>
-            <a:endParaRPr lang="en-US" dirty="0"/>
           </a:p>
         </p:txBody>
       </p:sp>
@@ -582,7 +577,6 @@
               <a:rPr lang="en-US"/>
               <a:t>Fifth level</a:t>
             </a:r>
-            <a:endParaRPr lang="en-US" dirty="0"/>
           </a:p>
         </p:txBody>
       </p:sp>
@@ -603,7 +597,7 @@
           <a:p>
             <a:fld id="{846CE7D5-CF57-46EF-B807-FDD0502418D4}" type="datetimeFigureOut">
               <a:rPr lang="en-GB" smtClean="0"/>
-              <a:t>13/12/2020</a:t>
+              <a:t>01/07/2021</a:t>
             </a:fld>
             <a:endParaRPr lang="en-GB"/>
           </a:p>
@@ -700,7 +694,6 @@
               <a:rPr lang="en-US"/>
               <a:t>Click to edit Master title style</a:t>
             </a:r>
-            <a:endParaRPr lang="en-US" dirty="0"/>
           </a:p>
         </p:txBody>
       </p:sp>
@@ -752,7 +745,6 @@
               <a:rPr lang="en-US"/>
               <a:t>Fifth level</a:t>
             </a:r>
-            <a:endParaRPr lang="en-US" dirty="0"/>
           </a:p>
         </p:txBody>
       </p:sp>
@@ -773,7 +765,7 @@
           <a:p>
             <a:fld id="{846CE7D5-CF57-46EF-B807-FDD0502418D4}" type="datetimeFigureOut">
               <a:rPr lang="en-GB" smtClean="0"/>
-              <a:t>13/12/2020</a:t>
+              <a:t>01/07/2021</a:t>
             </a:fld>
             <a:endParaRPr lang="en-GB"/>
           </a:p>
@@ -879,7 +871,6 @@
               <a:rPr lang="en-US"/>
               <a:t>Click to edit Master title style</a:t>
             </a:r>
-            <a:endParaRPr lang="en-US" dirty="0"/>
           </a:p>
         </p:txBody>
       </p:sp>
@@ -1017,7 +1008,7 @@
           <a:p>
             <a:fld id="{846CE7D5-CF57-46EF-B807-FDD0502418D4}" type="datetimeFigureOut">
               <a:rPr lang="en-GB" smtClean="0"/>
-              <a:t>13/12/2020</a:t>
+              <a:t>01/07/2021</a:t>
             </a:fld>
             <a:endParaRPr lang="en-GB"/>
           </a:p>
@@ -1114,7 +1105,6 @@
               <a:rPr lang="en-US"/>
               <a:t>Click to edit Master title style</a:t>
             </a:r>
-            <a:endParaRPr lang="en-US" dirty="0"/>
           </a:p>
         </p:txBody>
       </p:sp>
@@ -1171,7 +1161,6 @@
               <a:rPr lang="en-US"/>
               <a:t>Fifth level</a:t>
             </a:r>
-            <a:endParaRPr lang="en-US" dirty="0"/>
           </a:p>
         </p:txBody>
       </p:sp>
@@ -1228,7 +1217,6 @@
               <a:rPr lang="en-US"/>
               <a:t>Fifth level</a:t>
             </a:r>
-            <a:endParaRPr lang="en-US" dirty="0"/>
           </a:p>
         </p:txBody>
       </p:sp>
@@ -1249,7 +1237,7 @@
           <a:p>
             <a:fld id="{846CE7D5-CF57-46EF-B807-FDD0502418D4}" type="datetimeFigureOut">
               <a:rPr lang="en-GB" smtClean="0"/>
-              <a:t>13/12/2020</a:t>
+              <a:t>01/07/2021</a:t>
             </a:fld>
             <a:endParaRPr lang="en-GB"/>
           </a:p>
@@ -1351,7 +1339,6 @@
               <a:rPr lang="en-US"/>
               <a:t>Click to edit Master title style</a:t>
             </a:r>
-            <a:endParaRPr lang="en-US" dirty="0"/>
           </a:p>
         </p:txBody>
       </p:sp>
@@ -1473,7 +1460,6 @@
               <a:rPr lang="en-US"/>
               <a:t>Fifth level</a:t>
             </a:r>
-            <a:endParaRPr lang="en-US" dirty="0"/>
           </a:p>
         </p:txBody>
       </p:sp>
@@ -1595,7 +1581,6 @@
               <a:rPr lang="en-US"/>
               <a:t>Fifth level</a:t>
             </a:r>
-            <a:endParaRPr lang="en-US" dirty="0"/>
           </a:p>
         </p:txBody>
       </p:sp>
@@ -1616,7 +1601,7 @@
           <a:p>
             <a:fld id="{846CE7D5-CF57-46EF-B807-FDD0502418D4}" type="datetimeFigureOut">
               <a:rPr lang="en-GB" smtClean="0"/>
-              <a:t>13/12/2020</a:t>
+              <a:t>01/07/2021</a:t>
             </a:fld>
             <a:endParaRPr lang="en-GB"/>
           </a:p>
@@ -1713,7 +1698,6 @@
               <a:rPr lang="en-US"/>
               <a:t>Click to edit Master title style</a:t>
             </a:r>
-            <a:endParaRPr lang="en-US" dirty="0"/>
           </a:p>
         </p:txBody>
       </p:sp>
@@ -1734,7 +1718,7 @@
           <a:p>
             <a:fld id="{846CE7D5-CF57-46EF-B807-FDD0502418D4}" type="datetimeFigureOut">
               <a:rPr lang="en-GB" smtClean="0"/>
-              <a:t>13/12/2020</a:t>
+              <a:t>01/07/2021</a:t>
             </a:fld>
             <a:endParaRPr lang="en-GB"/>
           </a:p>
@@ -1829,7 +1813,7 @@
           <a:p>
             <a:fld id="{846CE7D5-CF57-46EF-B807-FDD0502418D4}" type="datetimeFigureOut">
               <a:rPr lang="en-GB" smtClean="0"/>
-              <a:t>13/12/2020</a:t>
+              <a:t>01/07/2021</a:t>
             </a:fld>
             <a:endParaRPr lang="en-GB"/>
           </a:p>
@@ -1935,7 +1919,6 @@
               <a:rPr lang="en-US"/>
               <a:t>Click to edit Master title style</a:t>
             </a:r>
-            <a:endParaRPr lang="en-US" dirty="0"/>
           </a:p>
         </p:txBody>
       </p:sp>
@@ -2020,7 +2003,6 @@
               <a:rPr lang="en-US"/>
               <a:t>Fifth level</a:t>
             </a:r>
-            <a:endParaRPr lang="en-US" dirty="0"/>
           </a:p>
         </p:txBody>
       </p:sp>
@@ -2106,7 +2088,7 @@
           <a:p>
             <a:fld id="{846CE7D5-CF57-46EF-B807-FDD0502418D4}" type="datetimeFigureOut">
               <a:rPr lang="en-GB" smtClean="0"/>
-              <a:t>13/12/2020</a:t>
+              <a:t>01/07/2021</a:t>
             </a:fld>
             <a:endParaRPr lang="en-GB"/>
           </a:p>
@@ -2212,7 +2194,6 @@
               <a:rPr lang="en-US"/>
               <a:t>Click to edit Master title style</a:t>
             </a:r>
-            <a:endParaRPr lang="en-US" dirty="0"/>
           </a:p>
         </p:txBody>
       </p:sp>
@@ -2277,7 +2258,6 @@
               <a:rPr lang="en-US"/>
               <a:t>Click icon to add picture</a:t>
             </a:r>
-            <a:endParaRPr lang="en-US" dirty="0"/>
           </a:p>
         </p:txBody>
       </p:sp>
@@ -2363,7 +2343,7 @@
           <a:p>
             <a:fld id="{846CE7D5-CF57-46EF-B807-FDD0502418D4}" type="datetimeFigureOut">
               <a:rPr lang="en-GB" smtClean="0"/>
-              <a:t>13/12/2020</a:t>
+              <a:t>01/07/2021</a:t>
             </a:fld>
             <a:endParaRPr lang="en-GB"/>
           </a:p>
@@ -2475,7 +2455,6 @@
               <a:rPr lang="en-US"/>
               <a:t>Click to edit Master title style</a:t>
             </a:r>
-            <a:endParaRPr lang="en-US" dirty="0"/>
           </a:p>
         </p:txBody>
       </p:sp>
@@ -2537,7 +2516,6 @@
               <a:rPr lang="en-US"/>
               <a:t>Fifth level</a:t>
             </a:r>
-            <a:endParaRPr lang="en-US" dirty="0"/>
           </a:p>
         </p:txBody>
       </p:sp>
@@ -2576,7 +2554,7 @@
           <a:p>
             <a:fld id="{846CE7D5-CF57-46EF-B807-FDD0502418D4}" type="datetimeFigureOut">
               <a:rPr lang="en-GB" smtClean="0"/>
-              <a:t>13/12/2020</a:t>
+              <a:t>01/07/2021</a:t>
             </a:fld>
             <a:endParaRPr lang="en-GB"/>
           </a:p>
@@ -2995,8 +2973,8 @@
         </p:nvSpPr>
         <p:spPr>
           <a:xfrm>
-            <a:off x="190545" y="234501"/>
-            <a:ext cx="8327934" cy="11817968"/>
+            <a:off x="190545" y="120201"/>
+            <a:ext cx="8327934" cy="12011479"/>
           </a:xfrm>
           <a:prstGeom prst="rect">
             <a:avLst/>
@@ -3023,120 +3001,120 @@
           <a:lstStyle/>
           <a:p>
             <a:r>
-              <a:rPr lang="en-GB" sz="2583" dirty="0" err="1"/>
+              <a:rPr lang="en-GB" sz="2583" err="1"/>
               <a:t>mzQC</a:t>
             </a:r>
-            <a:endParaRPr lang="en-GB" sz="2583" dirty="0" err="1">
+            <a:endParaRPr lang="en-GB" sz="2583" err="1">
               <a:cs typeface="Calibri"/>
             </a:endParaRPr>
           </a:p>
           <a:p>
-            <a:endParaRPr lang="en-GB" sz="2583" dirty="0">
+            <a:endParaRPr lang="en-GB" sz="2583">
               <a:cs typeface="Calibri"/>
             </a:endParaRPr>
           </a:p>
           <a:p>
-            <a:endParaRPr lang="en-GB" sz="2583" dirty="0">
+            <a:endParaRPr lang="en-GB" sz="2583">
               <a:cs typeface="Calibri"/>
             </a:endParaRPr>
           </a:p>
           <a:p>
-            <a:endParaRPr lang="en-GB" sz="2583" dirty="0">
+            <a:endParaRPr lang="en-GB" sz="2583">
               <a:cs typeface="Calibri"/>
             </a:endParaRPr>
           </a:p>
           <a:p>
-            <a:endParaRPr lang="en-GB" sz="2583" dirty="0">
+            <a:endParaRPr lang="en-GB" sz="2583">
               <a:cs typeface="Calibri"/>
             </a:endParaRPr>
           </a:p>
           <a:p>
-            <a:endParaRPr lang="en-GB" sz="2583" dirty="0">
+            <a:endParaRPr lang="en-GB" sz="2583">
               <a:cs typeface="Calibri"/>
             </a:endParaRPr>
           </a:p>
           <a:p>
-            <a:endParaRPr lang="en-GB" sz="2583" dirty="0">
+            <a:endParaRPr lang="en-GB" sz="2583">
               <a:cs typeface="Calibri"/>
             </a:endParaRPr>
           </a:p>
           <a:p>
-            <a:endParaRPr lang="en-GB" sz="2583" dirty="0">
+            <a:endParaRPr lang="en-GB" sz="2583">
               <a:cs typeface="Calibri"/>
             </a:endParaRPr>
           </a:p>
           <a:p>
-            <a:endParaRPr lang="en-GB" sz="2583" dirty="0">
+            <a:endParaRPr lang="en-GB" sz="2583">
               <a:cs typeface="Calibri"/>
             </a:endParaRPr>
           </a:p>
           <a:p>
-            <a:endParaRPr lang="en-GB" sz="2583" dirty="0">
+            <a:endParaRPr lang="en-GB" sz="2583">
               <a:cs typeface="Calibri"/>
             </a:endParaRPr>
           </a:p>
           <a:p>
-            <a:endParaRPr lang="en-GB" sz="2583" dirty="0">
+            <a:endParaRPr lang="en-GB" sz="2583">
               <a:cs typeface="Calibri"/>
             </a:endParaRPr>
           </a:p>
           <a:p>
-            <a:endParaRPr lang="en-GB" sz="2583" dirty="0">
+            <a:endParaRPr lang="en-GB" sz="2583">
               <a:cs typeface="Calibri"/>
             </a:endParaRPr>
           </a:p>
           <a:p>
-            <a:endParaRPr lang="en-GB" sz="2583" dirty="0">
+            <a:endParaRPr lang="en-GB" sz="2583">
               <a:cs typeface="Calibri"/>
             </a:endParaRPr>
           </a:p>
           <a:p>
-            <a:endParaRPr lang="en-GB" sz="2583" dirty="0">
+            <a:endParaRPr lang="en-GB" sz="2583">
               <a:cs typeface="Calibri"/>
             </a:endParaRPr>
           </a:p>
           <a:p>
-            <a:endParaRPr lang="en-GB" sz="2583" dirty="0">
+            <a:endParaRPr lang="en-GB" sz="2583">
               <a:cs typeface="Calibri"/>
             </a:endParaRPr>
           </a:p>
           <a:p>
-            <a:endParaRPr lang="en-GB" sz="2583" dirty="0">
+            <a:endParaRPr lang="en-GB" sz="2583">
               <a:cs typeface="Calibri"/>
             </a:endParaRPr>
           </a:p>
           <a:p>
-            <a:endParaRPr lang="en-GB" sz="2583" dirty="0">
+            <a:endParaRPr lang="en-GB" sz="2583">
               <a:cs typeface="Calibri"/>
             </a:endParaRPr>
           </a:p>
           <a:p>
-            <a:endParaRPr lang="en-GB" sz="2583" dirty="0">
+            <a:endParaRPr lang="en-GB" sz="2583">
               <a:cs typeface="Calibri"/>
             </a:endParaRPr>
           </a:p>
           <a:p>
-            <a:endParaRPr lang="en-GB" sz="2583" dirty="0">
+            <a:endParaRPr lang="en-GB" sz="2583">
               <a:cs typeface="Calibri"/>
             </a:endParaRPr>
           </a:p>
           <a:p>
-            <a:endParaRPr lang="en-GB" sz="2583" dirty="0">
+            <a:endParaRPr lang="en-GB" sz="2583">
               <a:cs typeface="Calibri"/>
             </a:endParaRPr>
           </a:p>
           <a:p>
-            <a:endParaRPr lang="en-GB" sz="2583" dirty="0">
+            <a:endParaRPr lang="en-GB" sz="2583">
               <a:cs typeface="Calibri"/>
             </a:endParaRPr>
           </a:p>
           <a:p>
-            <a:endParaRPr lang="en-GB" sz="2583" dirty="0">
+            <a:endParaRPr lang="en-GB" sz="2583">
               <a:cs typeface="Calibri"/>
             </a:endParaRPr>
           </a:p>
           <a:p>
-            <a:endParaRPr lang="en-GB" sz="2583" dirty="0">
+            <a:endParaRPr lang="en-GB" sz="2583">
               <a:cs typeface="Calibri"/>
             </a:endParaRPr>
           </a:p>
@@ -3156,8 +3134,8 @@
         </p:nvSpPr>
         <p:spPr>
           <a:xfrm>
-            <a:off x="502077" y="2450870"/>
-            <a:ext cx="3577803" cy="8452431"/>
+            <a:off x="502077" y="2336570"/>
+            <a:ext cx="3561672" cy="8581438"/>
           </a:xfrm>
           <a:prstGeom prst="rect">
             <a:avLst/>
@@ -3168,7 +3146,7 @@
               <a:lumOff val="80000"/>
             </a:schemeClr>
           </a:solidFill>
-          <a:ln>
+          <a:ln w="28575">
             <a:solidFill>
               <a:schemeClr val="accent2"/>
             </a:solidFill>
@@ -3185,78 +3163,78 @@
           <a:lstStyle/>
           <a:p>
             <a:r>
-              <a:rPr lang="en-GB" sz="2583" dirty="0" err="1"/>
+              <a:rPr lang="en-GB" sz="2583" err="1"/>
               <a:t>runQualities</a:t>
             </a:r>
-            <a:endParaRPr lang="en-US" sz="2583" dirty="0" err="1"/>
-          </a:p>
-          <a:p>
-            <a:endParaRPr lang="en-GB" sz="2583" dirty="0">
+            <a:endParaRPr lang="en-US" sz="2583" err="1"/>
+          </a:p>
+          <a:p>
+            <a:endParaRPr lang="en-GB" sz="2583">
               <a:cs typeface="Calibri"/>
             </a:endParaRPr>
           </a:p>
           <a:p>
-            <a:endParaRPr lang="en-GB" sz="2583" dirty="0">
+            <a:endParaRPr lang="en-GB" sz="2583">
               <a:cs typeface="Calibri"/>
             </a:endParaRPr>
           </a:p>
           <a:p>
-            <a:endParaRPr lang="en-GB" sz="2583" dirty="0">
+            <a:endParaRPr lang="en-GB" sz="2583">
               <a:cs typeface="Calibri"/>
             </a:endParaRPr>
           </a:p>
           <a:p>
-            <a:endParaRPr lang="en-GB" sz="2583" dirty="0">
+            <a:endParaRPr lang="en-GB" sz="2583">
               <a:cs typeface="Calibri"/>
             </a:endParaRPr>
           </a:p>
           <a:p>
-            <a:endParaRPr lang="en-GB" sz="2583" dirty="0">
+            <a:endParaRPr lang="en-GB" sz="2583">
               <a:cs typeface="Calibri"/>
             </a:endParaRPr>
           </a:p>
           <a:p>
-            <a:endParaRPr lang="en-GB" sz="2583" dirty="0">
+            <a:endParaRPr lang="en-GB" sz="2583">
               <a:cs typeface="Calibri"/>
             </a:endParaRPr>
           </a:p>
           <a:p>
-            <a:endParaRPr lang="en-GB" sz="2583" dirty="0">
+            <a:endParaRPr lang="en-GB" sz="2583">
               <a:cs typeface="Calibri"/>
             </a:endParaRPr>
           </a:p>
           <a:p>
-            <a:endParaRPr lang="en-GB" sz="2583" dirty="0">
+            <a:endParaRPr lang="en-GB" sz="2583">
               <a:cs typeface="Calibri"/>
             </a:endParaRPr>
           </a:p>
           <a:p>
-            <a:endParaRPr lang="en-GB" sz="2583" dirty="0">
+            <a:endParaRPr lang="en-GB" sz="2583">
               <a:cs typeface="Calibri"/>
             </a:endParaRPr>
           </a:p>
           <a:p>
-            <a:endParaRPr lang="en-GB" sz="2583" dirty="0">
+            <a:endParaRPr lang="en-GB" sz="2583">
               <a:cs typeface="Calibri"/>
             </a:endParaRPr>
           </a:p>
           <a:p>
-            <a:endParaRPr lang="en-GB" sz="2583" dirty="0">
+            <a:endParaRPr lang="en-GB" sz="2583">
               <a:cs typeface="Calibri"/>
             </a:endParaRPr>
           </a:p>
           <a:p>
-            <a:endParaRPr lang="en-GB" sz="2583" dirty="0">
+            <a:endParaRPr lang="en-GB" sz="2583">
               <a:cs typeface="Calibri"/>
             </a:endParaRPr>
           </a:p>
           <a:p>
-            <a:endParaRPr lang="en-GB" sz="1952" dirty="0">
+            <a:endParaRPr lang="en-GB" sz="1952">
               <a:cs typeface="Calibri"/>
             </a:endParaRPr>
           </a:p>
           <a:p>
-            <a:endParaRPr lang="en-GB" sz="2583" dirty="0">
+            <a:endParaRPr lang="en-GB" sz="2583">
               <a:cs typeface="Calibri"/>
             </a:endParaRPr>
           </a:p>
@@ -3276,7 +3254,7 @@
         </p:nvSpPr>
         <p:spPr>
           <a:xfrm>
-            <a:off x="7848204" y="187156"/>
+            <a:off x="7848204" y="72856"/>
             <a:ext cx="766951" cy="610853"/>
           </a:xfrm>
           <a:prstGeom prst="rect">
@@ -3295,10 +3273,10 @@
           <a:p>
             <a:pPr algn="ctr"/>
             <a:r>
-              <a:rPr lang="en-GB" sz="2583" dirty="0"/>
+              <a:rPr lang="en-GB" sz="2583"/>
               <a:t>{..}</a:t>
             </a:r>
-            <a:endParaRPr lang="en-US" sz="2583" dirty="0">
+            <a:endParaRPr lang="en-US" sz="2583">
               <a:cs typeface="Calibri" panose="020F0502020204030204"/>
             </a:endParaRPr>
           </a:p>
@@ -3350,7 +3328,7 @@
                 <a:lumOff val="80000"/>
               </a:schemeClr>
             </a:solidFill>
-            <a:ln>
+            <a:ln w="28575">
               <a:solidFill>
                 <a:schemeClr val="accent3"/>
               </a:solidFill>
@@ -3366,45 +3344,45 @@
             <a:lstStyle/>
             <a:p>
               <a:r>
-                <a:rPr lang="en-GB" sz="2583" dirty="0" err="1"/>
+                <a:rPr lang="en-GB" sz="2583" err="1"/>
                 <a:t>inputFile</a:t>
               </a:r>
-              <a:endParaRPr lang="en-US" sz="2583" dirty="0" err="1">
+              <a:endParaRPr lang="en-US" sz="2583" err="1">
                 <a:cs typeface="Calibri"/>
               </a:endParaRPr>
             </a:p>
             <a:p>
-              <a:endParaRPr lang="en-GB" sz="1952" dirty="0">
+              <a:endParaRPr lang="en-GB" sz="1952">
                 <a:cs typeface="Calibri"/>
               </a:endParaRPr>
             </a:p>
             <a:p>
-              <a:endParaRPr lang="en-GB" sz="1952" dirty="0">
+              <a:endParaRPr lang="en-GB" sz="1952">
                 <a:cs typeface="Calibri"/>
               </a:endParaRPr>
             </a:p>
             <a:p>
-              <a:endParaRPr lang="en-GB" sz="1952" dirty="0">
+              <a:endParaRPr lang="en-GB" sz="1952">
                 <a:cs typeface="Calibri"/>
               </a:endParaRPr>
             </a:p>
             <a:p>
-              <a:endParaRPr lang="en-GB" sz="1952" dirty="0">
+              <a:endParaRPr lang="en-GB" sz="1952">
                 <a:cs typeface="Calibri"/>
               </a:endParaRPr>
             </a:p>
             <a:p>
-              <a:endParaRPr lang="en-GB" sz="1952" dirty="0">
+              <a:endParaRPr lang="en-GB" sz="1952">
                 <a:cs typeface="Calibri"/>
               </a:endParaRPr>
             </a:p>
             <a:p>
-              <a:endParaRPr lang="en-GB" sz="2583" dirty="0">
+              <a:endParaRPr lang="en-GB" sz="2583">
                 <a:cs typeface="Calibri"/>
               </a:endParaRPr>
             </a:p>
             <a:p>
-              <a:endParaRPr lang="en-GB" sz="2583" dirty="0">
+              <a:endParaRPr lang="en-GB" sz="2583">
                 <a:cs typeface="Calibri"/>
               </a:endParaRPr>
             </a:p>
@@ -3436,7 +3414,7 @@
                 <a:lumOff val="80000"/>
               </a:schemeClr>
             </a:solidFill>
-            <a:ln>
+            <a:ln w="28575">
               <a:solidFill>
                 <a:schemeClr val="accent4"/>
               </a:solidFill>
@@ -3452,10 +3430,10 @@
             <a:lstStyle/>
             <a:p>
               <a:r>
-                <a:rPr lang="en-GB" sz="2583" dirty="0"/>
+                <a:rPr lang="en-GB" sz="2583"/>
                 <a:t>name</a:t>
               </a:r>
-              <a:endParaRPr lang="en-US" sz="2583" dirty="0"/>
+              <a:endParaRPr lang="en-US" sz="2583"/>
             </a:p>
           </p:txBody>
         </p:sp>
@@ -3485,7 +3463,7 @@
                 <a:lumOff val="80000"/>
               </a:schemeClr>
             </a:solidFill>
-            <a:ln>
+            <a:ln w="28575">
               <a:solidFill>
                 <a:schemeClr val="accent4"/>
               </a:solidFill>
@@ -3501,10 +3479,10 @@
             <a:lstStyle/>
             <a:p>
               <a:r>
-                <a:rPr lang="en-GB" sz="2583" dirty="0"/>
+                <a:rPr lang="en-GB" sz="2583"/>
                 <a:t>location</a:t>
               </a:r>
-              <a:endParaRPr lang="en-US" sz="2583" dirty="0"/>
+              <a:endParaRPr lang="en-US" sz="2583"/>
             </a:p>
           </p:txBody>
         </p:sp>
@@ -3534,7 +3512,7 @@
                 <a:lumOff val="80000"/>
               </a:schemeClr>
             </a:solidFill>
-            <a:ln>
+            <a:ln w="28575">
               <a:solidFill>
                 <a:schemeClr val="accent4"/>
               </a:solidFill>
@@ -3550,10 +3528,10 @@
             <a:lstStyle/>
             <a:p>
               <a:r>
-                <a:rPr lang="en-GB" sz="2583" dirty="0" err="1"/>
+                <a:rPr lang="en-GB" sz="2583" err="1"/>
                 <a:t>fileFormat</a:t>
               </a:r>
-              <a:endParaRPr lang="en-US" sz="2583" dirty="0" err="1">
+              <a:endParaRPr lang="en-US" sz="2583" err="1">
                 <a:cs typeface="Calibri"/>
               </a:endParaRPr>
             </a:p>
@@ -3585,7 +3563,7 @@
                 <a:lumOff val="80000"/>
               </a:schemeClr>
             </a:solidFill>
-            <a:ln>
+            <a:ln w="28575">
               <a:solidFill>
                 <a:schemeClr val="accent4"/>
               </a:solidFill>
@@ -3602,10 +3580,10 @@
             <a:lstStyle/>
             <a:p>
               <a:r>
-                <a:rPr lang="en-GB" sz="2583" dirty="0" err="1"/>
+                <a:rPr lang="en-GB" sz="2583" err="1"/>
                 <a:t>fileProperties</a:t>
               </a:r>
-              <a:endParaRPr lang="en-US" sz="2583" dirty="0" err="1"/>
+              <a:endParaRPr lang="en-US" sz="2583" err="1"/>
             </a:p>
           </p:txBody>
         </p:sp>
@@ -3630,6 +3608,9 @@
               <a:avLst/>
             </a:prstGeom>
             <a:noFill/>
+            <a:ln w="28575">
+              <a:noFill/>
+            </a:ln>
           </p:spPr>
           <p:txBody>
             <a:bodyPr rot="0" spcFirstLastPara="0" vertOverflow="overflow" horzOverflow="overflow" vert="horz" wrap="square" lIns="111553" tIns="55776" rIns="111553" bIns="55776" numCol="1" spcCol="0" rtlCol="0" fromWordArt="0" anchor="t" anchorCtr="0" forceAA="0" compatLnSpc="1">
@@ -3642,10 +3623,10 @@
             <a:p>
               <a:pPr algn="ctr"/>
               <a:r>
-                <a:rPr lang="en-GB" sz="2583" dirty="0"/>
+                <a:rPr lang="en-GB" sz="2583"/>
                 <a:t>{..}</a:t>
               </a:r>
-              <a:endParaRPr lang="en-US" sz="2583" dirty="0">
+              <a:endParaRPr lang="en-US" sz="2583">
                 <a:cs typeface="Calibri" panose="020F0502020204030204"/>
               </a:endParaRPr>
             </a:p>
@@ -3666,7 +3647,7 @@
         </p:nvSpPr>
         <p:spPr>
           <a:xfrm>
-            <a:off x="3484310" y="2401479"/>
+            <a:off x="3484310" y="2287179"/>
             <a:ext cx="715586" cy="510122"/>
           </a:xfrm>
           <a:prstGeom prst="rect">
@@ -3685,10 +3666,10 @@
           <a:p>
             <a:pPr algn="ctr"/>
             <a:r>
-              <a:rPr lang="en-GB" sz="2583" dirty="0"/>
+              <a:rPr lang="en-GB" sz="2583"/>
               <a:t>[..]</a:t>
             </a:r>
-            <a:endParaRPr lang="en-US" sz="2583" dirty="0">
+            <a:endParaRPr lang="en-US" sz="2583">
               <a:cs typeface="Calibri" panose="020F0502020204030204"/>
             </a:endParaRPr>
           </a:p>
@@ -3708,7 +3689,7 @@
         </p:nvSpPr>
         <p:spPr>
           <a:xfrm>
-            <a:off x="6207259" y="3051503"/>
+            <a:off x="6207259" y="2937203"/>
             <a:ext cx="637922" cy="510122"/>
           </a:xfrm>
           <a:prstGeom prst="rect">
@@ -3782,7 +3763,7 @@
                 <a:lumOff val="80000"/>
               </a:schemeClr>
             </a:solidFill>
-            <a:ln>
+            <a:ln w="28575">
               <a:solidFill>
                 <a:schemeClr val="accent3"/>
               </a:solidFill>
@@ -3798,35 +3779,35 @@
             <a:lstStyle/>
             <a:p>
               <a:r>
-                <a:rPr lang="en-GB" sz="2583" dirty="0" err="1"/>
+                <a:rPr lang="en-GB" sz="2583" err="1"/>
                 <a:t>controlledVocabulary</a:t>
               </a:r>
-              <a:endParaRPr lang="en-GB" sz="2583" dirty="0" err="1">
+              <a:endParaRPr lang="en-GB" sz="2583" err="1">
                 <a:cs typeface="Calibri"/>
               </a:endParaRPr>
             </a:p>
             <a:p>
-              <a:endParaRPr lang="en-GB" sz="2583" dirty="0">
+              <a:endParaRPr lang="en-GB" sz="2583">
                 <a:cs typeface="Calibri"/>
               </a:endParaRPr>
             </a:p>
             <a:p>
-              <a:endParaRPr lang="en-GB" sz="2583" dirty="0">
+              <a:endParaRPr lang="en-GB" sz="2583">
                 <a:cs typeface="Calibri"/>
               </a:endParaRPr>
             </a:p>
             <a:p>
-              <a:endParaRPr lang="en-GB" sz="2583" dirty="0">
+              <a:endParaRPr lang="en-GB" sz="2583">
                 <a:cs typeface="Calibri"/>
               </a:endParaRPr>
             </a:p>
             <a:p>
-              <a:endParaRPr lang="en-GB" sz="1464" dirty="0">
+              <a:endParaRPr lang="en-GB" sz="1464">
                 <a:cs typeface="Calibri"/>
               </a:endParaRPr>
             </a:p>
             <a:p>
-              <a:endParaRPr lang="en-GB" sz="2583" dirty="0">
+              <a:endParaRPr lang="en-GB" sz="2583">
                 <a:cs typeface="Calibri"/>
               </a:endParaRPr>
             </a:p>
@@ -3858,7 +3839,7 @@
                 <a:lumOff val="80000"/>
               </a:schemeClr>
             </a:solidFill>
-            <a:ln>
+            <a:ln w="28575">
               <a:solidFill>
                 <a:schemeClr val="accent4"/>
               </a:solidFill>
@@ -3874,10 +3855,10 @@
             <a:lstStyle/>
             <a:p>
               <a:r>
-                <a:rPr lang="en-GB" sz="2583" dirty="0"/>
+                <a:rPr lang="en-GB" sz="2583"/>
                 <a:t>name</a:t>
               </a:r>
-              <a:endParaRPr lang="en-US" sz="2583" dirty="0"/>
+              <a:endParaRPr lang="en-US" sz="2583"/>
             </a:p>
           </p:txBody>
         </p:sp>
@@ -3907,7 +3888,7 @@
                 <a:lumOff val="80000"/>
               </a:schemeClr>
             </a:solidFill>
-            <a:ln>
+            <a:ln w="28575">
               <a:solidFill>
                 <a:schemeClr val="accent4"/>
               </a:solidFill>
@@ -3956,7 +3937,7 @@
                 <a:lumOff val="80000"/>
               </a:schemeClr>
             </a:solidFill>
-            <a:ln>
+            <a:ln w="28575">
               <a:solidFill>
                 <a:schemeClr val="accent4"/>
               </a:solidFill>
@@ -4001,6 +3982,9 @@
               <a:avLst/>
             </a:prstGeom>
             <a:noFill/>
+            <a:ln w="28575">
+              <a:noFill/>
+            </a:ln>
           </p:spPr>
           <p:txBody>
             <a:bodyPr rot="0" spcFirstLastPara="0" vertOverflow="overflow" horzOverflow="overflow" vert="horz" wrap="square" lIns="111553" tIns="55776" rIns="111553" bIns="55776" numCol="1" spcCol="0" rtlCol="0" fromWordArt="0" anchor="t" anchorCtr="0" forceAA="0" compatLnSpc="1">
@@ -4013,10 +3997,10 @@
             <a:p>
               <a:pPr algn="ctr"/>
               <a:r>
-                <a:rPr lang="en-GB" sz="2583" dirty="0"/>
+                <a:rPr lang="en-GB" sz="2583"/>
                 <a:t>{..}</a:t>
               </a:r>
-              <a:endParaRPr lang="en-US" sz="2583" dirty="0">
+              <a:endParaRPr lang="en-US" sz="2583">
                 <a:cs typeface="Calibri" panose="020F0502020204030204"/>
               </a:endParaRPr>
             </a:p>
@@ -4037,8 +4021,8 @@
         </p:nvSpPr>
         <p:spPr>
           <a:xfrm>
-            <a:off x="4550303" y="2450870"/>
-            <a:ext cx="3577802" cy="8452432"/>
+            <a:off x="4550303" y="2336570"/>
+            <a:ext cx="3577802" cy="8581439"/>
           </a:xfrm>
           <a:prstGeom prst="rect">
             <a:avLst/>
@@ -4049,7 +4033,7 @@
               <a:lumOff val="80000"/>
             </a:schemeClr>
           </a:solidFill>
-          <a:ln>
+          <a:ln w="28575">
             <a:solidFill>
               <a:schemeClr val="accent2"/>
             </a:solidFill>
@@ -4066,78 +4050,78 @@
           <a:lstStyle/>
           <a:p>
             <a:r>
-              <a:rPr lang="en-GB" sz="2583" dirty="0" err="1"/>
+              <a:rPr lang="en-GB" sz="2583" err="1"/>
               <a:t>setQualities</a:t>
             </a:r>
-            <a:endParaRPr lang="en-US" sz="2583" dirty="0" err="1"/>
-          </a:p>
-          <a:p>
-            <a:endParaRPr lang="en-GB" sz="2583" dirty="0">
+            <a:endParaRPr lang="en-US" sz="2583" err="1"/>
+          </a:p>
+          <a:p>
+            <a:endParaRPr lang="en-GB" sz="2583">
               <a:cs typeface="Calibri"/>
             </a:endParaRPr>
           </a:p>
           <a:p>
-            <a:endParaRPr lang="en-GB" sz="2583" dirty="0">
+            <a:endParaRPr lang="en-GB" sz="2583">
               <a:cs typeface="Calibri"/>
             </a:endParaRPr>
           </a:p>
           <a:p>
-            <a:endParaRPr lang="en-GB" sz="2583" dirty="0">
+            <a:endParaRPr lang="en-GB" sz="2583">
               <a:cs typeface="Calibri"/>
             </a:endParaRPr>
           </a:p>
           <a:p>
-            <a:endParaRPr lang="en-GB" sz="2583" dirty="0">
+            <a:endParaRPr lang="en-GB" sz="2583">
               <a:cs typeface="Calibri"/>
             </a:endParaRPr>
           </a:p>
           <a:p>
-            <a:endParaRPr lang="en-GB" sz="2583" dirty="0">
+            <a:endParaRPr lang="en-GB" sz="2583">
               <a:cs typeface="Calibri"/>
             </a:endParaRPr>
           </a:p>
           <a:p>
-            <a:endParaRPr lang="en-GB" sz="2583" dirty="0">
+            <a:endParaRPr lang="en-GB" sz="2583">
               <a:cs typeface="Calibri"/>
             </a:endParaRPr>
           </a:p>
           <a:p>
-            <a:endParaRPr lang="en-GB" sz="2583" dirty="0">
+            <a:endParaRPr lang="en-GB" sz="2583">
               <a:cs typeface="Calibri"/>
             </a:endParaRPr>
           </a:p>
           <a:p>
-            <a:endParaRPr lang="en-GB" sz="2583" dirty="0">
+            <a:endParaRPr lang="en-GB" sz="2583">
               <a:cs typeface="Calibri"/>
             </a:endParaRPr>
           </a:p>
           <a:p>
-            <a:endParaRPr lang="en-GB" sz="2583" dirty="0">
+            <a:endParaRPr lang="en-GB" sz="2583">
               <a:cs typeface="Calibri"/>
             </a:endParaRPr>
           </a:p>
           <a:p>
-            <a:endParaRPr lang="en-GB" sz="2583" dirty="0">
+            <a:endParaRPr lang="en-GB" sz="2583">
               <a:cs typeface="Calibri"/>
             </a:endParaRPr>
           </a:p>
           <a:p>
-            <a:endParaRPr lang="en-GB" sz="2583" dirty="0">
+            <a:endParaRPr lang="en-GB" sz="2583">
               <a:cs typeface="Calibri"/>
             </a:endParaRPr>
           </a:p>
           <a:p>
-            <a:endParaRPr lang="en-GB" sz="2583" dirty="0">
+            <a:endParaRPr lang="en-GB" sz="2583">
               <a:cs typeface="Calibri"/>
             </a:endParaRPr>
           </a:p>
           <a:p>
-            <a:endParaRPr lang="en-GB" sz="1952" dirty="0">
+            <a:endParaRPr lang="en-GB" sz="1952">
               <a:cs typeface="Calibri"/>
             </a:endParaRPr>
           </a:p>
           <a:p>
-            <a:endParaRPr lang="en-GB" sz="2583" dirty="0">
+            <a:endParaRPr lang="en-GB" sz="2583">
               <a:cs typeface="Calibri"/>
             </a:endParaRPr>
           </a:p>
@@ -4189,7 +4173,7 @@
                 <a:lumOff val="80000"/>
               </a:schemeClr>
             </a:solidFill>
-            <a:ln>
+            <a:ln w="28575">
               <a:solidFill>
                 <a:schemeClr val="accent3"/>
               </a:solidFill>
@@ -4205,55 +4189,55 @@
             <a:lstStyle/>
             <a:p>
               <a:r>
-                <a:rPr lang="en-GB" sz="2583" dirty="0" err="1">
+                <a:rPr lang="en-GB" sz="2583" err="1">
                   <a:ea typeface="+mn-lt"/>
                   <a:cs typeface="+mn-lt"/>
                 </a:rPr>
                 <a:t>cvParameter</a:t>
               </a:r>
-              <a:endParaRPr lang="en-GB" sz="2583" dirty="0">
+              <a:endParaRPr lang="en-GB" sz="2583">
                 <a:ea typeface="+mn-lt"/>
                 <a:cs typeface="+mn-lt"/>
               </a:endParaRPr>
             </a:p>
             <a:p>
-              <a:endParaRPr lang="en-GB" sz="1952" dirty="0">
+              <a:endParaRPr lang="en-GB" sz="1952">
                 <a:ea typeface="+mn-lt"/>
                 <a:cs typeface="+mn-lt"/>
               </a:endParaRPr>
             </a:p>
             <a:p>
-              <a:endParaRPr lang="en-GB" sz="1952" dirty="0">
+              <a:endParaRPr lang="en-GB" sz="1952">
                 <a:ea typeface="+mn-lt"/>
                 <a:cs typeface="+mn-lt"/>
               </a:endParaRPr>
             </a:p>
             <a:p>
-              <a:endParaRPr lang="en-GB" sz="1952" dirty="0">
+              <a:endParaRPr lang="en-GB" sz="1952">
                 <a:ea typeface="+mn-lt"/>
                 <a:cs typeface="+mn-lt"/>
               </a:endParaRPr>
             </a:p>
             <a:p>
-              <a:endParaRPr lang="en-GB" sz="1952" dirty="0">
+              <a:endParaRPr lang="en-GB" sz="1952">
                 <a:ea typeface="+mn-lt"/>
                 <a:cs typeface="+mn-lt"/>
               </a:endParaRPr>
             </a:p>
             <a:p>
-              <a:endParaRPr lang="en-GB" sz="1952" dirty="0">
+              <a:endParaRPr lang="en-GB" sz="1952">
                 <a:ea typeface="+mn-lt"/>
                 <a:cs typeface="+mn-lt"/>
               </a:endParaRPr>
             </a:p>
             <a:p>
-              <a:endParaRPr lang="en-GB" sz="1952" dirty="0">
+              <a:endParaRPr lang="en-GB" sz="1952">
                 <a:ea typeface="+mn-lt"/>
                 <a:cs typeface="+mn-lt"/>
               </a:endParaRPr>
             </a:p>
             <a:p>
-              <a:endParaRPr lang="en-GB" sz="1952" dirty="0">
+              <a:endParaRPr lang="en-GB" sz="1952">
                 <a:ea typeface="+mn-lt"/>
                 <a:cs typeface="+mn-lt"/>
               </a:endParaRPr>
@@ -4286,7 +4270,7 @@
                 <a:lumOff val="80000"/>
               </a:schemeClr>
             </a:solidFill>
-            <a:ln>
+            <a:ln w="28575">
               <a:solidFill>
                 <a:schemeClr val="accent4"/>
               </a:solidFill>
@@ -4302,10 +4286,10 @@
             <a:lstStyle/>
             <a:p>
               <a:r>
-                <a:rPr lang="en-GB" sz="2583" dirty="0"/>
+                <a:rPr lang="en-GB" sz="2583"/>
                 <a:t>name</a:t>
               </a:r>
-              <a:endParaRPr lang="en-US" sz="2583" dirty="0"/>
+              <a:endParaRPr lang="en-US" sz="2583"/>
             </a:p>
           </p:txBody>
         </p:sp>
@@ -4335,7 +4319,7 @@
                 <a:lumOff val="80000"/>
               </a:schemeClr>
             </a:solidFill>
-            <a:ln>
+            <a:ln w="28575">
               <a:solidFill>
                 <a:schemeClr val="accent4"/>
               </a:solidFill>
@@ -4351,10 +4335,10 @@
             <a:lstStyle/>
             <a:p>
               <a:r>
-                <a:rPr lang="en-GB" sz="2583" dirty="0"/>
+                <a:rPr lang="en-GB" sz="2583"/>
                 <a:t>accession</a:t>
               </a:r>
-              <a:endParaRPr lang="en-US" sz="2583" dirty="0"/>
+              <a:endParaRPr lang="en-US" sz="2583"/>
             </a:p>
           </p:txBody>
         </p:sp>
@@ -4384,7 +4368,7 @@
                 <a:lumOff val="80000"/>
               </a:schemeClr>
             </a:solidFill>
-            <a:ln>
+            <a:ln w="28575">
               <a:solidFill>
                 <a:schemeClr val="accent4"/>
               </a:solidFill>
@@ -4401,10 +4385,10 @@
             <a:lstStyle/>
             <a:p>
               <a:r>
-                <a:rPr lang="en-GB" sz="2583" dirty="0"/>
+                <a:rPr lang="en-GB" sz="2583"/>
                 <a:t>description</a:t>
               </a:r>
-              <a:endParaRPr lang="en-US" sz="2583" dirty="0"/>
+              <a:endParaRPr lang="en-US" sz="2583"/>
             </a:p>
           </p:txBody>
         </p:sp>
@@ -4434,7 +4418,7 @@
                 <a:lumOff val="80000"/>
               </a:schemeClr>
             </a:solidFill>
-            <a:ln>
+            <a:ln w="28575">
               <a:solidFill>
                 <a:schemeClr val="accent4"/>
               </a:solidFill>
@@ -4451,10 +4435,10 @@
             <a:lstStyle/>
             <a:p>
               <a:r>
-                <a:rPr lang="en-GB" sz="2583" dirty="0"/>
+                <a:rPr lang="en-GB" sz="2583"/>
                 <a:t>value</a:t>
               </a:r>
-              <a:endParaRPr lang="en-US" sz="2583" dirty="0"/>
+              <a:endParaRPr lang="en-US" sz="2583"/>
             </a:p>
           </p:txBody>
         </p:sp>
@@ -4479,6 +4463,9 @@
               <a:avLst/>
             </a:prstGeom>
             <a:noFill/>
+            <a:ln w="28575">
+              <a:noFill/>
+            </a:ln>
           </p:spPr>
           <p:txBody>
             <a:bodyPr rot="0" spcFirstLastPara="0" vertOverflow="overflow" horzOverflow="overflow" vert="horz" wrap="square" lIns="111553" tIns="55776" rIns="111553" bIns="55776" numCol="1" spcCol="0" rtlCol="0" fromWordArt="0" anchor="t" anchorCtr="0" forceAA="0" compatLnSpc="1">
@@ -4491,10 +4478,10 @@
             <a:p>
               <a:pPr algn="ctr"/>
               <a:r>
-                <a:rPr lang="en-GB" sz="2583" dirty="0"/>
+                <a:rPr lang="en-GB" sz="2583"/>
                 <a:t>{..}</a:t>
               </a:r>
-              <a:endParaRPr lang="en-US" sz="2583" dirty="0">
+              <a:endParaRPr lang="en-US" sz="2583">
                 <a:cs typeface="Calibri" panose="020F0502020204030204"/>
               </a:endParaRPr>
             </a:p>
@@ -4515,7 +4502,7 @@
         </p:nvSpPr>
         <p:spPr>
           <a:xfrm>
-            <a:off x="496530" y="10964871"/>
+            <a:off x="496530" y="11016864"/>
             <a:ext cx="7626403" cy="1045764"/>
           </a:xfrm>
           <a:prstGeom prst="rect">
@@ -4527,7 +4514,7 @@
               <a:lumOff val="80000"/>
             </a:schemeClr>
           </a:solidFill>
-          <a:ln>
+          <a:ln w="28575">
             <a:solidFill>
               <a:schemeClr val="accent2"/>
             </a:solidFill>
@@ -4543,19 +4530,19 @@
           <a:lstStyle/>
           <a:p>
             <a:r>
-              <a:rPr lang="en-GB" sz="2583" dirty="0" err="1">
+              <a:rPr lang="en-GB" sz="2583" err="1">
                 <a:ea typeface="+mn-lt"/>
                 <a:cs typeface="+mn-lt"/>
               </a:rPr>
               <a:t>controlledVocabularies</a:t>
             </a:r>
-            <a:endParaRPr lang="en-US" sz="2583" dirty="0">
+            <a:endParaRPr lang="en-US" sz="2583">
               <a:ea typeface="+mn-lt"/>
               <a:cs typeface="+mn-lt"/>
             </a:endParaRPr>
           </a:p>
           <a:p>
-            <a:endParaRPr lang="en-GB" sz="2583" dirty="0">
+            <a:endParaRPr lang="en-GB" sz="2583">
               <a:cs typeface="Calibri"/>
             </a:endParaRPr>
           </a:p>
@@ -4575,7 +4562,7 @@
         </p:nvSpPr>
         <p:spPr>
           <a:xfrm>
-            <a:off x="789867" y="11442425"/>
+            <a:off x="789867" y="11494418"/>
             <a:ext cx="3290013" cy="510123"/>
           </a:xfrm>
           <a:prstGeom prst="rect">
@@ -4587,7 +4574,7 @@
               <a:lumOff val="80000"/>
             </a:schemeClr>
           </a:solidFill>
-          <a:ln>
+          <a:ln w="28575">
             <a:solidFill>
               <a:schemeClr val="accent6"/>
             </a:solidFill>
@@ -4603,10 +4590,10 @@
           <a:lstStyle/>
           <a:p>
             <a:r>
-              <a:rPr lang="en-GB" sz="2583" dirty="0" err="1"/>
+              <a:rPr lang="en-GB" sz="2583" err="1"/>
               <a:t>controlledVocabulary</a:t>
             </a:r>
-            <a:endParaRPr lang="en-US" sz="2583" dirty="0" err="1">
+            <a:endParaRPr lang="en-US" sz="2583" err="1">
               <a:cs typeface="Calibri"/>
             </a:endParaRPr>
           </a:p>
@@ -4626,7 +4613,7 @@
         </p:nvSpPr>
         <p:spPr>
           <a:xfrm>
-            <a:off x="6999124" y="10929571"/>
+            <a:off x="6999124" y="10981564"/>
             <a:ext cx="1362997" cy="510123"/>
           </a:xfrm>
           <a:prstGeom prst="rect">
@@ -4645,10 +4632,10 @@
           <a:p>
             <a:pPr algn="ctr"/>
             <a:r>
-              <a:rPr lang="en-GB" sz="2583" dirty="0"/>
+              <a:rPr lang="en-GB" sz="2583"/>
               <a:t>[..]</a:t>
             </a:r>
-            <a:endParaRPr lang="en-US" sz="2583" dirty="0">
+            <a:endParaRPr lang="en-US" sz="2583">
               <a:cs typeface="Calibri" panose="020F0502020204030204"/>
             </a:endParaRPr>
           </a:p>
@@ -4725,52 +4712,52 @@
             <a:p>
               <a:pPr algn="l"/>
               <a:r>
-                <a:rPr lang="en-GB" sz="2583" dirty="0"/>
+                <a:rPr lang="en-GB" sz="2583"/>
                 <a:t>Legend</a:t>
               </a:r>
             </a:p>
             <a:p>
-              <a:endParaRPr lang="en-GB" sz="2583" dirty="0">
+              <a:endParaRPr lang="en-GB" sz="2583">
                 <a:cs typeface="Calibri"/>
               </a:endParaRPr>
             </a:p>
             <a:p>
-              <a:endParaRPr lang="en-GB" sz="2583" dirty="0">
+              <a:endParaRPr lang="en-GB" sz="2583">
                 <a:cs typeface="Calibri"/>
               </a:endParaRPr>
             </a:p>
             <a:p>
-              <a:endParaRPr lang="en-GB" sz="2583" dirty="0">
+              <a:endParaRPr lang="en-GB" sz="2583">
                 <a:cs typeface="Calibri"/>
               </a:endParaRPr>
             </a:p>
             <a:p>
-              <a:endParaRPr lang="en-GB" sz="2583" dirty="0">
+              <a:endParaRPr lang="en-GB" sz="2583">
                 <a:cs typeface="Calibri"/>
               </a:endParaRPr>
             </a:p>
             <a:p>
-              <a:endParaRPr lang="en-GB" sz="2583" dirty="0">
+              <a:endParaRPr lang="en-GB" sz="2583">
                 <a:cs typeface="Calibri"/>
               </a:endParaRPr>
             </a:p>
             <a:p>
-              <a:endParaRPr lang="en-GB" sz="2583" dirty="0">
+              <a:endParaRPr lang="en-GB" sz="2583">
                 <a:cs typeface="Calibri"/>
               </a:endParaRPr>
             </a:p>
             <a:p>
-              <a:endParaRPr lang="en-GB" sz="2583" dirty="0">
+              <a:endParaRPr lang="en-GB" sz="2583">
                 <a:cs typeface="Calibri"/>
               </a:endParaRPr>
             </a:p>
             <a:p>
-              <a:endParaRPr lang="en-GB" sz="2583" dirty="0">
+              <a:endParaRPr lang="en-GB" sz="2583">
                 <a:cs typeface="Calibri"/>
               </a:endParaRPr>
             </a:p>
             <a:p>
-              <a:endParaRPr lang="en-GB" sz="2583" dirty="0">
+              <a:endParaRPr lang="en-GB" sz="2583">
                 <a:cs typeface="Calibri"/>
               </a:endParaRPr>
             </a:p>
@@ -4808,10 +4795,10 @@
             <a:lstStyle/>
             <a:p>
               <a:r>
-                <a:rPr lang="en-GB" sz="2583" dirty="0"/>
+                <a:rPr lang="en-GB" sz="2583"/>
                 <a:t>[..]  Array</a:t>
               </a:r>
-              <a:endParaRPr lang="en-US" sz="2583" dirty="0">
+              <a:endParaRPr lang="en-US" sz="2583">
                 <a:cs typeface="Calibri" panose="020F0502020204030204"/>
               </a:endParaRPr>
             </a:p>
@@ -4849,10 +4836,10 @@
             <a:lstStyle/>
             <a:p>
               <a:r>
-                <a:rPr lang="en-GB" sz="2583" dirty="0"/>
+                <a:rPr lang="en-GB" sz="2583"/>
                 <a:t>{..}  Object</a:t>
               </a:r>
-              <a:endParaRPr lang="en-US" sz="2583" dirty="0">
+              <a:endParaRPr lang="en-US" sz="2583">
                 <a:cs typeface="Calibri" panose="020F0502020204030204"/>
               </a:endParaRPr>
             </a:p>
@@ -4890,10 +4877,10 @@
             <a:lstStyle/>
             <a:p>
               <a:r>
-                <a:rPr lang="en-GB" sz="2583" dirty="0"/>
+                <a:rPr lang="en-GB" sz="2583"/>
                 <a:t>.:. </a:t>
               </a:r>
-              <a:endParaRPr lang="en-GB" sz="2583" dirty="0">
+              <a:endParaRPr lang="en-GB" sz="2583">
                 <a:cs typeface="Calibri" panose="020F0502020204030204"/>
               </a:endParaRPr>
             </a:p>
@@ -4990,9 +4977,6 @@
                 </a:rPr>
                 <a:t>Optional</a:t>
               </a:r>
-              <a:endParaRPr lang="en-GB" sz="2583" dirty="0">
-                <a:cs typeface="Calibri" panose="020F0502020204030204"/>
-              </a:endParaRPr>
             </a:p>
           </p:txBody>
         </p:sp>
@@ -5123,7 +5107,7 @@
             <a:lstStyle/>
             <a:p>
               <a:r>
-                <a:rPr lang="en-GB" sz="2583" dirty="0">
+                <a:rPr lang="en-GB" sz="2583">
                   <a:cs typeface="Calibri" panose="020F0502020204030204"/>
                 </a:rPr>
                 <a:t>Key/Value or elemental</a:t>
@@ -5146,8 +5130,8 @@
         </p:nvSpPr>
         <p:spPr>
           <a:xfrm>
-            <a:off x="4708461" y="2911450"/>
-            <a:ext cx="3269443" cy="7934502"/>
+            <a:off x="4708461" y="2797150"/>
+            <a:ext cx="3269443" cy="8079635"/>
           </a:xfrm>
           <a:prstGeom prst="rect">
             <a:avLst/>
@@ -5158,7 +5142,7 @@
               <a:lumOff val="80000"/>
             </a:schemeClr>
           </a:solidFill>
-          <a:ln>
+          <a:ln w="28575">
             <a:solidFill>
               <a:schemeClr val="accent6"/>
             </a:solidFill>
@@ -5174,80 +5158,80 @@
           <a:lstStyle/>
           <a:p>
             <a:r>
-              <a:rPr lang="en-GB" sz="2583" dirty="0" err="1"/>
+              <a:rPr lang="en-GB" sz="2583" err="1"/>
               <a:t>setQuality</a:t>
             </a:r>
-            <a:endParaRPr lang="en-US" sz="2583" dirty="0" err="1">
+            <a:endParaRPr lang="en-US" sz="2583" err="1">
               <a:cs typeface="Calibri" panose="020F0502020204030204"/>
             </a:endParaRPr>
           </a:p>
           <a:p>
-            <a:endParaRPr lang="en-GB" sz="2583" dirty="0">
+            <a:endParaRPr lang="en-GB" sz="2583">
               <a:cs typeface="Calibri"/>
             </a:endParaRPr>
           </a:p>
           <a:p>
-            <a:endParaRPr lang="en-GB" sz="2583" dirty="0">
+            <a:endParaRPr lang="en-GB" sz="2583">
               <a:cs typeface="Calibri"/>
             </a:endParaRPr>
           </a:p>
           <a:p>
-            <a:endParaRPr lang="en-GB" sz="2583" dirty="0">
+            <a:endParaRPr lang="en-GB" sz="2583">
               <a:cs typeface="Calibri"/>
             </a:endParaRPr>
           </a:p>
           <a:p>
-            <a:endParaRPr lang="en-GB" sz="2583" dirty="0">
+            <a:endParaRPr lang="en-GB" sz="2583">
               <a:cs typeface="Calibri"/>
             </a:endParaRPr>
           </a:p>
           <a:p>
-            <a:endParaRPr lang="en-GB" sz="2583" dirty="0">
+            <a:endParaRPr lang="en-GB" sz="2583">
               <a:cs typeface="Calibri"/>
             </a:endParaRPr>
           </a:p>
           <a:p>
-            <a:endParaRPr lang="en-GB" sz="2583" dirty="0">
+            <a:endParaRPr lang="en-GB" sz="2583">
               <a:cs typeface="Calibri"/>
             </a:endParaRPr>
           </a:p>
           <a:p>
-            <a:endParaRPr lang="en-GB" sz="2583" dirty="0">
+            <a:endParaRPr lang="en-GB" sz="2583">
               <a:cs typeface="Calibri"/>
             </a:endParaRPr>
           </a:p>
           <a:p>
-            <a:endParaRPr lang="en-GB" sz="2583" dirty="0">
+            <a:endParaRPr lang="en-GB" sz="2583">
               <a:cs typeface="Calibri"/>
             </a:endParaRPr>
           </a:p>
           <a:p>
-            <a:endParaRPr lang="en-GB" sz="2583" dirty="0">
+            <a:endParaRPr lang="en-GB" sz="2583">
               <a:cs typeface="Calibri"/>
             </a:endParaRPr>
           </a:p>
           <a:p>
-            <a:endParaRPr lang="en-GB" sz="2583" dirty="0">
+            <a:endParaRPr lang="en-GB" sz="2583">
               <a:cs typeface="Calibri"/>
             </a:endParaRPr>
           </a:p>
           <a:p>
-            <a:endParaRPr lang="en-GB" sz="1464" dirty="0">
+            <a:endParaRPr lang="en-GB" sz="1464">
               <a:cs typeface="Calibri"/>
             </a:endParaRPr>
           </a:p>
           <a:p>
-            <a:endParaRPr lang="en-GB" sz="1464" dirty="0">
+            <a:endParaRPr lang="en-GB" sz="1464">
               <a:cs typeface="Calibri"/>
             </a:endParaRPr>
           </a:p>
           <a:p>
-            <a:endParaRPr lang="en-GB" sz="1464" dirty="0">
+            <a:endParaRPr lang="en-GB" sz="1464">
               <a:cs typeface="Calibri"/>
             </a:endParaRPr>
           </a:p>
           <a:p>
-            <a:endParaRPr lang="en-GB" sz="2583" dirty="0">
+            <a:endParaRPr lang="en-GB" sz="2583">
               <a:cs typeface="Calibri"/>
             </a:endParaRPr>
           </a:p>
@@ -5267,8 +5251,8 @@
         </p:nvGrpSpPr>
         <p:grpSpPr>
           <a:xfrm>
-            <a:off x="4825284" y="8675852"/>
-            <a:ext cx="3060624" cy="2083832"/>
+            <a:off x="4844349" y="8760072"/>
+            <a:ext cx="3051091" cy="2055235"/>
             <a:chOff x="4142310" y="7633267"/>
             <a:chExt cx="2634234" cy="1793524"/>
           </a:xfrm>
@@ -5316,36 +5300,36 @@
             <a:lstStyle/>
             <a:p>
               <a:r>
-                <a:rPr lang="en-GB" sz="2583" dirty="0" err="1">
+                <a:rPr lang="en-GB" sz="2583" err="1">
                   <a:ea typeface="+mn-lt"/>
                   <a:cs typeface="+mn-lt"/>
                 </a:rPr>
                 <a:t>qualityMetrics</a:t>
               </a:r>
-              <a:endParaRPr lang="en-US" sz="2583" dirty="0" err="1">
+              <a:endParaRPr lang="en-US" sz="2583" err="1">
                 <a:ea typeface="+mn-lt"/>
                 <a:cs typeface="+mn-lt"/>
               </a:endParaRPr>
             </a:p>
             <a:p>
-              <a:endParaRPr lang="en-GB" sz="2583" dirty="0">
+              <a:endParaRPr lang="en-GB" sz="2583">
                 <a:cs typeface="Calibri"/>
               </a:endParaRPr>
             </a:p>
             <a:p>
-              <a:endParaRPr lang="en-GB" sz="2583" dirty="0">
+              <a:endParaRPr lang="en-GB" sz="2583">
                 <a:ea typeface="+mn-lt"/>
                 <a:cs typeface="+mn-lt"/>
               </a:endParaRPr>
             </a:p>
             <a:p>
-              <a:endParaRPr lang="en-GB" sz="2583" dirty="0">
+              <a:endParaRPr lang="en-GB" sz="2583">
                 <a:ea typeface="+mn-lt"/>
                 <a:cs typeface="+mn-lt"/>
               </a:endParaRPr>
             </a:p>
             <a:p>
-              <a:endParaRPr lang="en-GB" sz="2583" dirty="0">
+              <a:endParaRPr lang="en-GB" sz="2583">
                 <a:ea typeface="+mn-lt"/>
                 <a:cs typeface="+mn-lt"/>
               </a:endParaRPr>
@@ -5414,23 +5398,23 @@
               <a:lstStyle/>
               <a:p>
                 <a:r>
-                  <a:rPr lang="en-GB" sz="2583" dirty="0" err="1"/>
+                  <a:rPr lang="en-GB" sz="2583" err="1"/>
                   <a:t>qualityMetric</a:t>
                 </a:r>
-                <a:endParaRPr lang="en-US" sz="2583" dirty="0" err="1"/>
+                <a:endParaRPr lang="en-US" sz="2583" err="1"/>
               </a:p>
               <a:p>
-                <a:endParaRPr lang="en-GB" sz="2583" dirty="0">
+                <a:endParaRPr lang="en-GB" sz="2583">
                   <a:cs typeface="Calibri"/>
                 </a:endParaRPr>
               </a:p>
               <a:p>
-                <a:endParaRPr lang="en-GB" sz="2583" dirty="0">
+                <a:endParaRPr lang="en-GB" sz="2583">
                   <a:cs typeface="Calibri"/>
                 </a:endParaRPr>
               </a:p>
               <a:p>
-                <a:endParaRPr lang="en-GB" sz="2583" dirty="0">
+                <a:endParaRPr lang="en-GB" sz="2583">
                   <a:cs typeface="Calibri"/>
                 </a:endParaRPr>
               </a:p>
@@ -5478,10 +5462,10 @@
               <a:lstStyle/>
               <a:p>
                 <a:r>
-                  <a:rPr lang="en-GB" sz="2583" dirty="0" err="1"/>
+                  <a:rPr lang="en-GB" sz="2583" err="1"/>
                   <a:t>cvParameter</a:t>
                 </a:r>
-                <a:endParaRPr lang="en-US" sz="2583" dirty="0" err="1">
+                <a:endParaRPr lang="en-US" sz="2583" err="1">
                   <a:cs typeface="Calibri"/>
                 </a:endParaRPr>
               </a:p>
@@ -5530,10 +5514,10 @@
               <a:lstStyle/>
               <a:p>
                 <a:r>
-                  <a:rPr lang="en-GB" sz="2583" dirty="0"/>
+                  <a:rPr lang="en-GB" sz="2583"/>
                   <a:t>unit</a:t>
                 </a:r>
-                <a:endParaRPr lang="en-US" sz="2583" dirty="0"/>
+                <a:endParaRPr lang="en-US" sz="2583"/>
               </a:p>
             </p:txBody>
           </p:sp>
@@ -5570,10 +5554,10 @@
               <a:p>
                 <a:pPr algn="ctr"/>
                 <a:r>
-                  <a:rPr lang="en-GB" sz="2583" dirty="0"/>
+                  <a:rPr lang="en-GB" sz="2583"/>
                   <a:t>{..}</a:t>
                 </a:r>
-                <a:endParaRPr lang="en-US" sz="2583" dirty="0">
+                <a:endParaRPr lang="en-US" sz="2583">
                   <a:cs typeface="Calibri" panose="020F0502020204030204"/>
                 </a:endParaRPr>
               </a:p>
@@ -5595,7 +5579,7 @@
         </p:nvSpPr>
         <p:spPr>
           <a:xfrm>
-            <a:off x="7284207" y="8649198"/>
+            <a:off x="7284207" y="8701191"/>
             <a:ext cx="749261" cy="510122"/>
           </a:xfrm>
           <a:prstGeom prst="rect">
@@ -5614,10 +5598,10 @@
           <a:p>
             <a:pPr algn="ctr"/>
             <a:r>
-              <a:rPr lang="en-GB" sz="2583" dirty="0"/>
+              <a:rPr lang="en-GB" sz="2583"/>
               <a:t>[..]</a:t>
             </a:r>
-            <a:endParaRPr lang="en-US" sz="2583" dirty="0">
+            <a:endParaRPr lang="en-US" sz="2583">
               <a:cs typeface="Calibri" panose="020F0502020204030204"/>
             </a:endParaRPr>
           </a:p>
@@ -5637,7 +5621,7 @@
         </p:nvSpPr>
         <p:spPr>
           <a:xfrm>
-            <a:off x="7545383" y="2401328"/>
+            <a:off x="7545383" y="2287028"/>
             <a:ext cx="697202" cy="510122"/>
           </a:xfrm>
           <a:prstGeom prst="rect">
@@ -5656,10 +5640,10 @@
           <a:p>
             <a:pPr algn="ctr"/>
             <a:r>
-              <a:rPr lang="en-GB" sz="2583" dirty="0"/>
+              <a:rPr lang="en-GB" sz="2583"/>
               <a:t>[..]</a:t>
             </a:r>
-            <a:endParaRPr lang="en-US" sz="2583" dirty="0">
+            <a:endParaRPr lang="en-US" sz="2583">
               <a:cs typeface="Calibri" panose="020F0502020204030204"/>
             </a:endParaRPr>
           </a:p>
@@ -5679,7 +5663,7 @@
         </p:nvSpPr>
         <p:spPr>
           <a:xfrm>
-            <a:off x="502076" y="665587"/>
+            <a:off x="502076" y="551287"/>
             <a:ext cx="3566416" cy="510122"/>
           </a:xfrm>
           <a:prstGeom prst="rect">
@@ -5691,7 +5675,7 @@
               <a:lumOff val="80000"/>
             </a:schemeClr>
           </a:solidFill>
-          <a:ln>
+          <a:ln w="28575">
             <a:solidFill>
               <a:schemeClr val="accent2">
                 <a:lumMod val="40000"/>
@@ -5711,10 +5695,10 @@
           <a:lstStyle/>
           <a:p>
             <a:r>
-              <a:rPr lang="en-GB" sz="2583" dirty="0"/>
+              <a:rPr lang="en-GB" sz="2583"/>
               <a:t>version</a:t>
             </a:r>
-            <a:endParaRPr lang="en-US" sz="2583" dirty="0"/>
+            <a:endParaRPr lang="en-US" sz="2583"/>
           </a:p>
         </p:txBody>
       </p:sp>
@@ -5732,7 +5716,7 @@
         </p:nvSpPr>
         <p:spPr>
           <a:xfrm>
-            <a:off x="502076" y="1840170"/>
+            <a:off x="502076" y="1725870"/>
             <a:ext cx="3566416" cy="510122"/>
           </a:xfrm>
           <a:prstGeom prst="rect">
@@ -5744,7 +5728,7 @@
               <a:lumOff val="80000"/>
             </a:schemeClr>
           </a:solidFill>
-          <a:ln>
+          <a:ln w="28575">
             <a:solidFill>
               <a:schemeClr val="accent2">
                 <a:lumMod val="40000"/>
@@ -5764,10 +5748,10 @@
           <a:lstStyle/>
           <a:p>
             <a:r>
-              <a:rPr lang="en-GB" sz="2583" dirty="0" err="1"/>
+              <a:rPr lang="en-GB" sz="2583" err="1"/>
               <a:t>contactName</a:t>
             </a:r>
-            <a:endParaRPr lang="en-US" sz="2583" dirty="0" err="1"/>
+            <a:endParaRPr lang="en-US" sz="2583" err="1"/>
           </a:p>
         </p:txBody>
       </p:sp>
@@ -5785,7 +5769,7 @@
         </p:nvSpPr>
         <p:spPr>
           <a:xfrm>
-            <a:off x="3567726" y="1848862"/>
+            <a:off x="3567726" y="1734562"/>
             <a:ext cx="637922" cy="510122"/>
           </a:xfrm>
           <a:prstGeom prst="rect">
@@ -5804,10 +5788,10 @@
           <a:p>
             <a:pPr algn="ctr"/>
             <a:r>
-              <a:rPr lang="en-GB" sz="2583" dirty="0"/>
+              <a:rPr lang="en-GB" sz="2583"/>
               <a:t>.:.</a:t>
             </a:r>
-            <a:endParaRPr lang="en-US" sz="2583" dirty="0">
+            <a:endParaRPr lang="en-US" sz="2583">
               <a:cs typeface="Calibri" panose="020F0502020204030204"/>
             </a:endParaRPr>
           </a:p>
@@ -5827,7 +5811,7 @@
         </p:nvSpPr>
         <p:spPr>
           <a:xfrm>
-            <a:off x="3536139" y="663587"/>
+            <a:off x="3536139" y="549287"/>
             <a:ext cx="637922" cy="510122"/>
           </a:xfrm>
           <a:prstGeom prst="rect">
@@ -5846,10 +5830,10 @@
           <a:p>
             <a:pPr algn="ctr"/>
             <a:r>
-              <a:rPr lang="en-GB" sz="2583" dirty="0"/>
+              <a:rPr lang="en-GB" sz="2583"/>
               <a:t>.:.</a:t>
             </a:r>
-            <a:endParaRPr lang="en-US" sz="2583" dirty="0">
+            <a:endParaRPr lang="en-US" sz="2583">
               <a:cs typeface="Calibri" panose="020F0502020204030204"/>
             </a:endParaRPr>
           </a:p>
@@ -5869,7 +5853,7 @@
         </p:nvSpPr>
         <p:spPr>
           <a:xfrm>
-            <a:off x="4542500" y="1840169"/>
+            <a:off x="4542500" y="1725869"/>
             <a:ext cx="3585607" cy="510122"/>
           </a:xfrm>
           <a:prstGeom prst="rect">
@@ -5881,7 +5865,7 @@
               <a:lumOff val="80000"/>
             </a:schemeClr>
           </a:solidFill>
-          <a:ln>
+          <a:ln w="28575">
             <a:solidFill>
               <a:schemeClr val="accent2">
                 <a:lumMod val="40000"/>
@@ -5901,12 +5885,12 @@
           <a:lstStyle/>
           <a:p>
             <a:r>
-              <a:rPr lang="en-GB" sz="2583" dirty="0" err="1">
+              <a:rPr lang="en-GB" sz="2583" err="1">
                 <a:cs typeface="Calibri"/>
               </a:rPr>
               <a:t>contactAddress</a:t>
             </a:r>
-            <a:endParaRPr lang="en-GB" sz="2583" dirty="0">
+            <a:endParaRPr lang="en-GB" sz="2583">
               <a:cs typeface="Calibri"/>
             </a:endParaRPr>
           </a:p>
@@ -5926,7 +5910,7 @@
         </p:nvSpPr>
         <p:spPr>
           <a:xfrm>
-            <a:off x="7612142" y="1848862"/>
+            <a:off x="7612142" y="1734562"/>
             <a:ext cx="637922" cy="510122"/>
           </a:xfrm>
           <a:prstGeom prst="rect">
@@ -5945,10 +5929,10 @@
           <a:p>
             <a:pPr algn="ctr"/>
             <a:r>
-              <a:rPr lang="en-GB" sz="2583" dirty="0"/>
+              <a:rPr lang="en-GB" sz="2583"/>
               <a:t>.:.</a:t>
             </a:r>
-            <a:endParaRPr lang="en-US" sz="2583" dirty="0">
+            <a:endParaRPr lang="en-US" sz="2583">
               <a:cs typeface="Calibri" panose="020F0502020204030204"/>
             </a:endParaRPr>
           </a:p>
@@ -5968,7 +5952,7 @@
         </p:nvSpPr>
         <p:spPr>
           <a:xfrm>
-            <a:off x="502075" y="1249949"/>
+            <a:off x="502075" y="1135649"/>
             <a:ext cx="3566416" cy="510122"/>
           </a:xfrm>
           <a:prstGeom prst="rect">
@@ -5980,7 +5964,7 @@
               <a:lumOff val="80000"/>
             </a:schemeClr>
           </a:solidFill>
-          <a:ln>
+          <a:ln w="28575">
             <a:solidFill>
               <a:schemeClr val="accent2">
                 <a:lumMod val="40000"/>
@@ -6000,10 +5984,10 @@
           <a:lstStyle/>
           <a:p>
             <a:r>
-              <a:rPr lang="en-GB" sz="2583" dirty="0" err="1"/>
+              <a:rPr lang="en-GB" sz="2583" err="1"/>
               <a:t>creationDate</a:t>
             </a:r>
-            <a:endParaRPr lang="en-US" sz="2583" dirty="0" err="1"/>
+            <a:endParaRPr lang="en-US" sz="2583" err="1"/>
           </a:p>
         </p:txBody>
       </p:sp>
@@ -6021,7 +6005,7 @@
         </p:nvSpPr>
         <p:spPr>
           <a:xfrm>
-            <a:off x="3567725" y="1258640"/>
+            <a:off x="3567725" y="1144340"/>
             <a:ext cx="637922" cy="510122"/>
           </a:xfrm>
           <a:prstGeom prst="rect">
@@ -6040,10 +6024,10 @@
           <a:p>
             <a:pPr algn="ctr"/>
             <a:r>
-              <a:rPr lang="en-GB" sz="2583" dirty="0"/>
+              <a:rPr lang="en-GB" sz="2583"/>
               <a:t>.:.</a:t>
             </a:r>
-            <a:endParaRPr lang="en-US" sz="2583" dirty="0">
+            <a:endParaRPr lang="en-US" sz="2583">
               <a:cs typeface="Calibri" panose="020F0502020204030204"/>
             </a:endParaRPr>
           </a:p>
@@ -6063,7 +6047,7 @@
         </p:nvSpPr>
         <p:spPr>
           <a:xfrm>
-            <a:off x="4542499" y="1249947"/>
+            <a:off x="4542499" y="1135647"/>
             <a:ext cx="3585607" cy="510122"/>
           </a:xfrm>
           <a:prstGeom prst="rect">
@@ -6075,7 +6059,7 @@
               <a:lumOff val="80000"/>
             </a:schemeClr>
           </a:solidFill>
-          <a:ln>
+          <a:ln w="28575">
             <a:solidFill>
               <a:schemeClr val="accent2">
                 <a:lumMod val="40000"/>
@@ -6095,12 +6079,12 @@
           <a:lstStyle/>
           <a:p>
             <a:r>
-              <a:rPr lang="en-GB" sz="2550" dirty="0">
+              <a:rPr lang="en-GB" sz="2550">
                 <a:cs typeface="Calibri"/>
               </a:rPr>
               <a:t>description</a:t>
             </a:r>
-            <a:endParaRPr lang="en-US" dirty="0"/>
+            <a:endParaRPr lang="en-US"/>
           </a:p>
         </p:txBody>
       </p:sp>
@@ -6118,7 +6102,7 @@
         </p:nvSpPr>
         <p:spPr>
           <a:xfrm>
-            <a:off x="7612141" y="1258640"/>
+            <a:off x="7612141" y="1144340"/>
             <a:ext cx="637922" cy="510122"/>
           </a:xfrm>
           <a:prstGeom prst="rect">
@@ -6137,10 +6121,10 @@
           <a:p>
             <a:pPr algn="ctr"/>
             <a:r>
-              <a:rPr lang="en-GB" sz="2583" dirty="0"/>
+              <a:rPr lang="en-GB" sz="2583"/>
               <a:t>.:.</a:t>
             </a:r>
-            <a:endParaRPr lang="en-US" sz="2583" dirty="0">
+            <a:endParaRPr lang="en-US" sz="2583">
               <a:cs typeface="Calibri" panose="020F0502020204030204"/>
             </a:endParaRPr>
           </a:p>
@@ -6160,8 +6144,8 @@
         </p:nvSpPr>
         <p:spPr>
           <a:xfrm>
-            <a:off x="654667" y="2897693"/>
-            <a:ext cx="3269443" cy="7934502"/>
+            <a:off x="654667" y="2799518"/>
+            <a:ext cx="3285574" cy="8063510"/>
           </a:xfrm>
           <a:prstGeom prst="rect">
             <a:avLst/>
@@ -6172,7 +6156,7 @@
               <a:lumOff val="80000"/>
             </a:schemeClr>
           </a:solidFill>
-          <a:ln>
+          <a:ln w="28575">
             <a:solidFill>
               <a:schemeClr val="accent6"/>
             </a:solidFill>
@@ -6188,80 +6172,80 @@
           <a:lstStyle/>
           <a:p>
             <a:r>
-              <a:rPr lang="en-GB" sz="2583" dirty="0" err="1"/>
+              <a:rPr lang="en-GB" sz="2583" err="1"/>
               <a:t>runQuality</a:t>
             </a:r>
-            <a:endParaRPr lang="en-US" sz="2583" dirty="0" err="1">
+            <a:endParaRPr lang="en-US" sz="2583" err="1">
               <a:cs typeface="Calibri" panose="020F0502020204030204"/>
             </a:endParaRPr>
           </a:p>
           <a:p>
-            <a:endParaRPr lang="en-GB" sz="2583" dirty="0">
+            <a:endParaRPr lang="en-GB" sz="2583">
               <a:cs typeface="Calibri"/>
             </a:endParaRPr>
           </a:p>
           <a:p>
-            <a:endParaRPr lang="en-GB" sz="2583" dirty="0">
+            <a:endParaRPr lang="en-GB" sz="2583">
               <a:cs typeface="Calibri"/>
             </a:endParaRPr>
           </a:p>
           <a:p>
-            <a:endParaRPr lang="en-GB" sz="2583" dirty="0">
+            <a:endParaRPr lang="en-GB" sz="2583">
               <a:cs typeface="Calibri"/>
             </a:endParaRPr>
           </a:p>
           <a:p>
-            <a:endParaRPr lang="en-GB" sz="2583" dirty="0">
+            <a:endParaRPr lang="en-GB" sz="2583">
               <a:cs typeface="Calibri"/>
             </a:endParaRPr>
           </a:p>
           <a:p>
-            <a:endParaRPr lang="en-GB" sz="2583" dirty="0">
+            <a:endParaRPr lang="en-GB" sz="2583">
               <a:cs typeface="Calibri"/>
             </a:endParaRPr>
           </a:p>
           <a:p>
-            <a:endParaRPr lang="en-GB" sz="2583" dirty="0">
+            <a:endParaRPr lang="en-GB" sz="2583">
               <a:cs typeface="Calibri"/>
             </a:endParaRPr>
           </a:p>
           <a:p>
-            <a:endParaRPr lang="en-GB" sz="2583" dirty="0">
+            <a:endParaRPr lang="en-GB" sz="2583">
               <a:cs typeface="Calibri"/>
             </a:endParaRPr>
           </a:p>
           <a:p>
-            <a:endParaRPr lang="en-GB" sz="2583" dirty="0">
+            <a:endParaRPr lang="en-GB" sz="2583">
               <a:cs typeface="Calibri"/>
             </a:endParaRPr>
           </a:p>
           <a:p>
-            <a:endParaRPr lang="en-GB" sz="2583" dirty="0">
+            <a:endParaRPr lang="en-GB" sz="2583">
               <a:cs typeface="Calibri"/>
             </a:endParaRPr>
           </a:p>
           <a:p>
-            <a:endParaRPr lang="en-GB" sz="2583" dirty="0">
+            <a:endParaRPr lang="en-GB" sz="2583">
               <a:cs typeface="Calibri"/>
             </a:endParaRPr>
           </a:p>
           <a:p>
-            <a:endParaRPr lang="en-GB" sz="1464" dirty="0">
+            <a:endParaRPr lang="en-GB" sz="1464">
               <a:cs typeface="Calibri"/>
             </a:endParaRPr>
           </a:p>
           <a:p>
-            <a:endParaRPr lang="en-GB" sz="1464" dirty="0">
+            <a:endParaRPr lang="en-GB" sz="1464">
               <a:cs typeface="Calibri"/>
             </a:endParaRPr>
           </a:p>
           <a:p>
-            <a:endParaRPr lang="en-GB" sz="1464" dirty="0">
+            <a:endParaRPr lang="en-GB" sz="1464">
               <a:cs typeface="Calibri"/>
             </a:endParaRPr>
           </a:p>
           <a:p>
-            <a:endParaRPr lang="en-GB" sz="2583" dirty="0">
+            <a:endParaRPr lang="en-GB" sz="2583">
               <a:cs typeface="Calibri"/>
             </a:endParaRPr>
           </a:p>
@@ -6281,7 +6265,7 @@
         </p:nvGrpSpPr>
         <p:grpSpPr>
           <a:xfrm>
-            <a:off x="770868" y="8681420"/>
+            <a:off x="770868" y="8733413"/>
             <a:ext cx="3060624" cy="2083832"/>
             <a:chOff x="4142310" y="7633267"/>
             <a:chExt cx="2634234" cy="1793524"/>
@@ -6330,36 +6314,36 @@
             <a:lstStyle/>
             <a:p>
               <a:r>
-                <a:rPr lang="en-GB" sz="2583" dirty="0" err="1">
+                <a:rPr lang="en-GB" sz="2583" err="1">
                   <a:ea typeface="+mn-lt"/>
                   <a:cs typeface="+mn-lt"/>
                 </a:rPr>
                 <a:t>qualityMetrics</a:t>
               </a:r>
-              <a:endParaRPr lang="en-US" sz="2583" dirty="0" err="1">
+              <a:endParaRPr lang="en-US" sz="2583" err="1">
                 <a:ea typeface="+mn-lt"/>
                 <a:cs typeface="+mn-lt"/>
               </a:endParaRPr>
             </a:p>
             <a:p>
-              <a:endParaRPr lang="en-GB" sz="2583" dirty="0">
+              <a:endParaRPr lang="en-GB" sz="2583">
                 <a:cs typeface="Calibri"/>
               </a:endParaRPr>
             </a:p>
             <a:p>
-              <a:endParaRPr lang="en-GB" sz="2583" dirty="0">
+              <a:endParaRPr lang="en-GB" sz="2583">
                 <a:ea typeface="+mn-lt"/>
                 <a:cs typeface="+mn-lt"/>
               </a:endParaRPr>
             </a:p>
             <a:p>
-              <a:endParaRPr lang="en-GB" sz="2583" dirty="0">
+              <a:endParaRPr lang="en-GB" sz="2583">
                 <a:ea typeface="+mn-lt"/>
                 <a:cs typeface="+mn-lt"/>
               </a:endParaRPr>
             </a:p>
             <a:p>
-              <a:endParaRPr lang="en-GB" sz="2583" dirty="0">
+              <a:endParaRPr lang="en-GB" sz="2583">
                 <a:ea typeface="+mn-lt"/>
                 <a:cs typeface="+mn-lt"/>
               </a:endParaRPr>
@@ -6428,23 +6412,23 @@
               <a:lstStyle/>
               <a:p>
                 <a:r>
-                  <a:rPr lang="en-GB" sz="2583" dirty="0" err="1"/>
+                  <a:rPr lang="en-GB" sz="2583" err="1"/>
                   <a:t>qualityMetric</a:t>
                 </a:r>
-                <a:endParaRPr lang="en-US" sz="2583" dirty="0" err="1"/>
+                <a:endParaRPr lang="en-US" sz="2583" err="1"/>
               </a:p>
               <a:p>
-                <a:endParaRPr lang="en-GB" sz="2583" dirty="0">
+                <a:endParaRPr lang="en-GB" sz="2583">
                   <a:cs typeface="Calibri"/>
                 </a:endParaRPr>
               </a:p>
               <a:p>
-                <a:endParaRPr lang="en-GB" sz="2583" dirty="0">
+                <a:endParaRPr lang="en-GB" sz="2583">
                   <a:cs typeface="Calibri"/>
                 </a:endParaRPr>
               </a:p>
               <a:p>
-                <a:endParaRPr lang="en-GB" sz="2583" dirty="0">
+                <a:endParaRPr lang="en-GB" sz="2583">
                   <a:cs typeface="Calibri"/>
                 </a:endParaRPr>
               </a:p>
@@ -6492,10 +6476,10 @@
               <a:lstStyle/>
               <a:p>
                 <a:r>
-                  <a:rPr lang="en-GB" sz="2583" dirty="0" err="1"/>
+                  <a:rPr lang="en-GB" sz="2583" err="1"/>
                   <a:t>cvParameter</a:t>
                 </a:r>
-                <a:endParaRPr lang="en-US" sz="2583" dirty="0" err="1">
+                <a:endParaRPr lang="en-US" sz="2583" err="1">
                   <a:cs typeface="Calibri"/>
                 </a:endParaRPr>
               </a:p>
@@ -6544,10 +6528,10 @@
               <a:lstStyle/>
               <a:p>
                 <a:r>
-                  <a:rPr lang="en-GB" sz="2583" dirty="0"/>
+                  <a:rPr lang="en-GB" sz="2583"/>
                   <a:t>unit</a:t>
                 </a:r>
-                <a:endParaRPr lang="en-US" sz="2583" dirty="0"/>
+                <a:endParaRPr lang="en-US" sz="2583"/>
               </a:p>
             </p:txBody>
           </p:sp>
@@ -6584,10 +6568,10 @@
               <a:p>
                 <a:pPr algn="ctr"/>
                 <a:r>
-                  <a:rPr lang="en-GB" sz="2583" dirty="0"/>
+                  <a:rPr lang="en-GB" sz="2583"/>
                   <a:t>{..}</a:t>
                 </a:r>
-                <a:endParaRPr lang="en-US" sz="2583" dirty="0">
+                <a:endParaRPr lang="en-US" sz="2583">
                   <a:cs typeface="Calibri" panose="020F0502020204030204"/>
                 </a:endParaRPr>
               </a:p>
@@ -6609,7 +6593,7 @@
         </p:nvSpPr>
         <p:spPr>
           <a:xfrm>
-            <a:off x="3229790" y="8654766"/>
+            <a:off x="3229790" y="8706759"/>
             <a:ext cx="749261" cy="510122"/>
           </a:xfrm>
           <a:prstGeom prst="rect">
@@ -6628,10 +6612,10 @@
           <a:p>
             <a:pPr algn="ctr"/>
             <a:r>
-              <a:rPr lang="en-GB" sz="2583" dirty="0"/>
+              <a:rPr lang="en-GB" sz="2583"/>
               <a:t>[..]</a:t>
             </a:r>
-            <a:endParaRPr lang="en-US" sz="2583" dirty="0">
+            <a:endParaRPr lang="en-US" sz="2583">
               <a:cs typeface="Calibri" panose="020F0502020204030204"/>
             </a:endParaRPr>
           </a:p>
@@ -6639,10 +6623,10 @@
       </p:sp>
       <p:grpSp>
         <p:nvGrpSpPr>
-          <p:cNvPr id="159" name="Group 158">
+          <p:cNvPr id="14" name="Group 13">
             <a:extLst>
               <a:ext uri="{FF2B5EF4-FFF2-40B4-BE49-F238E27FC236}">
-                <a16:creationId xmlns:a16="http://schemas.microsoft.com/office/drawing/2014/main" id="{A3F8BB41-2E63-4600-BF79-EEC38F316936}"/>
+                <a16:creationId xmlns:a16="http://schemas.microsoft.com/office/drawing/2014/main" id="{A17A40B1-7DAF-4AF9-A9F1-BF3520CC0F62}"/>
               </a:ext>
             </a:extLst>
           </p:cNvPr>
@@ -6651,18 +6635,155 @@
         </p:nvGrpSpPr>
         <p:grpSpPr>
           <a:xfrm>
-            <a:off x="770868" y="3334370"/>
-            <a:ext cx="3153242" cy="5295736"/>
-            <a:chOff x="4142310" y="2726339"/>
-            <a:chExt cx="2713949" cy="4557963"/>
+            <a:off x="787000" y="3189835"/>
+            <a:ext cx="3137111" cy="5521498"/>
+            <a:chOff x="787000" y="3304135"/>
+            <a:chExt cx="3137111" cy="5521498"/>
           </a:xfrm>
         </p:grpSpPr>
+        <p:sp>
+          <p:nvSpPr>
+            <p:cNvPr id="162" name="TextBox 161">
+              <a:extLst>
+                <a:ext uri="{FF2B5EF4-FFF2-40B4-BE49-F238E27FC236}">
+                  <a16:creationId xmlns:a16="http://schemas.microsoft.com/office/drawing/2014/main" id="{F7892C90-712C-405C-B88F-8BE1959D9644}"/>
+                </a:ext>
+              </a:extLst>
+            </p:cNvPr>
+            <p:cNvSpPr txBox="1"/>
+            <p:nvPr/>
+          </p:nvSpPr>
+          <p:spPr>
+            <a:xfrm>
+              <a:off x="787000" y="3304554"/>
+              <a:ext cx="3044493" cy="5521079"/>
+            </a:xfrm>
+            <a:prstGeom prst="rect">
+              <a:avLst/>
+            </a:prstGeom>
+            <a:solidFill>
+              <a:schemeClr val="accent6">
+                <a:lumMod val="60000"/>
+                <a:lumOff val="40000"/>
+              </a:schemeClr>
+            </a:solidFill>
+            <a:ln w="28575">
+              <a:solidFill>
+                <a:schemeClr val="accent6"/>
+              </a:solidFill>
+              <a:prstDash val="dash"/>
+            </a:ln>
+          </p:spPr>
+          <p:txBody>
+            <a:bodyPr rot="0" spcFirstLastPara="0" vertOverflow="overflow" horzOverflow="overflow" vert="horz" wrap="square" lIns="111553" tIns="55776" rIns="111553" bIns="55776" numCol="1" spcCol="0" rtlCol="0" fromWordArt="0" anchor="t" anchorCtr="0" forceAA="0" compatLnSpc="1">
+              <a:prstTxWarp prst="textNoShape">
+                <a:avLst/>
+              </a:prstTxWarp>
+              <a:noAutofit/>
+            </a:bodyPr>
+            <a:lstStyle/>
+            <a:p>
+              <a:r>
+                <a:rPr lang="en-GB" sz="2583" dirty="0">
+                  <a:ea typeface="+mn-lt"/>
+                  <a:cs typeface="+mn-lt"/>
+                </a:rPr>
+                <a:t>metadata</a:t>
+              </a:r>
+              <a:endParaRPr lang="en-US" sz="2583" dirty="0">
+                <a:ea typeface="+mn-lt"/>
+                <a:cs typeface="+mn-lt"/>
+              </a:endParaRPr>
+            </a:p>
+            <a:p>
+              <a:endParaRPr lang="en-GB" sz="2583">
+                <a:ea typeface="+mn-lt"/>
+                <a:cs typeface="+mn-lt"/>
+              </a:endParaRPr>
+            </a:p>
+            <a:p>
+              <a:endParaRPr lang="en-GB" sz="2583">
+                <a:cs typeface="Calibri"/>
+              </a:endParaRPr>
+            </a:p>
+            <a:p>
+              <a:endParaRPr lang="en-GB" sz="2583">
+                <a:cs typeface="Calibri"/>
+              </a:endParaRPr>
+            </a:p>
+            <a:p>
+              <a:endParaRPr lang="en-GB" sz="1952">
+                <a:cs typeface="Calibri"/>
+              </a:endParaRPr>
+            </a:p>
+            <a:p>
+              <a:endParaRPr lang="en-GB" sz="1952">
+                <a:cs typeface="Calibri"/>
+              </a:endParaRPr>
+            </a:p>
+            <a:p>
+              <a:endParaRPr lang="en-GB" sz="1952">
+                <a:cs typeface="Calibri"/>
+              </a:endParaRPr>
+            </a:p>
+            <a:p>
+              <a:endParaRPr lang="en-GB" sz="2583">
+                <a:cs typeface="Calibri"/>
+              </a:endParaRPr>
+            </a:p>
+          </p:txBody>
+        </p:sp>
+        <p:sp>
+          <p:nvSpPr>
+            <p:cNvPr id="163" name="TextBox 162">
+              <a:extLst>
+                <a:ext uri="{FF2B5EF4-FFF2-40B4-BE49-F238E27FC236}">
+                  <a16:creationId xmlns:a16="http://schemas.microsoft.com/office/drawing/2014/main" id="{8F04E6AE-9A27-4998-8065-CB7BBA15F426}"/>
+                </a:ext>
+              </a:extLst>
+            </p:cNvPr>
+            <p:cNvSpPr txBox="1"/>
+            <p:nvPr/>
+          </p:nvSpPr>
+          <p:spPr>
+            <a:xfrm>
+              <a:off x="3233665" y="3304135"/>
+              <a:ext cx="690446" cy="510095"/>
+            </a:xfrm>
+            <a:prstGeom prst="rect">
+              <a:avLst/>
+            </a:prstGeom>
+            <a:noFill/>
+            <a:ln w="28575">
+              <a:noFill/>
+            </a:ln>
+          </p:spPr>
+          <p:txBody>
+            <a:bodyPr rot="0" spcFirstLastPara="0" vertOverflow="overflow" horzOverflow="overflow" vert="horz" wrap="square" lIns="111553" tIns="55776" rIns="111553" bIns="55776" numCol="1" spcCol="0" rtlCol="0" fromWordArt="0" anchor="t" anchorCtr="0" forceAA="0" compatLnSpc="1">
+              <a:prstTxWarp prst="textNoShape">
+                <a:avLst/>
+              </a:prstTxWarp>
+              <a:noAutofit/>
+            </a:bodyPr>
+            <a:lstStyle/>
+            <a:p>
+              <a:pPr algn="ctr"/>
+              <a:r>
+                <a:rPr lang="en-GB" sz="2583" dirty="0"/>
+                <a:t>{..}</a:t>
+              </a:r>
+              <a:endParaRPr lang="en-US" sz="2583" dirty="0">
+                <a:cs typeface="Calibri" panose="020F0502020204030204"/>
+              </a:endParaRPr>
+            </a:p>
+          </p:txBody>
+        </p:sp>
         <p:grpSp>
           <p:nvGrpSpPr>
-            <p:cNvPr id="160" name="Group 159">
+            <p:cNvPr id="164" name="Group 163">
               <a:extLst>
                 <a:ext uri="{FF2B5EF4-FFF2-40B4-BE49-F238E27FC236}">
-                  <a16:creationId xmlns:a16="http://schemas.microsoft.com/office/drawing/2014/main" id="{09C281AD-74A0-4AA0-A70C-50C77EC8DBF4}"/>
+                  <a16:creationId xmlns:a16="http://schemas.microsoft.com/office/drawing/2014/main" id="{DFC6368B-3BF4-40D7-8A47-8ACE213AAB44}"/>
                 </a:ext>
               </a:extLst>
             </p:cNvPr>
@@ -6671,18 +6792,18 @@
           </p:nvGrpSpPr>
           <p:grpSpPr>
             <a:xfrm>
-              <a:off x="4142310" y="2726339"/>
-              <a:ext cx="2713949" cy="4557963"/>
-              <a:chOff x="4142310" y="3005745"/>
-              <a:chExt cx="2713949" cy="4557963"/>
+              <a:off x="895335" y="4281658"/>
+              <a:ext cx="2484588" cy="1036874"/>
+              <a:chOff x="4249436" y="3780826"/>
+              <a:chExt cx="2138448" cy="892422"/>
             </a:xfrm>
           </p:grpSpPr>
           <p:sp>
             <p:nvSpPr>
-              <p:cNvPr id="162" name="TextBox 161">
+              <p:cNvPr id="176" name="TextBox 175">
                 <a:extLst>
                   <a:ext uri="{FF2B5EF4-FFF2-40B4-BE49-F238E27FC236}">
-                    <a16:creationId xmlns:a16="http://schemas.microsoft.com/office/drawing/2014/main" id="{F7892C90-712C-405C-B88F-8BE1959D9644}"/>
+                    <a16:creationId xmlns:a16="http://schemas.microsoft.com/office/drawing/2014/main" id="{7D76B79E-394C-4D0A-8BE9-FBE9C72135F8}"/>
                   </a:ext>
                 </a:extLst>
               </p:cNvPr>
@@ -6691,21 +6812,531 @@
             </p:nvSpPr>
             <p:spPr>
               <a:xfrm>
-                <a:off x="4142310" y="3019985"/>
-                <a:ext cx="2634234" cy="4543723"/>
+                <a:off x="4249436" y="3810831"/>
+                <a:ext cx="2061740" cy="862417"/>
               </a:xfrm>
               <a:prstGeom prst="rect">
                 <a:avLst/>
               </a:prstGeom>
               <a:solidFill>
-                <a:schemeClr val="accent6">
-                  <a:lumMod val="60000"/>
-                  <a:lumOff val="40000"/>
+                <a:schemeClr val="accent4">
+                  <a:lumMod val="20000"/>
+                  <a:lumOff val="80000"/>
                 </a:schemeClr>
               </a:solidFill>
-              <a:ln>
+              <a:ln w="28575">
                 <a:solidFill>
-                  <a:schemeClr val="accent6"/>
+                  <a:schemeClr val="accent4"/>
+                </a:solidFill>
+              </a:ln>
+            </p:spPr>
+            <p:txBody>
+              <a:bodyPr rot="0" spcFirstLastPara="0" vertOverflow="overflow" horzOverflow="overflow" vert="horz" wrap="square" lIns="111553" tIns="55776" rIns="111553" bIns="55776" numCol="1" spcCol="0" rtlCol="0" fromWordArt="0" anchor="t" anchorCtr="0" forceAA="0" compatLnSpc="1">
+                <a:prstTxWarp prst="textNoShape">
+                  <a:avLst/>
+                </a:prstTxWarp>
+                <a:noAutofit/>
+              </a:bodyPr>
+              <a:lstStyle/>
+              <a:p>
+                <a:r>
+                  <a:rPr lang="en-GB" sz="2583" err="1"/>
+                  <a:t>inputFiles</a:t>
+                </a:r>
+                <a:endParaRPr lang="en-US" sz="2583" err="1"/>
+              </a:p>
+              <a:p>
+                <a:endParaRPr lang="en-GB" sz="2583">
+                  <a:cs typeface="Calibri"/>
+                </a:endParaRPr>
+              </a:p>
+            </p:txBody>
+          </p:sp>
+          <p:sp>
+            <p:nvSpPr>
+              <p:cNvPr id="177" name="TextBox 176">
+                <a:extLst>
+                  <a:ext uri="{FF2B5EF4-FFF2-40B4-BE49-F238E27FC236}">
+                    <a16:creationId xmlns:a16="http://schemas.microsoft.com/office/drawing/2014/main" id="{5F540869-CE97-472E-AFE9-7EBAB2EAAE1B}"/>
+                  </a:ext>
+                </a:extLst>
+              </p:cNvPr>
+              <p:cNvSpPr txBox="1"/>
+              <p:nvPr/>
+            </p:nvSpPr>
+            <p:spPr>
+              <a:xfrm>
+                <a:off x="4340448" y="4195054"/>
+                <a:ext cx="1747997" cy="445217"/>
+              </a:xfrm>
+              <a:prstGeom prst="rect">
+                <a:avLst/>
+              </a:prstGeom>
+              <a:solidFill>
+                <a:schemeClr val="accent4">
+                  <a:lumMod val="40000"/>
+                  <a:lumOff val="60000"/>
+                </a:schemeClr>
+              </a:solidFill>
+              <a:ln w="28575">
+                <a:solidFill>
+                  <a:schemeClr val="accent4"/>
+                </a:solidFill>
+              </a:ln>
+            </p:spPr>
+            <p:txBody>
+              <a:bodyPr rot="0" spcFirstLastPara="0" vertOverflow="overflow" horzOverflow="overflow" vert="horz" wrap="square" lIns="111553" tIns="55776" rIns="111553" bIns="55776" numCol="1" spcCol="0" rtlCol="0" fromWordArt="0" anchor="t" anchorCtr="0" forceAA="0" compatLnSpc="1">
+                <a:prstTxWarp prst="textNoShape">
+                  <a:avLst/>
+                </a:prstTxWarp>
+                <a:noAutofit/>
+              </a:bodyPr>
+              <a:lstStyle/>
+              <a:p>
+                <a:r>
+                  <a:rPr lang="en-GB" sz="2583" err="1"/>
+                  <a:t>inputFile</a:t>
+                </a:r>
+                <a:endParaRPr lang="en-US" sz="2583" err="1"/>
+              </a:p>
+            </p:txBody>
+          </p:sp>
+          <p:sp>
+            <p:nvSpPr>
+              <p:cNvPr id="178" name="TextBox 177">
+                <a:extLst>
+                  <a:ext uri="{FF2B5EF4-FFF2-40B4-BE49-F238E27FC236}">
+                    <a16:creationId xmlns:a16="http://schemas.microsoft.com/office/drawing/2014/main" id="{87FAAEED-CC49-499E-8097-0D518D497282}"/>
+                  </a:ext>
+                </a:extLst>
+              </p:cNvPr>
+              <p:cNvSpPr txBox="1"/>
+              <p:nvPr/>
+            </p:nvSpPr>
+            <p:spPr>
+              <a:xfrm>
+                <a:off x="5857479" y="3780826"/>
+                <a:ext cx="530405" cy="439031"/>
+              </a:xfrm>
+              <a:prstGeom prst="rect">
+                <a:avLst/>
+              </a:prstGeom>
+              <a:noFill/>
+              <a:ln w="28575">
+                <a:noFill/>
+              </a:ln>
+            </p:spPr>
+            <p:txBody>
+              <a:bodyPr rot="0" spcFirstLastPara="0" vertOverflow="overflow" horzOverflow="overflow" vert="horz" wrap="square" lIns="111553" tIns="55776" rIns="111553" bIns="55776" numCol="1" spcCol="0" rtlCol="0" fromWordArt="0" anchor="t" anchorCtr="0" forceAA="0" compatLnSpc="1">
+                <a:prstTxWarp prst="textNoShape">
+                  <a:avLst/>
+                </a:prstTxWarp>
+                <a:noAutofit/>
+              </a:bodyPr>
+              <a:lstStyle/>
+              <a:p>
+                <a:pPr algn="ctr"/>
+                <a:r>
+                  <a:rPr lang="en-GB" sz="2583" dirty="0"/>
+                  <a:t>[..]</a:t>
+                </a:r>
+                <a:endParaRPr lang="en-US" sz="2583" dirty="0">
+                  <a:cs typeface="Calibri" panose="020F0502020204030204"/>
+                </a:endParaRPr>
+              </a:p>
+            </p:txBody>
+          </p:sp>
+        </p:grpSp>
+        <p:sp>
+          <p:nvSpPr>
+            <p:cNvPr id="171" name="TextBox 170">
+              <a:extLst>
+                <a:ext uri="{FF2B5EF4-FFF2-40B4-BE49-F238E27FC236}">
+                  <a16:creationId xmlns:a16="http://schemas.microsoft.com/office/drawing/2014/main" id="{8D0133EF-E845-467D-97E5-45B3F4DACB0C}"/>
+                </a:ext>
+              </a:extLst>
+            </p:cNvPr>
+            <p:cNvSpPr txBox="1"/>
+            <p:nvPr/>
+          </p:nvSpPr>
+          <p:spPr>
+            <a:xfrm>
+              <a:off x="896487" y="5359333"/>
+              <a:ext cx="2809659" cy="2303662"/>
+            </a:xfrm>
+            <a:prstGeom prst="rect">
+              <a:avLst/>
+            </a:prstGeom>
+            <a:solidFill>
+              <a:schemeClr val="accent4">
+                <a:lumMod val="20000"/>
+                <a:lumOff val="80000"/>
+              </a:schemeClr>
+            </a:solidFill>
+            <a:ln w="28575">
+              <a:solidFill>
+                <a:schemeClr val="accent4"/>
+              </a:solidFill>
+            </a:ln>
+          </p:spPr>
+          <p:txBody>
+            <a:bodyPr rot="0" spcFirstLastPara="0" vertOverflow="overflow" horzOverflow="overflow" vert="horz" wrap="square" lIns="111553" tIns="55776" rIns="111553" bIns="55776" numCol="1" spcCol="0" rtlCol="0" fromWordArt="0" anchor="t" anchorCtr="0" forceAA="0" compatLnSpc="1">
+              <a:prstTxWarp prst="textNoShape">
+                <a:avLst/>
+              </a:prstTxWarp>
+              <a:noAutofit/>
+            </a:bodyPr>
+            <a:lstStyle/>
+            <a:p>
+              <a:r>
+                <a:rPr lang="en-GB" sz="2583" err="1"/>
+                <a:t>analysisSoftware</a:t>
+              </a:r>
+              <a:endParaRPr lang="en-GB" sz="2583" err="1">
+                <a:cs typeface="Calibri"/>
+              </a:endParaRPr>
+            </a:p>
+            <a:p>
+              <a:endParaRPr lang="en-GB" sz="2583">
+                <a:cs typeface="Calibri"/>
+              </a:endParaRPr>
+            </a:p>
+          </p:txBody>
+        </p:sp>
+        <p:sp>
+          <p:nvSpPr>
+            <p:cNvPr id="8" name="TextBox 7">
+              <a:extLst>
+                <a:ext uri="{FF2B5EF4-FFF2-40B4-BE49-F238E27FC236}">
+                  <a16:creationId xmlns:a16="http://schemas.microsoft.com/office/drawing/2014/main" id="{BA947764-2A0B-41DF-AA31-6E91E9C3E0DC}"/>
+                </a:ext>
+              </a:extLst>
+            </p:cNvPr>
+            <p:cNvSpPr txBox="1"/>
+            <p:nvPr/>
+          </p:nvSpPr>
+          <p:spPr>
+            <a:xfrm>
+              <a:off x="985514" y="5786037"/>
+              <a:ext cx="2625232" cy="1818776"/>
+            </a:xfrm>
+            <a:prstGeom prst="rect">
+              <a:avLst/>
+            </a:prstGeom>
+            <a:solidFill>
+              <a:schemeClr val="accent3">
+                <a:lumMod val="20000"/>
+                <a:lumOff val="80000"/>
+              </a:schemeClr>
+            </a:solidFill>
+            <a:ln w="28575">
+              <a:solidFill>
+                <a:schemeClr val="accent3"/>
+              </a:solidFill>
+            </a:ln>
+          </p:spPr>
+          <p:txBody>
+            <a:bodyPr rot="0" spcFirstLastPara="0" vertOverflow="overflow" horzOverflow="overflow" vert="horz" wrap="square" lIns="111553" tIns="55776" rIns="111553" bIns="55776" numCol="1" spcCol="0" rtlCol="0" fromWordArt="0" anchor="t" anchorCtr="0" forceAA="0" compatLnSpc="1">
+              <a:prstTxWarp prst="textNoShape">
+                <a:avLst/>
+              </a:prstTxWarp>
+              <a:noAutofit/>
+            </a:bodyPr>
+            <a:lstStyle/>
+            <a:p>
+              <a:endParaRPr lang="en-GB" sz="1952">
+                <a:cs typeface="Calibri"/>
+              </a:endParaRPr>
+            </a:p>
+            <a:p>
+              <a:endParaRPr lang="en-GB" sz="1952">
+                <a:cs typeface="Calibri"/>
+              </a:endParaRPr>
+            </a:p>
+            <a:p>
+              <a:endParaRPr lang="en-GB" sz="1952">
+                <a:cs typeface="Calibri"/>
+              </a:endParaRPr>
+            </a:p>
+            <a:p>
+              <a:endParaRPr lang="en-GB" sz="1952">
+                <a:cs typeface="Calibri"/>
+              </a:endParaRPr>
+            </a:p>
+            <a:p>
+              <a:endParaRPr lang="en-GB" sz="1952">
+                <a:cs typeface="Calibri"/>
+              </a:endParaRPr>
+            </a:p>
+            <a:p>
+              <a:endParaRPr lang="en-GB" sz="2583">
+                <a:cs typeface="Calibri"/>
+              </a:endParaRPr>
+            </a:p>
+            <a:p>
+              <a:endParaRPr lang="en-GB" sz="2583">
+                <a:cs typeface="Calibri"/>
+              </a:endParaRPr>
+            </a:p>
+          </p:txBody>
+        </p:sp>
+        <p:sp>
+          <p:nvSpPr>
+            <p:cNvPr id="172" name="TextBox 171">
+              <a:extLst>
+                <a:ext uri="{FF2B5EF4-FFF2-40B4-BE49-F238E27FC236}">
+                  <a16:creationId xmlns:a16="http://schemas.microsoft.com/office/drawing/2014/main" id="{81308DC5-042B-452B-A7C2-9989546EE8E0}"/>
+                </a:ext>
+              </a:extLst>
+            </p:cNvPr>
+            <p:cNvSpPr txBox="1"/>
+            <p:nvPr/>
+          </p:nvSpPr>
+          <p:spPr>
+            <a:xfrm>
+              <a:off x="1083478" y="5885907"/>
+              <a:ext cx="2017566" cy="509188"/>
+            </a:xfrm>
+            <a:prstGeom prst="rect">
+              <a:avLst/>
+            </a:prstGeom>
+            <a:solidFill>
+              <a:schemeClr val="accent4">
+                <a:lumMod val="40000"/>
+                <a:lumOff val="60000"/>
+              </a:schemeClr>
+            </a:solidFill>
+            <a:ln w="28575">
+              <a:solidFill>
+                <a:schemeClr val="accent4"/>
+              </a:solidFill>
+              <a:prstDash val="solid"/>
+            </a:ln>
+          </p:spPr>
+          <p:txBody>
+            <a:bodyPr rot="0" spcFirstLastPara="0" vertOverflow="overflow" horzOverflow="overflow" vert="horz" wrap="square" lIns="111553" tIns="55776" rIns="111553" bIns="55776" numCol="1" spcCol="0" rtlCol="0" fromWordArt="0" anchor="t" anchorCtr="0" forceAA="0" compatLnSpc="1">
+              <a:prstTxWarp prst="textNoShape">
+                <a:avLst/>
+              </a:prstTxWarp>
+              <a:noAutofit/>
+            </a:bodyPr>
+            <a:lstStyle/>
+            <a:p>
+              <a:r>
+                <a:rPr lang="en-GB" sz="2583" dirty="0">
+                  <a:ea typeface="+mn-lt"/>
+                  <a:cs typeface="+mn-lt"/>
+                </a:rPr>
+                <a:t>version</a:t>
+              </a:r>
+            </a:p>
+          </p:txBody>
+        </p:sp>
+        <p:sp>
+          <p:nvSpPr>
+            <p:cNvPr id="173" name="TextBox 172">
+              <a:extLst>
+                <a:ext uri="{FF2B5EF4-FFF2-40B4-BE49-F238E27FC236}">
+                  <a16:creationId xmlns:a16="http://schemas.microsoft.com/office/drawing/2014/main" id="{AB9AE242-B05D-4691-9E4F-59FE5F2E460C}"/>
+                </a:ext>
+              </a:extLst>
+            </p:cNvPr>
+            <p:cNvSpPr txBox="1"/>
+            <p:nvPr/>
+          </p:nvSpPr>
+          <p:spPr>
+            <a:xfrm>
+              <a:off x="3104316" y="5307923"/>
+              <a:ext cx="744709" cy="510095"/>
+            </a:xfrm>
+            <a:prstGeom prst="rect">
+              <a:avLst/>
+            </a:prstGeom>
+            <a:noFill/>
+            <a:ln w="28575">
+              <a:noFill/>
+            </a:ln>
+          </p:spPr>
+          <p:txBody>
+            <a:bodyPr rot="0" spcFirstLastPara="0" vertOverflow="overflow" horzOverflow="overflow" vert="horz" wrap="square" lIns="111553" tIns="55776" rIns="111553" bIns="55776" numCol="1" spcCol="0" rtlCol="0" fromWordArt="0" anchor="t" anchorCtr="0" forceAA="0" compatLnSpc="1">
+              <a:prstTxWarp prst="textNoShape">
+                <a:avLst/>
+              </a:prstTxWarp>
+              <a:noAutofit/>
+            </a:bodyPr>
+            <a:lstStyle/>
+            <a:p>
+              <a:pPr algn="ctr"/>
+              <a:r>
+                <a:rPr lang="en-GB" sz="2550" dirty="0">
+                  <a:ea typeface="+mn-lt"/>
+                  <a:cs typeface="+mn-lt"/>
+                </a:rPr>
+                <a:t>[..]</a:t>
+              </a:r>
+              <a:endParaRPr lang="en-US" sz="2550" dirty="0">
+                <a:ea typeface="+mn-lt"/>
+                <a:cs typeface="+mn-lt"/>
+              </a:endParaRPr>
+            </a:p>
+          </p:txBody>
+        </p:sp>
+        <p:sp>
+          <p:nvSpPr>
+            <p:cNvPr id="174" name="TextBox 173">
+              <a:extLst>
+                <a:ext uri="{FF2B5EF4-FFF2-40B4-BE49-F238E27FC236}">
+                  <a16:creationId xmlns:a16="http://schemas.microsoft.com/office/drawing/2014/main" id="{B7828689-C5B1-47CE-9324-4891C381F26B}"/>
+                </a:ext>
+              </a:extLst>
+            </p:cNvPr>
+            <p:cNvSpPr txBox="1"/>
+            <p:nvPr/>
+          </p:nvSpPr>
+          <p:spPr>
+            <a:xfrm>
+              <a:off x="1083478" y="6452999"/>
+              <a:ext cx="2017566" cy="510123"/>
+            </a:xfrm>
+            <a:prstGeom prst="rect">
+              <a:avLst/>
+            </a:prstGeom>
+            <a:solidFill>
+              <a:schemeClr val="accent4">
+                <a:lumMod val="40000"/>
+                <a:lumOff val="60000"/>
+              </a:schemeClr>
+            </a:solidFill>
+            <a:ln w="28575">
+              <a:solidFill>
+                <a:schemeClr val="accent4"/>
+              </a:solidFill>
+            </a:ln>
+          </p:spPr>
+          <p:txBody>
+            <a:bodyPr rot="0" spcFirstLastPara="0" vertOverflow="overflow" horzOverflow="overflow" vert="horz" wrap="square" lIns="111553" tIns="55776" rIns="111553" bIns="55776" numCol="1" spcCol="0" rtlCol="0" fromWordArt="0" anchor="t" anchorCtr="0" forceAA="0" compatLnSpc="1">
+              <a:prstTxWarp prst="textNoShape">
+                <a:avLst/>
+              </a:prstTxWarp>
+              <a:spAutoFit/>
+            </a:bodyPr>
+            <a:lstStyle/>
+            <a:p>
+              <a:r>
+                <a:rPr lang="en-GB" sz="2583" err="1">
+                  <a:ea typeface="+mn-lt"/>
+                  <a:cs typeface="+mn-lt"/>
+                </a:rPr>
+                <a:t>uri</a:t>
+              </a:r>
+              <a:endParaRPr lang="en-GB" sz="2583">
+                <a:ea typeface="+mn-lt"/>
+                <a:cs typeface="+mn-lt"/>
+              </a:endParaRPr>
+            </a:p>
+          </p:txBody>
+        </p:sp>
+        <p:sp>
+          <p:nvSpPr>
+            <p:cNvPr id="175" name="TextBox 174">
+              <a:extLst>
+                <a:ext uri="{FF2B5EF4-FFF2-40B4-BE49-F238E27FC236}">
+                  <a16:creationId xmlns:a16="http://schemas.microsoft.com/office/drawing/2014/main" id="{923E5C75-2E44-47FA-921F-2233C9E7CFEC}"/>
+                </a:ext>
+              </a:extLst>
+            </p:cNvPr>
+            <p:cNvSpPr txBox="1"/>
+            <p:nvPr/>
+          </p:nvSpPr>
+          <p:spPr>
+            <a:xfrm>
+              <a:off x="1083476" y="7017373"/>
+              <a:ext cx="2017566" cy="510123"/>
+            </a:xfrm>
+            <a:prstGeom prst="rect">
+              <a:avLst/>
+            </a:prstGeom>
+            <a:solidFill>
+              <a:schemeClr val="accent4">
+                <a:lumMod val="40000"/>
+                <a:lumOff val="60000"/>
+              </a:schemeClr>
+            </a:solidFill>
+            <a:ln w="28575">
+              <a:solidFill>
+                <a:schemeClr val="accent4"/>
+              </a:solidFill>
+              <a:prstDash val="dash"/>
+            </a:ln>
+          </p:spPr>
+          <p:txBody>
+            <a:bodyPr rot="0" spcFirstLastPara="0" vertOverflow="overflow" horzOverflow="overflow" vert="horz" wrap="square" lIns="111553" tIns="55776" rIns="111553" bIns="55776" numCol="1" spcCol="0" rtlCol="0" fromWordArt="0" anchor="t" anchorCtr="0" forceAA="0" compatLnSpc="1">
+              <a:prstTxWarp prst="textNoShape">
+                <a:avLst/>
+              </a:prstTxWarp>
+              <a:spAutoFit/>
+            </a:bodyPr>
+            <a:lstStyle/>
+            <a:p>
+              <a:r>
+                <a:rPr lang="en-GB" sz="2583" err="1">
+                  <a:ea typeface="+mn-lt"/>
+                  <a:cs typeface="+mn-lt"/>
+                </a:rPr>
+                <a:t>cvParameter</a:t>
+              </a:r>
+            </a:p>
+          </p:txBody>
+        </p:sp>
+        <p:grpSp>
+          <p:nvGrpSpPr>
+            <p:cNvPr id="166" name="Group 165">
+              <a:extLst>
+                <a:ext uri="{FF2B5EF4-FFF2-40B4-BE49-F238E27FC236}">
+                  <a16:creationId xmlns:a16="http://schemas.microsoft.com/office/drawing/2014/main" id="{397327B6-E3EF-4C6B-A245-A55847A2C9ED}"/>
+                </a:ext>
+              </a:extLst>
+            </p:cNvPr>
+            <p:cNvGrpSpPr/>
+            <p:nvPr/>
+          </p:nvGrpSpPr>
+          <p:grpSpPr>
+            <a:xfrm>
+              <a:off x="896487" y="7682194"/>
+              <a:ext cx="2945679" cy="1061736"/>
+              <a:chOff x="4250428" y="6773877"/>
+              <a:chExt cx="2535302" cy="913821"/>
+            </a:xfrm>
+          </p:grpSpPr>
+          <p:sp>
+            <p:nvSpPr>
+              <p:cNvPr id="168" name="TextBox 167">
+                <a:extLst>
+                  <a:ext uri="{FF2B5EF4-FFF2-40B4-BE49-F238E27FC236}">
+                    <a16:creationId xmlns:a16="http://schemas.microsoft.com/office/drawing/2014/main" id="{51D94995-94C5-49DD-A138-5F877DDC31D5}"/>
+                  </a:ext>
+                </a:extLst>
+              </p:cNvPr>
+              <p:cNvSpPr txBox="1"/>
+              <p:nvPr/>
+            </p:nvSpPr>
+            <p:spPr>
+              <a:xfrm>
+                <a:off x="4250428" y="6817863"/>
+                <a:ext cx="2418232" cy="869835"/>
+              </a:xfrm>
+              <a:prstGeom prst="rect">
+                <a:avLst/>
+              </a:prstGeom>
+              <a:solidFill>
+                <a:schemeClr val="accent4">
+                  <a:lumMod val="20000"/>
+                  <a:lumOff val="80000"/>
+                </a:schemeClr>
+              </a:solidFill>
+              <a:ln w="28575">
+                <a:solidFill>
+                  <a:schemeClr val="accent4"/>
                 </a:solidFill>
                 <a:prstDash val="dash"/>
               </a:ln>
@@ -6720,50 +7351,15 @@
               <a:lstStyle/>
               <a:p>
                 <a:r>
-                  <a:rPr lang="en-GB" sz="2583" dirty="0">
-                    <a:ea typeface="+mn-lt"/>
-                    <a:cs typeface="+mn-lt"/>
-                  </a:rPr>
-                  <a:t>metadata</a:t>
+                  <a:rPr lang="en-GB" sz="2583" err="1"/>
+                  <a:t>cvParameters</a:t>
                 </a:r>
-                <a:endParaRPr lang="en-US" sz="2583" dirty="0">
-                  <a:ea typeface="+mn-lt"/>
-                  <a:cs typeface="+mn-lt"/>
-                </a:endParaRPr>
-              </a:p>
-              <a:p>
-                <a:endParaRPr lang="en-GB" sz="2583" dirty="0">
-                  <a:ea typeface="+mn-lt"/>
-                  <a:cs typeface="+mn-lt"/>
-                </a:endParaRPr>
-              </a:p>
-              <a:p>
-                <a:endParaRPr lang="en-GB" sz="2583" dirty="0">
+                <a:endParaRPr lang="en-GB" sz="2583">
                   <a:cs typeface="Calibri"/>
                 </a:endParaRPr>
               </a:p>
               <a:p>
-                <a:endParaRPr lang="en-GB" sz="2583" dirty="0">
-                  <a:cs typeface="Calibri"/>
-                </a:endParaRPr>
-              </a:p>
-              <a:p>
-                <a:endParaRPr lang="en-GB" sz="1952" dirty="0">
-                  <a:cs typeface="Calibri"/>
-                </a:endParaRPr>
-              </a:p>
-              <a:p>
-                <a:endParaRPr lang="en-GB" sz="1952" dirty="0">
-                  <a:cs typeface="Calibri"/>
-                </a:endParaRPr>
-              </a:p>
-              <a:p>
-                <a:endParaRPr lang="en-GB" sz="1952" dirty="0">
-                  <a:cs typeface="Calibri"/>
-                </a:endParaRPr>
-              </a:p>
-              <a:p>
-                <a:endParaRPr lang="en-GB" sz="2583" dirty="0">
+                <a:endParaRPr lang="en-GB" sz="2583">
                   <a:cs typeface="Calibri"/>
                 </a:endParaRPr>
               </a:p>
@@ -6771,10 +7367,10 @@
           </p:sp>
           <p:sp>
             <p:nvSpPr>
-              <p:cNvPr id="163" name="TextBox 162">
+              <p:cNvPr id="169" name="TextBox 168">
                 <a:extLst>
                   <a:ext uri="{FF2B5EF4-FFF2-40B4-BE49-F238E27FC236}">
-                    <a16:creationId xmlns:a16="http://schemas.microsoft.com/office/drawing/2014/main" id="{8F04E6AE-9A27-4998-8065-CB7BBA15F426}"/>
+                    <a16:creationId xmlns:a16="http://schemas.microsoft.com/office/drawing/2014/main" id="{C1B1D5AF-7B1E-44FE-BD62-48F4BB0964F0}"/>
                   </a:ext>
                 </a:extLst>
               </p:cNvPr>
@@ -6783,13 +7379,68 @@
             </p:nvSpPr>
             <p:spPr>
               <a:xfrm>
-                <a:off x="6262002" y="3005745"/>
-                <a:ext cx="594257" cy="439031"/>
+                <a:off x="4340983" y="7180250"/>
+                <a:ext cx="1736489" cy="465494"/>
+              </a:xfrm>
+              <a:prstGeom prst="rect">
+                <a:avLst/>
+              </a:prstGeom>
+              <a:solidFill>
+                <a:schemeClr val="accent4">
+                  <a:lumMod val="40000"/>
+                  <a:lumOff val="60000"/>
+                </a:schemeClr>
+              </a:solidFill>
+              <a:ln w="28575">
+                <a:solidFill>
+                  <a:schemeClr val="accent2"/>
+                </a:solidFill>
+                <a:prstDash val="dash"/>
+              </a:ln>
+            </p:spPr>
+            <p:txBody>
+              <a:bodyPr rot="0" spcFirstLastPara="0" vertOverflow="overflow" horzOverflow="overflow" vert="horz" wrap="square" lIns="111553" tIns="55776" rIns="111553" bIns="55776" numCol="1" spcCol="0" rtlCol="0" fromWordArt="0" anchor="t" anchorCtr="0" forceAA="0" compatLnSpc="1">
+                <a:prstTxWarp prst="textNoShape">
+                  <a:avLst/>
+                </a:prstTxWarp>
+                <a:noAutofit/>
+              </a:bodyPr>
+              <a:lstStyle/>
+              <a:p>
+                <a:r>
+                  <a:rPr lang="en-GB" sz="2583" err="1">
+                    <a:ea typeface="+mn-lt"/>
+                    <a:cs typeface="+mn-lt"/>
+                  </a:rPr>
+                  <a:t>cvParameter</a:t>
+                </a:r>
+              </a:p>
+            </p:txBody>
+          </p:sp>
+          <p:sp>
+            <p:nvSpPr>
+              <p:cNvPr id="170" name="TextBox 169">
+                <a:extLst>
+                  <a:ext uri="{FF2B5EF4-FFF2-40B4-BE49-F238E27FC236}">
+                    <a16:creationId xmlns:a16="http://schemas.microsoft.com/office/drawing/2014/main" id="{E90EEB63-3845-49F4-BE3F-0FEA8FB2CCA5}"/>
+                  </a:ext>
+                </a:extLst>
+              </p:cNvPr>
+              <p:cNvSpPr txBox="1"/>
+              <p:nvPr/>
+            </p:nvSpPr>
+            <p:spPr>
+              <a:xfrm>
+                <a:off x="6144770" y="6773877"/>
+                <a:ext cx="640960" cy="439031"/>
               </a:xfrm>
               <a:prstGeom prst="rect">
                 <a:avLst/>
               </a:prstGeom>
               <a:noFill/>
+              <a:ln w="28575">
+                <a:noFill/>
+              </a:ln>
             </p:spPr>
             <p:txBody>
               <a:bodyPr rot="0" spcFirstLastPara="0" vertOverflow="overflow" horzOverflow="overflow" vert="horz" wrap="square" lIns="111553" tIns="55776" rIns="111553" bIns="55776" numCol="1" spcCol="0" rtlCol="0" fromWordArt="0" anchor="t" anchorCtr="0" forceAA="0" compatLnSpc="1">
@@ -6803,7 +7454,7 @@
                 <a:pPr algn="ctr"/>
                 <a:r>
                   <a:rPr lang="en-GB" sz="2583" dirty="0"/>
-                  <a:t>{..}</a:t>
+                  <a:t>[..]</a:t>
                 </a:r>
                 <a:endParaRPr lang="en-US" sz="2583" dirty="0">
                   <a:cs typeface="Calibri" panose="020F0502020204030204"/>
@@ -6811,679 +7462,63 @@
               </a:p>
             </p:txBody>
           </p:sp>
-          <p:grpSp>
-            <p:nvGrpSpPr>
-              <p:cNvPr id="164" name="Group 163">
-                <a:extLst>
-                  <a:ext uri="{FF2B5EF4-FFF2-40B4-BE49-F238E27FC236}">
-                    <a16:creationId xmlns:a16="http://schemas.microsoft.com/office/drawing/2014/main" id="{DFC6368B-3BF4-40D7-8A47-8ACE213AAB44}"/>
-                  </a:ext>
-                </a:extLst>
-              </p:cNvPr>
-              <p:cNvGrpSpPr/>
-              <p:nvPr/>
-            </p:nvGrpSpPr>
-            <p:grpSpPr>
-              <a:xfrm>
-                <a:off x="4249436" y="3847085"/>
-                <a:ext cx="2138448" cy="892422"/>
-                <a:chOff x="4249436" y="3780826"/>
-                <a:chExt cx="2138448" cy="892422"/>
-              </a:xfrm>
-            </p:grpSpPr>
-            <p:sp>
-              <p:nvSpPr>
-                <p:cNvPr id="176" name="TextBox 175">
-                  <a:extLst>
-                    <a:ext uri="{FF2B5EF4-FFF2-40B4-BE49-F238E27FC236}">
-                      <a16:creationId xmlns:a16="http://schemas.microsoft.com/office/drawing/2014/main" id="{7D76B79E-394C-4D0A-8BE9-FBE9C72135F8}"/>
-                    </a:ext>
-                  </a:extLst>
-                </p:cNvPr>
-                <p:cNvSpPr txBox="1"/>
-                <p:nvPr/>
-              </p:nvSpPr>
-              <p:spPr>
-                <a:xfrm>
-                  <a:off x="4249436" y="3810831"/>
-                  <a:ext cx="2061740" cy="862417"/>
-                </a:xfrm>
-                <a:prstGeom prst="rect">
-                  <a:avLst/>
-                </a:prstGeom>
-                <a:solidFill>
-                  <a:schemeClr val="accent4">
-                    <a:lumMod val="20000"/>
-                    <a:lumOff val="80000"/>
-                  </a:schemeClr>
-                </a:solidFill>
-                <a:ln>
-                  <a:solidFill>
-                    <a:schemeClr val="accent4"/>
-                  </a:solidFill>
-                </a:ln>
-              </p:spPr>
-              <p:txBody>
-                <a:bodyPr rot="0" spcFirstLastPara="0" vertOverflow="overflow" horzOverflow="overflow" vert="horz" wrap="square" lIns="111553" tIns="55776" rIns="111553" bIns="55776" numCol="1" spcCol="0" rtlCol="0" fromWordArt="0" anchor="t" anchorCtr="0" forceAA="0" compatLnSpc="1">
-                  <a:prstTxWarp prst="textNoShape">
-                    <a:avLst/>
-                  </a:prstTxWarp>
-                  <a:noAutofit/>
-                </a:bodyPr>
-                <a:lstStyle/>
-                <a:p>
-                  <a:r>
-                    <a:rPr lang="en-GB" sz="2583" dirty="0" err="1"/>
-                    <a:t>inputFiles</a:t>
-                  </a:r>
-                  <a:endParaRPr lang="en-US" sz="2583" dirty="0" err="1"/>
-                </a:p>
-                <a:p>
-                  <a:endParaRPr lang="en-GB" sz="2583" dirty="0">
-                    <a:cs typeface="Calibri"/>
-                  </a:endParaRPr>
-                </a:p>
-              </p:txBody>
-            </p:sp>
-            <p:sp>
-              <p:nvSpPr>
-                <p:cNvPr id="177" name="TextBox 176">
-                  <a:extLst>
-                    <a:ext uri="{FF2B5EF4-FFF2-40B4-BE49-F238E27FC236}">
-                      <a16:creationId xmlns:a16="http://schemas.microsoft.com/office/drawing/2014/main" id="{5F540869-CE97-472E-AFE9-7EBAB2EAAE1B}"/>
-                    </a:ext>
-                  </a:extLst>
-                </p:cNvPr>
-                <p:cNvSpPr txBox="1"/>
-                <p:nvPr/>
-              </p:nvSpPr>
-              <p:spPr>
-                <a:xfrm>
-                  <a:off x="4340448" y="4195054"/>
-                  <a:ext cx="1747997" cy="445217"/>
-                </a:xfrm>
-                <a:prstGeom prst="rect">
-                  <a:avLst/>
-                </a:prstGeom>
-                <a:solidFill>
-                  <a:schemeClr val="accent4">
-                    <a:lumMod val="40000"/>
-                    <a:lumOff val="60000"/>
-                  </a:schemeClr>
-                </a:solidFill>
-                <a:ln>
-                  <a:solidFill>
-                    <a:schemeClr val="accent4"/>
-                  </a:solidFill>
-                </a:ln>
-              </p:spPr>
-              <p:txBody>
-                <a:bodyPr rot="0" spcFirstLastPara="0" vertOverflow="overflow" horzOverflow="overflow" vert="horz" wrap="square" lIns="111553" tIns="55776" rIns="111553" bIns="55776" numCol="1" spcCol="0" rtlCol="0" fromWordArt="0" anchor="t" anchorCtr="0" forceAA="0" compatLnSpc="1">
-                  <a:prstTxWarp prst="textNoShape">
-                    <a:avLst/>
-                  </a:prstTxWarp>
-                  <a:noAutofit/>
-                </a:bodyPr>
-                <a:lstStyle/>
-                <a:p>
-                  <a:r>
-                    <a:rPr lang="en-GB" sz="2583" dirty="0" err="1"/>
-                    <a:t>inputFile</a:t>
-                  </a:r>
-                  <a:endParaRPr lang="en-US" sz="2583" dirty="0" err="1"/>
-                </a:p>
-              </p:txBody>
-            </p:sp>
-            <p:sp>
-              <p:nvSpPr>
-                <p:cNvPr id="178" name="TextBox 177">
-                  <a:extLst>
-                    <a:ext uri="{FF2B5EF4-FFF2-40B4-BE49-F238E27FC236}">
-                      <a16:creationId xmlns:a16="http://schemas.microsoft.com/office/drawing/2014/main" id="{87FAAEED-CC49-499E-8097-0D518D497282}"/>
-                    </a:ext>
-                  </a:extLst>
-                </p:cNvPr>
-                <p:cNvSpPr txBox="1"/>
-                <p:nvPr/>
-              </p:nvSpPr>
-              <p:spPr>
-                <a:xfrm>
-                  <a:off x="5857479" y="3780826"/>
-                  <a:ext cx="530405" cy="439031"/>
-                </a:xfrm>
-                <a:prstGeom prst="rect">
-                  <a:avLst/>
-                </a:prstGeom>
-                <a:noFill/>
-              </p:spPr>
-              <p:txBody>
-                <a:bodyPr rot="0" spcFirstLastPara="0" vertOverflow="overflow" horzOverflow="overflow" vert="horz" wrap="square" lIns="111553" tIns="55776" rIns="111553" bIns="55776" numCol="1" spcCol="0" rtlCol="0" fromWordArt="0" anchor="t" anchorCtr="0" forceAA="0" compatLnSpc="1">
-                  <a:prstTxWarp prst="textNoShape">
-                    <a:avLst/>
-                  </a:prstTxWarp>
-                  <a:noAutofit/>
-                </a:bodyPr>
-                <a:lstStyle/>
-                <a:p>
-                  <a:pPr algn="ctr"/>
-                  <a:r>
-                    <a:rPr lang="en-GB" sz="2583" dirty="0"/>
-                    <a:t>[..]</a:t>
-                  </a:r>
-                  <a:endParaRPr lang="en-US" sz="2583" dirty="0">
-                    <a:cs typeface="Calibri" panose="020F0502020204030204"/>
-                  </a:endParaRPr>
-                </a:p>
-              </p:txBody>
-            </p:sp>
-          </p:grpSp>
-          <p:grpSp>
-            <p:nvGrpSpPr>
-              <p:cNvPr id="165" name="Group 164">
-                <a:extLst>
-                  <a:ext uri="{FF2B5EF4-FFF2-40B4-BE49-F238E27FC236}">
-                    <a16:creationId xmlns:a16="http://schemas.microsoft.com/office/drawing/2014/main" id="{682F30B3-4193-482C-B6AA-9D264C804A4B}"/>
-                  </a:ext>
-                </a:extLst>
-              </p:cNvPr>
-              <p:cNvGrpSpPr/>
-              <p:nvPr/>
-            </p:nvGrpSpPr>
-            <p:grpSpPr>
-              <a:xfrm>
-                <a:off x="4250428" y="4730376"/>
-                <a:ext cx="2541206" cy="1896760"/>
-                <a:chOff x="4250428" y="4730376"/>
-                <a:chExt cx="2541206" cy="1896760"/>
-              </a:xfrm>
-            </p:grpSpPr>
-            <p:sp>
-              <p:nvSpPr>
-                <p:cNvPr id="171" name="TextBox 170">
-                  <a:extLst>
-                    <a:ext uri="{FF2B5EF4-FFF2-40B4-BE49-F238E27FC236}">
-                      <a16:creationId xmlns:a16="http://schemas.microsoft.com/office/drawing/2014/main" id="{8D0133EF-E845-467D-97E5-45B3F4DACB0C}"/>
-                    </a:ext>
-                  </a:extLst>
-                </p:cNvPr>
-                <p:cNvSpPr txBox="1"/>
-                <p:nvPr/>
-              </p:nvSpPr>
-              <p:spPr>
-                <a:xfrm>
-                  <a:off x="4250428" y="4774624"/>
-                  <a:ext cx="2418232" cy="1852512"/>
-                </a:xfrm>
-                <a:prstGeom prst="rect">
-                  <a:avLst/>
-                </a:prstGeom>
-                <a:solidFill>
-                  <a:schemeClr val="accent4">
-                    <a:lumMod val="20000"/>
-                    <a:lumOff val="80000"/>
-                  </a:schemeClr>
-                </a:solidFill>
-                <a:ln>
-                  <a:solidFill>
-                    <a:schemeClr val="accent4"/>
-                  </a:solidFill>
-                </a:ln>
-              </p:spPr>
-              <p:txBody>
-                <a:bodyPr rot="0" spcFirstLastPara="0" vertOverflow="overflow" horzOverflow="overflow" vert="horz" wrap="square" lIns="111553" tIns="55776" rIns="111553" bIns="55776" numCol="1" spcCol="0" rtlCol="0" fromWordArt="0" anchor="t" anchorCtr="0" forceAA="0" compatLnSpc="1">
-                  <a:prstTxWarp prst="textNoShape">
-                    <a:avLst/>
-                  </a:prstTxWarp>
-                  <a:noAutofit/>
-                </a:bodyPr>
-                <a:lstStyle/>
-                <a:p>
-                  <a:r>
-                    <a:rPr lang="en-GB" sz="2583" dirty="0" err="1"/>
-                    <a:t>analysisSoftware</a:t>
-                  </a:r>
-                  <a:endParaRPr lang="en-GB" sz="2583" dirty="0" err="1">
-                    <a:cs typeface="Calibri"/>
-                  </a:endParaRPr>
-                </a:p>
-                <a:p>
-                  <a:endParaRPr lang="en-GB" sz="2583" dirty="0">
-                    <a:cs typeface="Calibri"/>
-                  </a:endParaRPr>
-                </a:p>
-              </p:txBody>
-            </p:sp>
-            <p:sp>
-              <p:nvSpPr>
-                <p:cNvPr id="172" name="TextBox 171">
-                  <a:extLst>
-                    <a:ext uri="{FF2B5EF4-FFF2-40B4-BE49-F238E27FC236}">
-                      <a16:creationId xmlns:a16="http://schemas.microsoft.com/office/drawing/2014/main" id="{81308DC5-042B-452B-A7C2-9989546EE8E0}"/>
-                    </a:ext>
-                  </a:extLst>
-                </p:cNvPr>
-                <p:cNvSpPr txBox="1"/>
-                <p:nvPr/>
-              </p:nvSpPr>
-              <p:spPr>
-                <a:xfrm>
-                  <a:off x="4346299" y="5162781"/>
-                  <a:ext cx="1736489" cy="438251"/>
-                </a:xfrm>
-                <a:prstGeom prst="rect">
-                  <a:avLst/>
-                </a:prstGeom>
-                <a:solidFill>
-                  <a:schemeClr val="accent4">
-                    <a:lumMod val="40000"/>
-                    <a:lumOff val="60000"/>
-                  </a:schemeClr>
-                </a:solidFill>
-                <a:ln>
-                  <a:solidFill>
-                    <a:schemeClr val="accent4"/>
-                  </a:solidFill>
-                  <a:prstDash val="solid"/>
-                </a:ln>
-              </p:spPr>
-              <p:txBody>
-                <a:bodyPr rot="0" spcFirstLastPara="0" vertOverflow="overflow" horzOverflow="overflow" vert="horz" wrap="square" lIns="111553" tIns="55776" rIns="111553" bIns="55776" numCol="1" spcCol="0" rtlCol="0" fromWordArt="0" anchor="t" anchorCtr="0" forceAA="0" compatLnSpc="1">
-                  <a:prstTxWarp prst="textNoShape">
-                    <a:avLst/>
-                  </a:prstTxWarp>
-                  <a:noAutofit/>
-                </a:bodyPr>
-                <a:lstStyle/>
-                <a:p>
-                  <a:r>
-                    <a:rPr lang="en-GB" sz="2583" dirty="0">
-                      <a:ea typeface="+mn-lt"/>
-                      <a:cs typeface="+mn-lt"/>
-                    </a:rPr>
-                    <a:t>version</a:t>
-                  </a:r>
-                </a:p>
-              </p:txBody>
-            </p:sp>
-            <p:sp>
-              <p:nvSpPr>
-                <p:cNvPr id="173" name="TextBox 172">
-                  <a:extLst>
-                    <a:ext uri="{FF2B5EF4-FFF2-40B4-BE49-F238E27FC236}">
-                      <a16:creationId xmlns:a16="http://schemas.microsoft.com/office/drawing/2014/main" id="{AB9AE242-B05D-4691-9E4F-59FE5F2E460C}"/>
-                    </a:ext>
-                  </a:extLst>
-                </p:cNvPr>
-                <p:cNvSpPr txBox="1"/>
-                <p:nvPr/>
-              </p:nvSpPr>
-              <p:spPr>
-                <a:xfrm>
-                  <a:off x="6150674" y="4730376"/>
-                  <a:ext cx="640960" cy="439031"/>
-                </a:xfrm>
-                <a:prstGeom prst="rect">
-                  <a:avLst/>
-                </a:prstGeom>
-                <a:noFill/>
-              </p:spPr>
-              <p:txBody>
-                <a:bodyPr rot="0" spcFirstLastPara="0" vertOverflow="overflow" horzOverflow="overflow" vert="horz" wrap="square" lIns="111553" tIns="55776" rIns="111553" bIns="55776" numCol="1" spcCol="0" rtlCol="0" fromWordArt="0" anchor="t" anchorCtr="0" forceAA="0" compatLnSpc="1">
-                  <a:prstTxWarp prst="textNoShape">
-                    <a:avLst/>
-                  </a:prstTxWarp>
-                  <a:noAutofit/>
-                </a:bodyPr>
-                <a:lstStyle/>
-                <a:p>
-                  <a:pPr algn="ctr"/>
-                  <a:r>
-                    <a:rPr lang="en-GB" sz="2583" dirty="0"/>
-                    <a:t>{..}</a:t>
-                  </a:r>
-                  <a:endParaRPr lang="en-US" sz="2583" dirty="0">
-                    <a:cs typeface="Calibri" panose="020F0502020204030204"/>
-                  </a:endParaRPr>
-                </a:p>
-              </p:txBody>
-            </p:sp>
-            <p:sp>
-              <p:nvSpPr>
-                <p:cNvPr id="174" name="TextBox 173">
-                  <a:extLst>
-                    <a:ext uri="{FF2B5EF4-FFF2-40B4-BE49-F238E27FC236}">
-                      <a16:creationId xmlns:a16="http://schemas.microsoft.com/office/drawing/2014/main" id="{B7828689-C5B1-47CE-9324-4891C381F26B}"/>
-                    </a:ext>
-                  </a:extLst>
-                </p:cNvPr>
-                <p:cNvSpPr txBox="1"/>
-                <p:nvPr/>
-              </p:nvSpPr>
-              <p:spPr>
-                <a:xfrm>
-                  <a:off x="4346298" y="5650869"/>
-                  <a:ext cx="1736489" cy="439055"/>
-                </a:xfrm>
-                <a:prstGeom prst="rect">
-                  <a:avLst/>
-                </a:prstGeom>
-                <a:solidFill>
-                  <a:schemeClr val="accent4">
-                    <a:lumMod val="40000"/>
-                    <a:lumOff val="60000"/>
-                  </a:schemeClr>
-                </a:solidFill>
-                <a:ln>
-                  <a:solidFill>
-                    <a:schemeClr val="accent4"/>
-                  </a:solidFill>
-                </a:ln>
-              </p:spPr>
-              <p:txBody>
-                <a:bodyPr rot="0" spcFirstLastPara="0" vertOverflow="overflow" horzOverflow="overflow" vert="horz" wrap="square" lIns="111553" tIns="55776" rIns="111553" bIns="55776" numCol="1" spcCol="0" rtlCol="0" fromWordArt="0" anchor="t" anchorCtr="0" forceAA="0" compatLnSpc="1">
-                  <a:prstTxWarp prst="textNoShape">
-                    <a:avLst/>
-                  </a:prstTxWarp>
-                  <a:spAutoFit/>
-                </a:bodyPr>
-                <a:lstStyle/>
-                <a:p>
-                  <a:r>
-                    <a:rPr lang="en-GB" sz="2583" dirty="0" err="1">
-                      <a:ea typeface="+mn-lt"/>
-                      <a:cs typeface="+mn-lt"/>
-                    </a:rPr>
-                    <a:t>uri</a:t>
-                  </a:r>
-                  <a:endParaRPr lang="en-GB" sz="2583" dirty="0">
-                    <a:ea typeface="+mn-lt"/>
-                    <a:cs typeface="+mn-lt"/>
-                  </a:endParaRPr>
-                </a:p>
-              </p:txBody>
-            </p:sp>
-            <p:sp>
-              <p:nvSpPr>
-                <p:cNvPr id="175" name="TextBox 174">
-                  <a:extLst>
-                    <a:ext uri="{FF2B5EF4-FFF2-40B4-BE49-F238E27FC236}">
-                      <a16:creationId xmlns:a16="http://schemas.microsoft.com/office/drawing/2014/main" id="{923E5C75-2E44-47FA-921F-2233C9E7CFEC}"/>
-                    </a:ext>
-                  </a:extLst>
-                </p:cNvPr>
-                <p:cNvSpPr txBox="1"/>
-                <p:nvPr/>
-              </p:nvSpPr>
-              <p:spPr>
-                <a:xfrm>
-                  <a:off x="4346297" y="6136618"/>
-                  <a:ext cx="1736489" cy="439055"/>
-                </a:xfrm>
-                <a:prstGeom prst="rect">
-                  <a:avLst/>
-                </a:prstGeom>
-                <a:solidFill>
-                  <a:schemeClr val="accent4">
-                    <a:lumMod val="40000"/>
-                    <a:lumOff val="60000"/>
-                  </a:schemeClr>
-                </a:solidFill>
-                <a:ln>
-                  <a:solidFill>
-                    <a:schemeClr val="accent4"/>
-                  </a:solidFill>
-                  <a:prstDash val="dash"/>
-                </a:ln>
-              </p:spPr>
-              <p:txBody>
-                <a:bodyPr rot="0" spcFirstLastPara="0" vertOverflow="overflow" horzOverflow="overflow" vert="horz" wrap="square" lIns="111553" tIns="55776" rIns="111553" bIns="55776" numCol="1" spcCol="0" rtlCol="0" fromWordArt="0" anchor="t" anchorCtr="0" forceAA="0" compatLnSpc="1">
-                  <a:prstTxWarp prst="textNoShape">
-                    <a:avLst/>
-                  </a:prstTxWarp>
-                  <a:spAutoFit/>
-                </a:bodyPr>
-                <a:lstStyle/>
-                <a:p>
-                  <a:r>
-                    <a:rPr lang="en-GB" sz="2583" dirty="0" err="1">
-                      <a:ea typeface="+mn-lt"/>
-                      <a:cs typeface="+mn-lt"/>
-                    </a:rPr>
-                    <a:t>cvParameter</a:t>
-                  </a:r>
-                </a:p>
-              </p:txBody>
-            </p:sp>
-          </p:grpSp>
-          <p:grpSp>
-            <p:nvGrpSpPr>
-              <p:cNvPr id="166" name="Group 165">
-                <a:extLst>
-                  <a:ext uri="{FF2B5EF4-FFF2-40B4-BE49-F238E27FC236}">
-                    <a16:creationId xmlns:a16="http://schemas.microsoft.com/office/drawing/2014/main" id="{397327B6-E3EF-4C6B-A245-A55847A2C9ED}"/>
-                  </a:ext>
-                </a:extLst>
-              </p:cNvPr>
-              <p:cNvGrpSpPr/>
-              <p:nvPr/>
-            </p:nvGrpSpPr>
-            <p:grpSpPr>
-              <a:xfrm>
-                <a:off x="4250428" y="6617740"/>
-                <a:ext cx="2535302" cy="913820"/>
-                <a:chOff x="4250428" y="6617740"/>
-                <a:chExt cx="2535302" cy="913820"/>
-              </a:xfrm>
-            </p:grpSpPr>
-            <p:sp>
-              <p:nvSpPr>
-                <p:cNvPr id="168" name="TextBox 167">
-                  <a:extLst>
-                    <a:ext uri="{FF2B5EF4-FFF2-40B4-BE49-F238E27FC236}">
-                      <a16:creationId xmlns:a16="http://schemas.microsoft.com/office/drawing/2014/main" id="{51D94995-94C5-49DD-A138-5F877DDC31D5}"/>
-                    </a:ext>
-                  </a:extLst>
-                </p:cNvPr>
-                <p:cNvSpPr txBox="1"/>
-                <p:nvPr/>
-              </p:nvSpPr>
-              <p:spPr>
-                <a:xfrm>
-                  <a:off x="4250428" y="6661725"/>
-                  <a:ext cx="2418232" cy="869835"/>
-                </a:xfrm>
-                <a:prstGeom prst="rect">
-                  <a:avLst/>
-                </a:prstGeom>
-                <a:solidFill>
-                  <a:schemeClr val="accent4">
-                    <a:lumMod val="20000"/>
-                    <a:lumOff val="80000"/>
-                  </a:schemeClr>
-                </a:solidFill>
-                <a:ln>
-                  <a:solidFill>
-                    <a:schemeClr val="accent4"/>
-                  </a:solidFill>
-                  <a:prstDash val="dash"/>
-                </a:ln>
-              </p:spPr>
-              <p:txBody>
-                <a:bodyPr rot="0" spcFirstLastPara="0" vertOverflow="overflow" horzOverflow="overflow" vert="horz" wrap="square" lIns="111553" tIns="55776" rIns="111553" bIns="55776" numCol="1" spcCol="0" rtlCol="0" fromWordArt="0" anchor="t" anchorCtr="0" forceAA="0" compatLnSpc="1">
-                  <a:prstTxWarp prst="textNoShape">
-                    <a:avLst/>
-                  </a:prstTxWarp>
-                  <a:noAutofit/>
-                </a:bodyPr>
-                <a:lstStyle/>
-                <a:p>
-                  <a:r>
-                    <a:rPr lang="en-GB" sz="2583" dirty="0" err="1"/>
-                    <a:t>cvParameters</a:t>
-                  </a:r>
-                  <a:endParaRPr lang="en-GB" sz="2583" dirty="0">
-                    <a:cs typeface="Calibri"/>
-                  </a:endParaRPr>
-                </a:p>
-                <a:p>
-                  <a:endParaRPr lang="en-GB" sz="2583" dirty="0">
-                    <a:cs typeface="Calibri"/>
-                  </a:endParaRPr>
-                </a:p>
-              </p:txBody>
-            </p:sp>
-            <p:sp>
-              <p:nvSpPr>
-                <p:cNvPr id="169" name="TextBox 168">
-                  <a:extLst>
-                    <a:ext uri="{FF2B5EF4-FFF2-40B4-BE49-F238E27FC236}">
-                      <a16:creationId xmlns:a16="http://schemas.microsoft.com/office/drawing/2014/main" id="{C1B1D5AF-7B1E-44FE-BD62-48F4BB0964F0}"/>
-                    </a:ext>
-                  </a:extLst>
-                </p:cNvPr>
-                <p:cNvSpPr txBox="1"/>
-                <p:nvPr/>
-              </p:nvSpPr>
-              <p:spPr>
-                <a:xfrm>
-                  <a:off x="4340983" y="7024114"/>
-                  <a:ext cx="1736489" cy="465494"/>
-                </a:xfrm>
-                <a:prstGeom prst="rect">
-                  <a:avLst/>
-                </a:prstGeom>
-                <a:solidFill>
-                  <a:schemeClr val="accent4">
-                    <a:lumMod val="40000"/>
-                    <a:lumOff val="60000"/>
-                  </a:schemeClr>
-                </a:solidFill>
-                <a:ln>
-                  <a:solidFill>
-                    <a:schemeClr val="accent2"/>
-                  </a:solidFill>
-                  <a:prstDash val="dash"/>
-                </a:ln>
-              </p:spPr>
-              <p:txBody>
-                <a:bodyPr rot="0" spcFirstLastPara="0" vertOverflow="overflow" horzOverflow="overflow" vert="horz" wrap="square" lIns="111553" tIns="55776" rIns="111553" bIns="55776" numCol="1" spcCol="0" rtlCol="0" fromWordArt="0" anchor="t" anchorCtr="0" forceAA="0" compatLnSpc="1">
-                  <a:prstTxWarp prst="textNoShape">
-                    <a:avLst/>
-                  </a:prstTxWarp>
-                  <a:noAutofit/>
-                </a:bodyPr>
-                <a:lstStyle/>
-                <a:p>
-                  <a:r>
-                    <a:rPr lang="en-GB" sz="2583" dirty="0" err="1">
-                      <a:ea typeface="+mn-lt"/>
-                      <a:cs typeface="+mn-lt"/>
-                    </a:rPr>
-                    <a:t>cvParameter</a:t>
-                  </a:r>
-                </a:p>
-              </p:txBody>
-            </p:sp>
-            <p:sp>
-              <p:nvSpPr>
-                <p:cNvPr id="170" name="TextBox 169">
-                  <a:extLst>
-                    <a:ext uri="{FF2B5EF4-FFF2-40B4-BE49-F238E27FC236}">
-                      <a16:creationId xmlns:a16="http://schemas.microsoft.com/office/drawing/2014/main" id="{E90EEB63-3845-49F4-BE3F-0FEA8FB2CCA5}"/>
-                    </a:ext>
-                  </a:extLst>
-                </p:cNvPr>
-                <p:cNvSpPr txBox="1"/>
-                <p:nvPr/>
-              </p:nvSpPr>
-              <p:spPr>
-                <a:xfrm>
-                  <a:off x="6144770" y="6617740"/>
-                  <a:ext cx="640960" cy="439031"/>
-                </a:xfrm>
-                <a:prstGeom prst="rect">
-                  <a:avLst/>
-                </a:prstGeom>
-                <a:noFill/>
-              </p:spPr>
-              <p:txBody>
-                <a:bodyPr rot="0" spcFirstLastPara="0" vertOverflow="overflow" horzOverflow="overflow" vert="horz" wrap="square" lIns="111553" tIns="55776" rIns="111553" bIns="55776" numCol="1" spcCol="0" rtlCol="0" fromWordArt="0" anchor="t" anchorCtr="0" forceAA="0" compatLnSpc="1">
-                  <a:prstTxWarp prst="textNoShape">
-                    <a:avLst/>
-                  </a:prstTxWarp>
-                  <a:noAutofit/>
-                </a:bodyPr>
-                <a:lstStyle/>
-                <a:p>
-                  <a:pPr algn="ctr"/>
-                  <a:r>
-                    <a:rPr lang="en-GB" sz="2583" dirty="0"/>
-                    <a:t>[..]</a:t>
-                  </a:r>
-                  <a:endParaRPr lang="en-US" sz="2583" dirty="0">
-                    <a:cs typeface="Calibri" panose="020F0502020204030204"/>
-                  </a:endParaRPr>
-                </a:p>
-              </p:txBody>
-            </p:sp>
-          </p:grpSp>
-          <p:sp>
-            <p:nvSpPr>
-              <p:cNvPr id="167" name="TextBox 166">
-                <a:extLst>
-                  <a:ext uri="{FF2B5EF4-FFF2-40B4-BE49-F238E27FC236}">
-                    <a16:creationId xmlns:a16="http://schemas.microsoft.com/office/drawing/2014/main" id="{709E372F-1CFA-4C0B-ADCB-D2D0E98088E8}"/>
-                  </a:ext>
-                </a:extLst>
-              </p:cNvPr>
-              <p:cNvSpPr txBox="1"/>
-              <p:nvPr/>
-            </p:nvSpPr>
-            <p:spPr>
-              <a:xfrm>
-                <a:off x="4249437" y="3392040"/>
-                <a:ext cx="1826902" cy="439055"/>
-              </a:xfrm>
-              <a:prstGeom prst="rect">
+        </p:grpSp>
+        <p:sp>
+          <p:nvSpPr>
+            <p:cNvPr id="167" name="TextBox 166">
+              <a:extLst>
+                <a:ext uri="{FF2B5EF4-FFF2-40B4-BE49-F238E27FC236}">
+                  <a16:creationId xmlns:a16="http://schemas.microsoft.com/office/drawing/2014/main" id="{709E372F-1CFA-4C0B-ADCB-D2D0E98088E8}"/>
+                </a:ext>
+              </a:extLst>
+            </p:cNvPr>
+            <p:cNvSpPr txBox="1"/>
+            <p:nvPr/>
+          </p:nvSpPr>
+          <p:spPr>
+            <a:xfrm>
+              <a:off x="895336" y="3752958"/>
+              <a:ext cx="2122613" cy="510122"/>
+            </a:xfrm>
+            <a:prstGeom prst="rect">
+              <a:avLst/>
+            </a:prstGeom>
+            <a:solidFill>
+              <a:schemeClr val="accent4">
+                <a:lumMod val="40000"/>
+                <a:lumOff val="60000"/>
+              </a:schemeClr>
+            </a:solidFill>
+            <a:ln w="28575">
+              <a:solidFill>
+                <a:schemeClr val="accent4"/>
+              </a:solidFill>
+              <a:prstDash val="dash"/>
+            </a:ln>
+          </p:spPr>
+          <p:txBody>
+            <a:bodyPr rot="0" spcFirstLastPara="0" vertOverflow="overflow" horzOverflow="overflow" vert="horz" wrap="square" lIns="111553" tIns="55776" rIns="111553" bIns="55776" numCol="1" spcCol="0" rtlCol="0" fromWordArt="0" anchor="t" anchorCtr="0" forceAA="0" compatLnSpc="1">
+              <a:prstTxWarp prst="textNoShape">
                 <a:avLst/>
-              </a:prstGeom>
-              <a:solidFill>
-                <a:schemeClr val="accent4">
-                  <a:lumMod val="40000"/>
-                  <a:lumOff val="60000"/>
-                </a:schemeClr>
-              </a:solidFill>
-              <a:ln>
-                <a:solidFill>
-                  <a:schemeClr val="accent4"/>
-                </a:solidFill>
-                <a:prstDash val="dash"/>
-              </a:ln>
-            </p:spPr>
-            <p:txBody>
-              <a:bodyPr rot="0" spcFirstLastPara="0" vertOverflow="overflow" horzOverflow="overflow" vert="horz" wrap="square" lIns="111553" tIns="55776" rIns="111553" bIns="55776" numCol="1" spcCol="0" rtlCol="0" fromWordArt="0" anchor="t" anchorCtr="0" forceAA="0" compatLnSpc="1">
-                <a:prstTxWarp prst="textNoShape">
-                  <a:avLst/>
-                </a:prstTxWarp>
-                <a:spAutoFit/>
-              </a:bodyPr>
-              <a:lstStyle/>
-              <a:p>
-                <a:r>
-                  <a:rPr lang="en-GB" sz="2550" dirty="0">
-                    <a:ea typeface="+mn-lt"/>
-                    <a:cs typeface="+mn-lt"/>
-                  </a:rPr>
-                  <a:t>label</a:t>
-                </a:r>
-                <a:endParaRPr lang="en-GB" sz="2583" dirty="0">
+              </a:prstTxWarp>
+              <a:spAutoFit/>
+            </a:bodyPr>
+            <a:lstStyle/>
+            <a:p>
+              <a:r>
+                <a:rPr lang="en-GB" sz="2550" dirty="0">
                   <a:ea typeface="+mn-lt"/>
                   <a:cs typeface="+mn-lt"/>
-                </a:endParaRPr>
-              </a:p>
-            </p:txBody>
-          </p:sp>
-        </p:grpSp>
+                </a:rPr>
+                <a:t>label</a:t>
+              </a:r>
+              <a:endParaRPr lang="en-GB" sz="2583" dirty="0">
+                <a:ea typeface="+mn-lt"/>
+                <a:cs typeface="+mn-lt"/>
+              </a:endParaRPr>
+            </a:p>
+          </p:txBody>
+        </p:sp>
         <p:sp>
           <p:nvSpPr>
             <p:cNvPr id="161" name="TextBox 160">
@@ -7498,13 +7533,16 @@
           </p:nvSpPr>
           <p:spPr>
             <a:xfrm>
-              <a:off x="5634416" y="3091635"/>
-              <a:ext cx="549050" cy="439055"/>
+              <a:off x="2504494" y="3728560"/>
+              <a:ext cx="637922" cy="510122"/>
             </a:xfrm>
             <a:prstGeom prst="rect">
               <a:avLst/>
             </a:prstGeom>
             <a:noFill/>
+            <a:ln w="28575">
+              <a:noFill/>
+            </a:ln>
           </p:spPr>
           <p:txBody>
             <a:bodyPr rot="0" spcFirstLastPara="0" vertOverflow="overflow" horzOverflow="overflow" vert="horz" wrap="square" lIns="111553" tIns="55776" rIns="111553" bIns="55776" numCol="1" spcCol="0" rtlCol="0" fromWordArt="0" anchor="t" anchorCtr="0" forceAA="0" compatLnSpc="1">
@@ -7526,13 +7564,58 @@
             </a:p>
           </p:txBody>
         </p:sp>
+        <p:sp>
+          <p:nvSpPr>
+            <p:cNvPr id="142" name="TextBox 141">
+              <a:extLst>
+                <a:ext uri="{FF2B5EF4-FFF2-40B4-BE49-F238E27FC236}">
+                  <a16:creationId xmlns:a16="http://schemas.microsoft.com/office/drawing/2014/main" id="{BDBDBCCA-0045-4DFC-8C17-38683185E7D2}"/>
+                </a:ext>
+              </a:extLst>
+            </p:cNvPr>
+            <p:cNvSpPr txBox="1"/>
+            <p:nvPr/>
+          </p:nvSpPr>
+          <p:spPr>
+            <a:xfrm>
+              <a:off x="3006851" y="6397914"/>
+              <a:ext cx="690446" cy="510095"/>
+            </a:xfrm>
+            <a:prstGeom prst="rect">
+              <a:avLst/>
+            </a:prstGeom>
+            <a:noFill/>
+            <a:ln w="28575">
+              <a:noFill/>
+            </a:ln>
+          </p:spPr>
+          <p:txBody>
+            <a:bodyPr rot="0" spcFirstLastPara="0" vertOverflow="overflow" horzOverflow="overflow" vert="horz" wrap="square" lIns="111553" tIns="55776" rIns="111553" bIns="55776" numCol="1" spcCol="0" rtlCol="0" fromWordArt="0" anchor="t" anchorCtr="0" forceAA="0" compatLnSpc="1">
+              <a:prstTxWarp prst="textNoShape">
+                <a:avLst/>
+              </a:prstTxWarp>
+              <a:noAutofit/>
+            </a:bodyPr>
+            <a:lstStyle/>
+            <a:p>
+              <a:pPr algn="ctr"/>
+              <a:r>
+                <a:rPr lang="en-GB" sz="2583" dirty="0"/>
+                <a:t>{..}</a:t>
+              </a:r>
+              <a:endParaRPr lang="en-US" sz="2583" dirty="0">
+                <a:cs typeface="Calibri" panose="020F0502020204030204"/>
+              </a:endParaRPr>
+            </a:p>
+          </p:txBody>
+        </p:sp>
       </p:grpSp>
       <p:grpSp>
         <p:nvGrpSpPr>
-          <p:cNvPr id="110" name="Group 109">
+          <p:cNvPr id="143" name="Group 142">
             <a:extLst>
               <a:ext uri="{FF2B5EF4-FFF2-40B4-BE49-F238E27FC236}">
-                <a16:creationId xmlns:a16="http://schemas.microsoft.com/office/drawing/2014/main" id="{9021315B-8EFC-47A2-AB98-CB062DE8AEB7}"/>
+                <a16:creationId xmlns:a16="http://schemas.microsoft.com/office/drawing/2014/main" id="{D1A48389-186C-4250-96A9-4785229F2FD8}"/>
               </a:ext>
             </a:extLst>
           </p:cNvPr>
@@ -7541,18 +7624,155 @@
         </p:nvGrpSpPr>
         <p:grpSpPr>
           <a:xfrm>
-            <a:off x="4827570" y="3334370"/>
-            <a:ext cx="3153242" cy="5295736"/>
-            <a:chOff x="4142310" y="2726339"/>
-            <a:chExt cx="2713949" cy="4557963"/>
+            <a:off x="4848967" y="3205948"/>
+            <a:ext cx="3137111" cy="5521498"/>
+            <a:chOff x="787000" y="3304135"/>
+            <a:chExt cx="3137111" cy="5521498"/>
           </a:xfrm>
         </p:grpSpPr>
+        <p:sp>
+          <p:nvSpPr>
+            <p:cNvPr id="144" name="TextBox 143">
+              <a:extLst>
+                <a:ext uri="{FF2B5EF4-FFF2-40B4-BE49-F238E27FC236}">
+                  <a16:creationId xmlns:a16="http://schemas.microsoft.com/office/drawing/2014/main" id="{5E3D5239-C1C9-4D05-B7D9-8EE190D194C8}"/>
+                </a:ext>
+              </a:extLst>
+            </p:cNvPr>
+            <p:cNvSpPr txBox="1"/>
+            <p:nvPr/>
+          </p:nvSpPr>
+          <p:spPr>
+            <a:xfrm>
+              <a:off x="787000" y="3304554"/>
+              <a:ext cx="3044493" cy="5521079"/>
+            </a:xfrm>
+            <a:prstGeom prst="rect">
+              <a:avLst/>
+            </a:prstGeom>
+            <a:solidFill>
+              <a:schemeClr val="accent6">
+                <a:lumMod val="60000"/>
+                <a:lumOff val="40000"/>
+              </a:schemeClr>
+            </a:solidFill>
+            <a:ln w="28575">
+              <a:solidFill>
+                <a:schemeClr val="accent6"/>
+              </a:solidFill>
+              <a:prstDash val="dash"/>
+            </a:ln>
+          </p:spPr>
+          <p:txBody>
+            <a:bodyPr rot="0" spcFirstLastPara="0" vertOverflow="overflow" horzOverflow="overflow" vert="horz" wrap="square" lIns="111553" tIns="55776" rIns="111553" bIns="55776" numCol="1" spcCol="0" rtlCol="0" fromWordArt="0" anchor="t" anchorCtr="0" forceAA="0" compatLnSpc="1">
+              <a:prstTxWarp prst="textNoShape">
+                <a:avLst/>
+              </a:prstTxWarp>
+              <a:noAutofit/>
+            </a:bodyPr>
+            <a:lstStyle/>
+            <a:p>
+              <a:r>
+                <a:rPr lang="en-GB" sz="2583" dirty="0">
+                  <a:ea typeface="+mn-lt"/>
+                  <a:cs typeface="+mn-lt"/>
+                </a:rPr>
+                <a:t>metadata</a:t>
+              </a:r>
+              <a:endParaRPr lang="en-US" sz="2583" dirty="0">
+                <a:ea typeface="+mn-lt"/>
+                <a:cs typeface="+mn-lt"/>
+              </a:endParaRPr>
+            </a:p>
+            <a:p>
+              <a:endParaRPr lang="en-GB" sz="2583">
+                <a:ea typeface="+mn-lt"/>
+                <a:cs typeface="+mn-lt"/>
+              </a:endParaRPr>
+            </a:p>
+            <a:p>
+              <a:endParaRPr lang="en-GB" sz="2583">
+                <a:cs typeface="Calibri"/>
+              </a:endParaRPr>
+            </a:p>
+            <a:p>
+              <a:endParaRPr lang="en-GB" sz="2583">
+                <a:cs typeface="Calibri"/>
+              </a:endParaRPr>
+            </a:p>
+            <a:p>
+              <a:endParaRPr lang="en-GB" sz="1952">
+                <a:cs typeface="Calibri"/>
+              </a:endParaRPr>
+            </a:p>
+            <a:p>
+              <a:endParaRPr lang="en-GB" sz="1952">
+                <a:cs typeface="Calibri"/>
+              </a:endParaRPr>
+            </a:p>
+            <a:p>
+              <a:endParaRPr lang="en-GB" sz="1952">
+                <a:cs typeface="Calibri"/>
+              </a:endParaRPr>
+            </a:p>
+            <a:p>
+              <a:endParaRPr lang="en-GB" sz="2583">
+                <a:cs typeface="Calibri"/>
+              </a:endParaRPr>
+            </a:p>
+          </p:txBody>
+        </p:sp>
+        <p:sp>
+          <p:nvSpPr>
+            <p:cNvPr id="145" name="TextBox 144">
+              <a:extLst>
+                <a:ext uri="{FF2B5EF4-FFF2-40B4-BE49-F238E27FC236}">
+                  <a16:creationId xmlns:a16="http://schemas.microsoft.com/office/drawing/2014/main" id="{678DF13C-6458-43F5-859B-209CD35B1D64}"/>
+                </a:ext>
+              </a:extLst>
+            </p:cNvPr>
+            <p:cNvSpPr txBox="1"/>
+            <p:nvPr/>
+          </p:nvSpPr>
+          <p:spPr>
+            <a:xfrm>
+              <a:off x="3233665" y="3304135"/>
+              <a:ext cx="690446" cy="510095"/>
+            </a:xfrm>
+            <a:prstGeom prst="rect">
+              <a:avLst/>
+            </a:prstGeom>
+            <a:noFill/>
+            <a:ln w="28575">
+              <a:noFill/>
+            </a:ln>
+          </p:spPr>
+          <p:txBody>
+            <a:bodyPr rot="0" spcFirstLastPara="0" vertOverflow="overflow" horzOverflow="overflow" vert="horz" wrap="square" lIns="111553" tIns="55776" rIns="111553" bIns="55776" numCol="1" spcCol="0" rtlCol="0" fromWordArt="0" anchor="t" anchorCtr="0" forceAA="0" compatLnSpc="1">
+              <a:prstTxWarp prst="textNoShape">
+                <a:avLst/>
+              </a:prstTxWarp>
+              <a:noAutofit/>
+            </a:bodyPr>
+            <a:lstStyle/>
+            <a:p>
+              <a:pPr algn="ctr"/>
+              <a:r>
+                <a:rPr lang="en-GB" sz="2583" dirty="0"/>
+                <a:t>{..}</a:t>
+              </a:r>
+              <a:endParaRPr lang="en-US" sz="2583" dirty="0">
+                <a:cs typeface="Calibri" panose="020F0502020204030204"/>
+              </a:endParaRPr>
+            </a:p>
+          </p:txBody>
+        </p:sp>
         <p:grpSp>
           <p:nvGrpSpPr>
-            <p:cNvPr id="116" name="Group 115">
+            <p:cNvPr id="146" name="Group 145">
               <a:extLst>
                 <a:ext uri="{FF2B5EF4-FFF2-40B4-BE49-F238E27FC236}">
-                  <a16:creationId xmlns:a16="http://schemas.microsoft.com/office/drawing/2014/main" id="{A68CCC1A-B341-43D0-82F2-54B21F4E8EE7}"/>
+                  <a16:creationId xmlns:a16="http://schemas.microsoft.com/office/drawing/2014/main" id="{1BD5A0C8-D2B1-48FA-89A2-75B008DB35BD}"/>
                 </a:ext>
               </a:extLst>
             </p:cNvPr>
@@ -7561,18 +7781,18 @@
           </p:nvGrpSpPr>
           <p:grpSpPr>
             <a:xfrm>
-              <a:off x="4142310" y="2726339"/>
-              <a:ext cx="2713949" cy="4557963"/>
-              <a:chOff x="4142310" y="3005745"/>
-              <a:chExt cx="2713949" cy="4557963"/>
+              <a:off x="895335" y="4281658"/>
+              <a:ext cx="2484588" cy="1036874"/>
+              <a:chOff x="4249436" y="3780826"/>
+              <a:chExt cx="2138448" cy="892422"/>
             </a:xfrm>
           </p:grpSpPr>
           <p:sp>
             <p:nvSpPr>
-              <p:cNvPr id="123" name="TextBox 122">
+              <p:cNvPr id="189" name="TextBox 188">
                 <a:extLst>
                   <a:ext uri="{FF2B5EF4-FFF2-40B4-BE49-F238E27FC236}">
-                    <a16:creationId xmlns:a16="http://schemas.microsoft.com/office/drawing/2014/main" id="{FFF8537C-7749-4920-9BB1-C02482DD4F76}"/>
+                    <a16:creationId xmlns:a16="http://schemas.microsoft.com/office/drawing/2014/main" id="{138D596B-96F1-4C05-B7CD-1F0A5F18E9EA}"/>
                   </a:ext>
                 </a:extLst>
               </p:cNvPr>
@@ -7581,21 +7801,531 @@
             </p:nvSpPr>
             <p:spPr>
               <a:xfrm>
-                <a:off x="4142310" y="3019985"/>
-                <a:ext cx="2634234" cy="4543723"/>
+                <a:off x="4249436" y="3810831"/>
+                <a:ext cx="2061740" cy="862417"/>
               </a:xfrm>
               <a:prstGeom prst="rect">
                 <a:avLst/>
               </a:prstGeom>
               <a:solidFill>
-                <a:schemeClr val="accent6">
-                  <a:lumMod val="60000"/>
-                  <a:lumOff val="40000"/>
+                <a:schemeClr val="accent4">
+                  <a:lumMod val="20000"/>
+                  <a:lumOff val="80000"/>
                 </a:schemeClr>
               </a:solidFill>
-              <a:ln>
+              <a:ln w="28575">
                 <a:solidFill>
-                  <a:schemeClr val="accent6"/>
+                  <a:schemeClr val="accent4"/>
+                </a:solidFill>
+              </a:ln>
+            </p:spPr>
+            <p:txBody>
+              <a:bodyPr rot="0" spcFirstLastPara="0" vertOverflow="overflow" horzOverflow="overflow" vert="horz" wrap="square" lIns="111553" tIns="55776" rIns="111553" bIns="55776" numCol="1" spcCol="0" rtlCol="0" fromWordArt="0" anchor="t" anchorCtr="0" forceAA="0" compatLnSpc="1">
+                <a:prstTxWarp prst="textNoShape">
+                  <a:avLst/>
+                </a:prstTxWarp>
+                <a:noAutofit/>
+              </a:bodyPr>
+              <a:lstStyle/>
+              <a:p>
+                <a:r>
+                  <a:rPr lang="en-GB" sz="2583" err="1"/>
+                  <a:t>inputFiles</a:t>
+                </a:r>
+                <a:endParaRPr lang="en-US" sz="2583" err="1"/>
+              </a:p>
+              <a:p>
+                <a:endParaRPr lang="en-GB" sz="2583">
+                  <a:cs typeface="Calibri"/>
+                </a:endParaRPr>
+              </a:p>
+            </p:txBody>
+          </p:sp>
+          <p:sp>
+            <p:nvSpPr>
+              <p:cNvPr id="190" name="TextBox 189">
+                <a:extLst>
+                  <a:ext uri="{FF2B5EF4-FFF2-40B4-BE49-F238E27FC236}">
+                    <a16:creationId xmlns:a16="http://schemas.microsoft.com/office/drawing/2014/main" id="{42276189-028B-4D79-806A-165DFB45CBF3}"/>
+                  </a:ext>
+                </a:extLst>
+              </p:cNvPr>
+              <p:cNvSpPr txBox="1"/>
+              <p:nvPr/>
+            </p:nvSpPr>
+            <p:spPr>
+              <a:xfrm>
+                <a:off x="4340448" y="4195054"/>
+                <a:ext cx="1747997" cy="445217"/>
+              </a:xfrm>
+              <a:prstGeom prst="rect">
+                <a:avLst/>
+              </a:prstGeom>
+              <a:solidFill>
+                <a:schemeClr val="accent4">
+                  <a:lumMod val="40000"/>
+                  <a:lumOff val="60000"/>
+                </a:schemeClr>
+              </a:solidFill>
+              <a:ln w="28575">
+                <a:solidFill>
+                  <a:schemeClr val="accent4"/>
+                </a:solidFill>
+              </a:ln>
+            </p:spPr>
+            <p:txBody>
+              <a:bodyPr rot="0" spcFirstLastPara="0" vertOverflow="overflow" horzOverflow="overflow" vert="horz" wrap="square" lIns="111553" tIns="55776" rIns="111553" bIns="55776" numCol="1" spcCol="0" rtlCol="0" fromWordArt="0" anchor="t" anchorCtr="0" forceAA="0" compatLnSpc="1">
+                <a:prstTxWarp prst="textNoShape">
+                  <a:avLst/>
+                </a:prstTxWarp>
+                <a:noAutofit/>
+              </a:bodyPr>
+              <a:lstStyle/>
+              <a:p>
+                <a:r>
+                  <a:rPr lang="en-GB" sz="2583" err="1"/>
+                  <a:t>inputFile</a:t>
+                </a:r>
+                <a:endParaRPr lang="en-US" sz="2583" err="1"/>
+              </a:p>
+            </p:txBody>
+          </p:sp>
+          <p:sp>
+            <p:nvSpPr>
+              <p:cNvPr id="191" name="TextBox 190">
+                <a:extLst>
+                  <a:ext uri="{FF2B5EF4-FFF2-40B4-BE49-F238E27FC236}">
+                    <a16:creationId xmlns:a16="http://schemas.microsoft.com/office/drawing/2014/main" id="{0BCB00D6-F6C7-4716-817F-22E06E0CD5AA}"/>
+                  </a:ext>
+                </a:extLst>
+              </p:cNvPr>
+              <p:cNvSpPr txBox="1"/>
+              <p:nvPr/>
+            </p:nvSpPr>
+            <p:spPr>
+              <a:xfrm>
+                <a:off x="5857479" y="3780826"/>
+                <a:ext cx="530405" cy="439031"/>
+              </a:xfrm>
+              <a:prstGeom prst="rect">
+                <a:avLst/>
+              </a:prstGeom>
+              <a:noFill/>
+              <a:ln w="28575">
+                <a:noFill/>
+              </a:ln>
+            </p:spPr>
+            <p:txBody>
+              <a:bodyPr rot="0" spcFirstLastPara="0" vertOverflow="overflow" horzOverflow="overflow" vert="horz" wrap="square" lIns="111553" tIns="55776" rIns="111553" bIns="55776" numCol="1" spcCol="0" rtlCol="0" fromWordArt="0" anchor="t" anchorCtr="0" forceAA="0" compatLnSpc="1">
+                <a:prstTxWarp prst="textNoShape">
+                  <a:avLst/>
+                </a:prstTxWarp>
+                <a:noAutofit/>
+              </a:bodyPr>
+              <a:lstStyle/>
+              <a:p>
+                <a:pPr algn="ctr"/>
+                <a:r>
+                  <a:rPr lang="en-GB" sz="2583" dirty="0"/>
+                  <a:t>[..]</a:t>
+                </a:r>
+                <a:endParaRPr lang="en-US" sz="2583" dirty="0">
+                  <a:cs typeface="Calibri" panose="020F0502020204030204"/>
+                </a:endParaRPr>
+              </a:p>
+            </p:txBody>
+          </p:sp>
+        </p:grpSp>
+        <p:sp>
+          <p:nvSpPr>
+            <p:cNvPr id="147" name="TextBox 146">
+              <a:extLst>
+                <a:ext uri="{FF2B5EF4-FFF2-40B4-BE49-F238E27FC236}">
+                  <a16:creationId xmlns:a16="http://schemas.microsoft.com/office/drawing/2014/main" id="{B874A36D-0F40-43D4-B555-81108CB6A839}"/>
+                </a:ext>
+              </a:extLst>
+            </p:cNvPr>
+            <p:cNvSpPr txBox="1"/>
+            <p:nvPr/>
+          </p:nvSpPr>
+          <p:spPr>
+            <a:xfrm>
+              <a:off x="896487" y="5359333"/>
+              <a:ext cx="2809659" cy="2303662"/>
+            </a:xfrm>
+            <a:prstGeom prst="rect">
+              <a:avLst/>
+            </a:prstGeom>
+            <a:solidFill>
+              <a:schemeClr val="accent4">
+                <a:lumMod val="20000"/>
+                <a:lumOff val="80000"/>
+              </a:schemeClr>
+            </a:solidFill>
+            <a:ln w="28575">
+              <a:solidFill>
+                <a:schemeClr val="accent4"/>
+              </a:solidFill>
+            </a:ln>
+          </p:spPr>
+          <p:txBody>
+            <a:bodyPr rot="0" spcFirstLastPara="0" vertOverflow="overflow" horzOverflow="overflow" vert="horz" wrap="square" lIns="111553" tIns="55776" rIns="111553" bIns="55776" numCol="1" spcCol="0" rtlCol="0" fromWordArt="0" anchor="t" anchorCtr="0" forceAA="0" compatLnSpc="1">
+              <a:prstTxWarp prst="textNoShape">
+                <a:avLst/>
+              </a:prstTxWarp>
+              <a:noAutofit/>
+            </a:bodyPr>
+            <a:lstStyle/>
+            <a:p>
+              <a:r>
+                <a:rPr lang="en-GB" sz="2583" err="1"/>
+                <a:t>analysisSoftware</a:t>
+              </a:r>
+              <a:endParaRPr lang="en-GB" sz="2583" err="1">
+                <a:cs typeface="Calibri"/>
+              </a:endParaRPr>
+            </a:p>
+            <a:p>
+              <a:endParaRPr lang="en-GB" sz="2583">
+                <a:cs typeface="Calibri"/>
+              </a:endParaRPr>
+            </a:p>
+          </p:txBody>
+        </p:sp>
+        <p:sp>
+          <p:nvSpPr>
+            <p:cNvPr id="148" name="TextBox 147">
+              <a:extLst>
+                <a:ext uri="{FF2B5EF4-FFF2-40B4-BE49-F238E27FC236}">
+                  <a16:creationId xmlns:a16="http://schemas.microsoft.com/office/drawing/2014/main" id="{FBD58371-6DDB-47A0-80F6-C8C2F30D323C}"/>
+                </a:ext>
+              </a:extLst>
+            </p:cNvPr>
+            <p:cNvSpPr txBox="1"/>
+            <p:nvPr/>
+          </p:nvSpPr>
+          <p:spPr>
+            <a:xfrm>
+              <a:off x="985514" y="5786037"/>
+              <a:ext cx="2625232" cy="1818776"/>
+            </a:xfrm>
+            <a:prstGeom prst="rect">
+              <a:avLst/>
+            </a:prstGeom>
+            <a:solidFill>
+              <a:schemeClr val="accent3">
+                <a:lumMod val="20000"/>
+                <a:lumOff val="80000"/>
+              </a:schemeClr>
+            </a:solidFill>
+            <a:ln w="28575">
+              <a:solidFill>
+                <a:schemeClr val="accent3"/>
+              </a:solidFill>
+            </a:ln>
+          </p:spPr>
+          <p:txBody>
+            <a:bodyPr rot="0" spcFirstLastPara="0" vertOverflow="overflow" horzOverflow="overflow" vert="horz" wrap="square" lIns="111553" tIns="55776" rIns="111553" bIns="55776" numCol="1" spcCol="0" rtlCol="0" fromWordArt="0" anchor="t" anchorCtr="0" forceAA="0" compatLnSpc="1">
+              <a:prstTxWarp prst="textNoShape">
+                <a:avLst/>
+              </a:prstTxWarp>
+              <a:noAutofit/>
+            </a:bodyPr>
+            <a:lstStyle/>
+            <a:p>
+              <a:endParaRPr lang="en-GB" sz="1952">
+                <a:cs typeface="Calibri"/>
+              </a:endParaRPr>
+            </a:p>
+            <a:p>
+              <a:endParaRPr lang="en-GB" sz="1952">
+                <a:cs typeface="Calibri"/>
+              </a:endParaRPr>
+            </a:p>
+            <a:p>
+              <a:endParaRPr lang="en-GB" sz="1952">
+                <a:cs typeface="Calibri"/>
+              </a:endParaRPr>
+            </a:p>
+            <a:p>
+              <a:endParaRPr lang="en-GB" sz="1952">
+                <a:cs typeface="Calibri"/>
+              </a:endParaRPr>
+            </a:p>
+            <a:p>
+              <a:endParaRPr lang="en-GB" sz="1952">
+                <a:cs typeface="Calibri"/>
+              </a:endParaRPr>
+            </a:p>
+            <a:p>
+              <a:endParaRPr lang="en-GB" sz="2583">
+                <a:cs typeface="Calibri"/>
+              </a:endParaRPr>
+            </a:p>
+            <a:p>
+              <a:endParaRPr lang="en-GB" sz="2583">
+                <a:cs typeface="Calibri"/>
+              </a:endParaRPr>
+            </a:p>
+          </p:txBody>
+        </p:sp>
+        <p:sp>
+          <p:nvSpPr>
+            <p:cNvPr id="149" name="TextBox 148">
+              <a:extLst>
+                <a:ext uri="{FF2B5EF4-FFF2-40B4-BE49-F238E27FC236}">
+                  <a16:creationId xmlns:a16="http://schemas.microsoft.com/office/drawing/2014/main" id="{1110BC42-9106-436F-898B-9C15CC39CE4C}"/>
+                </a:ext>
+              </a:extLst>
+            </p:cNvPr>
+            <p:cNvSpPr txBox="1"/>
+            <p:nvPr/>
+          </p:nvSpPr>
+          <p:spPr>
+            <a:xfrm>
+              <a:off x="1083478" y="5885907"/>
+              <a:ext cx="2017566" cy="509188"/>
+            </a:xfrm>
+            <a:prstGeom prst="rect">
+              <a:avLst/>
+            </a:prstGeom>
+            <a:solidFill>
+              <a:schemeClr val="accent4">
+                <a:lumMod val="40000"/>
+                <a:lumOff val="60000"/>
+              </a:schemeClr>
+            </a:solidFill>
+            <a:ln w="28575">
+              <a:solidFill>
+                <a:schemeClr val="accent4"/>
+              </a:solidFill>
+              <a:prstDash val="solid"/>
+            </a:ln>
+          </p:spPr>
+          <p:txBody>
+            <a:bodyPr rot="0" spcFirstLastPara="0" vertOverflow="overflow" horzOverflow="overflow" vert="horz" wrap="square" lIns="111553" tIns="55776" rIns="111553" bIns="55776" numCol="1" spcCol="0" rtlCol="0" fromWordArt="0" anchor="t" anchorCtr="0" forceAA="0" compatLnSpc="1">
+              <a:prstTxWarp prst="textNoShape">
+                <a:avLst/>
+              </a:prstTxWarp>
+              <a:noAutofit/>
+            </a:bodyPr>
+            <a:lstStyle/>
+            <a:p>
+              <a:r>
+                <a:rPr lang="en-GB" sz="2583" dirty="0">
+                  <a:ea typeface="+mn-lt"/>
+                  <a:cs typeface="+mn-lt"/>
+                </a:rPr>
+                <a:t>version</a:t>
+              </a:r>
+            </a:p>
+          </p:txBody>
+        </p:sp>
+        <p:sp>
+          <p:nvSpPr>
+            <p:cNvPr id="179" name="TextBox 178">
+              <a:extLst>
+                <a:ext uri="{FF2B5EF4-FFF2-40B4-BE49-F238E27FC236}">
+                  <a16:creationId xmlns:a16="http://schemas.microsoft.com/office/drawing/2014/main" id="{99645B5F-B24F-42F9-99A6-7EBE4710FA0D}"/>
+                </a:ext>
+              </a:extLst>
+            </p:cNvPr>
+            <p:cNvSpPr txBox="1"/>
+            <p:nvPr/>
+          </p:nvSpPr>
+          <p:spPr>
+            <a:xfrm>
+              <a:off x="3104316" y="5307923"/>
+              <a:ext cx="744709" cy="510095"/>
+            </a:xfrm>
+            <a:prstGeom prst="rect">
+              <a:avLst/>
+            </a:prstGeom>
+            <a:noFill/>
+            <a:ln w="28575">
+              <a:noFill/>
+            </a:ln>
+          </p:spPr>
+          <p:txBody>
+            <a:bodyPr rot="0" spcFirstLastPara="0" vertOverflow="overflow" horzOverflow="overflow" vert="horz" wrap="square" lIns="111553" tIns="55776" rIns="111553" bIns="55776" numCol="1" spcCol="0" rtlCol="0" fromWordArt="0" anchor="t" anchorCtr="0" forceAA="0" compatLnSpc="1">
+              <a:prstTxWarp prst="textNoShape">
+                <a:avLst/>
+              </a:prstTxWarp>
+              <a:noAutofit/>
+            </a:bodyPr>
+            <a:lstStyle/>
+            <a:p>
+              <a:pPr algn="ctr"/>
+              <a:r>
+                <a:rPr lang="en-GB" sz="2550" dirty="0">
+                  <a:ea typeface="+mn-lt"/>
+                  <a:cs typeface="+mn-lt"/>
+                </a:rPr>
+                <a:t>[..]</a:t>
+              </a:r>
+              <a:endParaRPr lang="en-US" sz="2550" dirty="0">
+                <a:ea typeface="+mn-lt"/>
+                <a:cs typeface="+mn-lt"/>
+              </a:endParaRPr>
+            </a:p>
+          </p:txBody>
+        </p:sp>
+        <p:sp>
+          <p:nvSpPr>
+            <p:cNvPr id="180" name="TextBox 179">
+              <a:extLst>
+                <a:ext uri="{FF2B5EF4-FFF2-40B4-BE49-F238E27FC236}">
+                  <a16:creationId xmlns:a16="http://schemas.microsoft.com/office/drawing/2014/main" id="{9970B057-BE4E-43B0-BBCE-AF598093710A}"/>
+                </a:ext>
+              </a:extLst>
+            </p:cNvPr>
+            <p:cNvSpPr txBox="1"/>
+            <p:nvPr/>
+          </p:nvSpPr>
+          <p:spPr>
+            <a:xfrm>
+              <a:off x="1083478" y="6452999"/>
+              <a:ext cx="2017566" cy="510123"/>
+            </a:xfrm>
+            <a:prstGeom prst="rect">
+              <a:avLst/>
+            </a:prstGeom>
+            <a:solidFill>
+              <a:schemeClr val="accent4">
+                <a:lumMod val="40000"/>
+                <a:lumOff val="60000"/>
+              </a:schemeClr>
+            </a:solidFill>
+            <a:ln w="28575">
+              <a:solidFill>
+                <a:schemeClr val="accent4"/>
+              </a:solidFill>
+            </a:ln>
+          </p:spPr>
+          <p:txBody>
+            <a:bodyPr rot="0" spcFirstLastPara="0" vertOverflow="overflow" horzOverflow="overflow" vert="horz" wrap="square" lIns="111553" tIns="55776" rIns="111553" bIns="55776" numCol="1" spcCol="0" rtlCol="0" fromWordArt="0" anchor="t" anchorCtr="0" forceAA="0" compatLnSpc="1">
+              <a:prstTxWarp prst="textNoShape">
+                <a:avLst/>
+              </a:prstTxWarp>
+              <a:spAutoFit/>
+            </a:bodyPr>
+            <a:lstStyle/>
+            <a:p>
+              <a:r>
+                <a:rPr lang="en-GB" sz="2583" err="1">
+                  <a:ea typeface="+mn-lt"/>
+                  <a:cs typeface="+mn-lt"/>
+                </a:rPr>
+                <a:t>uri</a:t>
+              </a:r>
+              <a:endParaRPr lang="en-GB" sz="2583">
+                <a:ea typeface="+mn-lt"/>
+                <a:cs typeface="+mn-lt"/>
+              </a:endParaRPr>
+            </a:p>
+          </p:txBody>
+        </p:sp>
+        <p:sp>
+          <p:nvSpPr>
+            <p:cNvPr id="181" name="TextBox 180">
+              <a:extLst>
+                <a:ext uri="{FF2B5EF4-FFF2-40B4-BE49-F238E27FC236}">
+                  <a16:creationId xmlns:a16="http://schemas.microsoft.com/office/drawing/2014/main" id="{3E5C205F-E4FB-43DC-B52E-499D314BCEC9}"/>
+                </a:ext>
+              </a:extLst>
+            </p:cNvPr>
+            <p:cNvSpPr txBox="1"/>
+            <p:nvPr/>
+          </p:nvSpPr>
+          <p:spPr>
+            <a:xfrm>
+              <a:off x="1083476" y="7017373"/>
+              <a:ext cx="2017566" cy="510123"/>
+            </a:xfrm>
+            <a:prstGeom prst="rect">
+              <a:avLst/>
+            </a:prstGeom>
+            <a:solidFill>
+              <a:schemeClr val="accent4">
+                <a:lumMod val="40000"/>
+                <a:lumOff val="60000"/>
+              </a:schemeClr>
+            </a:solidFill>
+            <a:ln w="28575">
+              <a:solidFill>
+                <a:schemeClr val="accent4"/>
+              </a:solidFill>
+              <a:prstDash val="dash"/>
+            </a:ln>
+          </p:spPr>
+          <p:txBody>
+            <a:bodyPr rot="0" spcFirstLastPara="0" vertOverflow="overflow" horzOverflow="overflow" vert="horz" wrap="square" lIns="111553" tIns="55776" rIns="111553" bIns="55776" numCol="1" spcCol="0" rtlCol="0" fromWordArt="0" anchor="t" anchorCtr="0" forceAA="0" compatLnSpc="1">
+              <a:prstTxWarp prst="textNoShape">
+                <a:avLst/>
+              </a:prstTxWarp>
+              <a:spAutoFit/>
+            </a:bodyPr>
+            <a:lstStyle/>
+            <a:p>
+              <a:r>
+                <a:rPr lang="en-GB" sz="2583" err="1">
+                  <a:ea typeface="+mn-lt"/>
+                  <a:cs typeface="+mn-lt"/>
+                </a:rPr>
+                <a:t>cvParameter</a:t>
+              </a:r>
+            </a:p>
+          </p:txBody>
+        </p:sp>
+        <p:grpSp>
+          <p:nvGrpSpPr>
+            <p:cNvPr id="182" name="Group 181">
+              <a:extLst>
+                <a:ext uri="{FF2B5EF4-FFF2-40B4-BE49-F238E27FC236}">
+                  <a16:creationId xmlns:a16="http://schemas.microsoft.com/office/drawing/2014/main" id="{40C0F3BF-A0E7-4A0D-B382-F38FF91AE847}"/>
+                </a:ext>
+              </a:extLst>
+            </p:cNvPr>
+            <p:cNvGrpSpPr/>
+            <p:nvPr/>
+          </p:nvGrpSpPr>
+          <p:grpSpPr>
+            <a:xfrm>
+              <a:off x="896487" y="7682194"/>
+              <a:ext cx="2945679" cy="1061736"/>
+              <a:chOff x="4250428" y="6773877"/>
+              <a:chExt cx="2535302" cy="913821"/>
+            </a:xfrm>
+          </p:grpSpPr>
+          <p:sp>
+            <p:nvSpPr>
+              <p:cNvPr id="186" name="TextBox 185">
+                <a:extLst>
+                  <a:ext uri="{FF2B5EF4-FFF2-40B4-BE49-F238E27FC236}">
+                    <a16:creationId xmlns:a16="http://schemas.microsoft.com/office/drawing/2014/main" id="{F653D211-B3C4-4385-A51C-ACE928A10916}"/>
+                  </a:ext>
+                </a:extLst>
+              </p:cNvPr>
+              <p:cNvSpPr txBox="1"/>
+              <p:nvPr/>
+            </p:nvSpPr>
+            <p:spPr>
+              <a:xfrm>
+                <a:off x="4250428" y="6817863"/>
+                <a:ext cx="2418232" cy="869835"/>
+              </a:xfrm>
+              <a:prstGeom prst="rect">
+                <a:avLst/>
+              </a:prstGeom>
+              <a:solidFill>
+                <a:schemeClr val="accent4">
+                  <a:lumMod val="20000"/>
+                  <a:lumOff val="80000"/>
+                </a:schemeClr>
+              </a:solidFill>
+              <a:ln w="28575">
+                <a:solidFill>
+                  <a:schemeClr val="accent4"/>
                 </a:solidFill>
                 <a:prstDash val="dash"/>
               </a:ln>
@@ -7610,50 +8340,15 @@
               <a:lstStyle/>
               <a:p>
                 <a:r>
-                  <a:rPr lang="en-GB" sz="2583" dirty="0">
-                    <a:ea typeface="+mn-lt"/>
-                    <a:cs typeface="+mn-lt"/>
-                  </a:rPr>
-                  <a:t>metadata</a:t>
+                  <a:rPr lang="en-GB" sz="2583" err="1"/>
+                  <a:t>cvParameters</a:t>
                 </a:r>
-                <a:endParaRPr lang="en-US" sz="2583" dirty="0">
-                  <a:ea typeface="+mn-lt"/>
-                  <a:cs typeface="+mn-lt"/>
-                </a:endParaRPr>
-              </a:p>
-              <a:p>
-                <a:endParaRPr lang="en-GB" sz="2583" dirty="0">
-                  <a:ea typeface="+mn-lt"/>
-                  <a:cs typeface="+mn-lt"/>
-                </a:endParaRPr>
-              </a:p>
-              <a:p>
-                <a:endParaRPr lang="en-GB" sz="2583" dirty="0">
+                <a:endParaRPr lang="en-GB" sz="2583">
                   <a:cs typeface="Calibri"/>
                 </a:endParaRPr>
               </a:p>
               <a:p>
-                <a:endParaRPr lang="en-GB" sz="2583" dirty="0">
-                  <a:cs typeface="Calibri"/>
-                </a:endParaRPr>
-              </a:p>
-              <a:p>
-                <a:endParaRPr lang="en-GB" sz="1952" dirty="0">
-                  <a:cs typeface="Calibri"/>
-                </a:endParaRPr>
-              </a:p>
-              <a:p>
-                <a:endParaRPr lang="en-GB" sz="1952" dirty="0">
-                  <a:cs typeface="Calibri"/>
-                </a:endParaRPr>
-              </a:p>
-              <a:p>
-                <a:endParaRPr lang="en-GB" sz="1952" dirty="0">
-                  <a:cs typeface="Calibri"/>
-                </a:endParaRPr>
-              </a:p>
-              <a:p>
-                <a:endParaRPr lang="en-GB" sz="2583" dirty="0">
+                <a:endParaRPr lang="en-GB" sz="2583">
                   <a:cs typeface="Calibri"/>
                 </a:endParaRPr>
               </a:p>
@@ -7661,10 +8356,10 @@
           </p:sp>
           <p:sp>
             <p:nvSpPr>
-              <p:cNvPr id="124" name="TextBox 123">
+              <p:cNvPr id="187" name="TextBox 186">
                 <a:extLst>
                   <a:ext uri="{FF2B5EF4-FFF2-40B4-BE49-F238E27FC236}">
-                    <a16:creationId xmlns:a16="http://schemas.microsoft.com/office/drawing/2014/main" id="{11FB2CA9-C8B7-4010-BBD8-9C8DD037A581}"/>
+                    <a16:creationId xmlns:a16="http://schemas.microsoft.com/office/drawing/2014/main" id="{61011F73-3D58-43DB-8072-1DCCF0BA608C}"/>
                   </a:ext>
                 </a:extLst>
               </p:cNvPr>
@@ -7673,13 +8368,68 @@
             </p:nvSpPr>
             <p:spPr>
               <a:xfrm>
-                <a:off x="6262002" y="3005745"/>
-                <a:ext cx="594257" cy="439031"/>
+                <a:off x="4340983" y="7180250"/>
+                <a:ext cx="1736489" cy="465494"/>
+              </a:xfrm>
+              <a:prstGeom prst="rect">
+                <a:avLst/>
+              </a:prstGeom>
+              <a:solidFill>
+                <a:schemeClr val="accent4">
+                  <a:lumMod val="40000"/>
+                  <a:lumOff val="60000"/>
+                </a:schemeClr>
+              </a:solidFill>
+              <a:ln w="28575">
+                <a:solidFill>
+                  <a:schemeClr val="accent2"/>
+                </a:solidFill>
+                <a:prstDash val="dash"/>
+              </a:ln>
+            </p:spPr>
+            <p:txBody>
+              <a:bodyPr rot="0" spcFirstLastPara="0" vertOverflow="overflow" horzOverflow="overflow" vert="horz" wrap="square" lIns="111553" tIns="55776" rIns="111553" bIns="55776" numCol="1" spcCol="0" rtlCol="0" fromWordArt="0" anchor="t" anchorCtr="0" forceAA="0" compatLnSpc="1">
+                <a:prstTxWarp prst="textNoShape">
+                  <a:avLst/>
+                </a:prstTxWarp>
+                <a:noAutofit/>
+              </a:bodyPr>
+              <a:lstStyle/>
+              <a:p>
+                <a:r>
+                  <a:rPr lang="en-GB" sz="2583" err="1">
+                    <a:ea typeface="+mn-lt"/>
+                    <a:cs typeface="+mn-lt"/>
+                  </a:rPr>
+                  <a:t>cvParameter</a:t>
+                </a:r>
+              </a:p>
+            </p:txBody>
+          </p:sp>
+          <p:sp>
+            <p:nvSpPr>
+              <p:cNvPr id="188" name="TextBox 187">
+                <a:extLst>
+                  <a:ext uri="{FF2B5EF4-FFF2-40B4-BE49-F238E27FC236}">
+                    <a16:creationId xmlns:a16="http://schemas.microsoft.com/office/drawing/2014/main" id="{540D75D0-E8D0-4CE5-9AD9-0C55E88B6379}"/>
+                  </a:ext>
+                </a:extLst>
+              </p:cNvPr>
+              <p:cNvSpPr txBox="1"/>
+              <p:nvPr/>
+            </p:nvSpPr>
+            <p:spPr>
+              <a:xfrm>
+                <a:off x="6144770" y="6773877"/>
+                <a:ext cx="640960" cy="439031"/>
               </a:xfrm>
               <a:prstGeom prst="rect">
                 <a:avLst/>
               </a:prstGeom>
               <a:noFill/>
+              <a:ln w="28575">
+                <a:noFill/>
+              </a:ln>
             </p:spPr>
             <p:txBody>
               <a:bodyPr rot="0" spcFirstLastPara="0" vertOverflow="overflow" horzOverflow="overflow" vert="horz" wrap="square" lIns="111553" tIns="55776" rIns="111553" bIns="55776" numCol="1" spcCol="0" rtlCol="0" fromWordArt="0" anchor="t" anchorCtr="0" forceAA="0" compatLnSpc="1">
@@ -7693,7 +8443,7 @@
                 <a:pPr algn="ctr"/>
                 <a:r>
                   <a:rPr lang="en-GB" sz="2583" dirty="0"/>
-                  <a:t>{..}</a:t>
+                  <a:t>[..]</a:t>
                 </a:r>
                 <a:endParaRPr lang="en-US" sz="2583" dirty="0">
                   <a:cs typeface="Calibri" panose="020F0502020204030204"/>
@@ -7701,685 +8451,13 @@
               </a:p>
             </p:txBody>
           </p:sp>
-          <p:grpSp>
-            <p:nvGrpSpPr>
-              <p:cNvPr id="125" name="Group 124">
-                <a:extLst>
-                  <a:ext uri="{FF2B5EF4-FFF2-40B4-BE49-F238E27FC236}">
-                    <a16:creationId xmlns:a16="http://schemas.microsoft.com/office/drawing/2014/main" id="{9655F2A2-42B4-4259-BD7B-8FC48482ED21}"/>
-                  </a:ext>
-                </a:extLst>
-              </p:cNvPr>
-              <p:cNvGrpSpPr/>
-              <p:nvPr/>
-            </p:nvGrpSpPr>
-            <p:grpSpPr>
-              <a:xfrm>
-                <a:off x="4249436" y="3847085"/>
-                <a:ext cx="2138448" cy="892422"/>
-                <a:chOff x="4249436" y="3780826"/>
-                <a:chExt cx="2138448" cy="892422"/>
-              </a:xfrm>
-            </p:grpSpPr>
-            <p:sp>
-              <p:nvSpPr>
-                <p:cNvPr id="137" name="TextBox 136">
-                  <a:extLst>
-                    <a:ext uri="{FF2B5EF4-FFF2-40B4-BE49-F238E27FC236}">
-                      <a16:creationId xmlns:a16="http://schemas.microsoft.com/office/drawing/2014/main" id="{B0EC6116-603F-407A-A1CB-7FC7CB0CB9BC}"/>
-                    </a:ext>
-                  </a:extLst>
-                </p:cNvPr>
-                <p:cNvSpPr txBox="1"/>
-                <p:nvPr/>
-              </p:nvSpPr>
-              <p:spPr>
-                <a:xfrm>
-                  <a:off x="4249436" y="3810831"/>
-                  <a:ext cx="2061740" cy="862417"/>
-                </a:xfrm>
-                <a:prstGeom prst="rect">
-                  <a:avLst/>
-                </a:prstGeom>
-                <a:solidFill>
-                  <a:schemeClr val="accent4">
-                    <a:lumMod val="20000"/>
-                    <a:lumOff val="80000"/>
-                  </a:schemeClr>
-                </a:solidFill>
-                <a:ln>
-                  <a:solidFill>
-                    <a:schemeClr val="accent4"/>
-                  </a:solidFill>
-                </a:ln>
-              </p:spPr>
-              <p:txBody>
-                <a:bodyPr rot="0" spcFirstLastPara="0" vertOverflow="overflow" horzOverflow="overflow" vert="horz" wrap="square" lIns="111553" tIns="55776" rIns="111553" bIns="55776" numCol="1" spcCol="0" rtlCol="0" fromWordArt="0" anchor="t" anchorCtr="0" forceAA="0" compatLnSpc="1">
-                  <a:prstTxWarp prst="textNoShape">
-                    <a:avLst/>
-                  </a:prstTxWarp>
-                  <a:noAutofit/>
-                </a:bodyPr>
-                <a:lstStyle/>
-                <a:p>
-                  <a:r>
-                    <a:rPr lang="en-GB" sz="2583" dirty="0" err="1"/>
-                    <a:t>inputFiles</a:t>
-                  </a:r>
-                  <a:endParaRPr lang="en-US" sz="2583" dirty="0" err="1"/>
-                </a:p>
-                <a:p>
-                  <a:endParaRPr lang="en-GB" sz="2583" dirty="0">
-                    <a:cs typeface="Calibri"/>
-                  </a:endParaRPr>
-                </a:p>
-              </p:txBody>
-            </p:sp>
-            <p:sp>
-              <p:nvSpPr>
-                <p:cNvPr id="138" name="TextBox 137">
-                  <a:extLst>
-                    <a:ext uri="{FF2B5EF4-FFF2-40B4-BE49-F238E27FC236}">
-                      <a16:creationId xmlns:a16="http://schemas.microsoft.com/office/drawing/2014/main" id="{0D74ED33-9F1F-4EBA-9714-3DEB8758E34C}"/>
-                    </a:ext>
-                  </a:extLst>
-                </p:cNvPr>
-                <p:cNvSpPr txBox="1"/>
-                <p:nvPr/>
-              </p:nvSpPr>
-              <p:spPr>
-                <a:xfrm>
-                  <a:off x="4340448" y="4195054"/>
-                  <a:ext cx="1747997" cy="445217"/>
-                </a:xfrm>
-                <a:prstGeom prst="rect">
-                  <a:avLst/>
-                </a:prstGeom>
-                <a:solidFill>
-                  <a:schemeClr val="accent4">
-                    <a:lumMod val="40000"/>
-                    <a:lumOff val="60000"/>
-                  </a:schemeClr>
-                </a:solidFill>
-                <a:ln>
-                  <a:solidFill>
-                    <a:schemeClr val="accent4"/>
-                  </a:solidFill>
-                </a:ln>
-              </p:spPr>
-              <p:txBody>
-                <a:bodyPr rot="0" spcFirstLastPara="0" vertOverflow="overflow" horzOverflow="overflow" vert="horz" wrap="square" lIns="111553" tIns="55776" rIns="111553" bIns="55776" numCol="1" spcCol="0" rtlCol="0" fromWordArt="0" anchor="t" anchorCtr="0" forceAA="0" compatLnSpc="1">
-                  <a:prstTxWarp prst="textNoShape">
-                    <a:avLst/>
-                  </a:prstTxWarp>
-                  <a:noAutofit/>
-                </a:bodyPr>
-                <a:lstStyle/>
-                <a:p>
-                  <a:r>
-                    <a:rPr lang="en-GB" sz="2583" dirty="0" err="1"/>
-                    <a:t>inputFile</a:t>
-                  </a:r>
-                  <a:endParaRPr lang="en-US" sz="2583" dirty="0" err="1"/>
-                </a:p>
-              </p:txBody>
-            </p:sp>
-            <p:sp>
-              <p:nvSpPr>
-                <p:cNvPr id="139" name="TextBox 138">
-                  <a:extLst>
-                    <a:ext uri="{FF2B5EF4-FFF2-40B4-BE49-F238E27FC236}">
-                      <a16:creationId xmlns:a16="http://schemas.microsoft.com/office/drawing/2014/main" id="{29C0D7EA-D9A5-4E22-99BF-ED5B67942ED6}"/>
-                    </a:ext>
-                  </a:extLst>
-                </p:cNvPr>
-                <p:cNvSpPr txBox="1"/>
-                <p:nvPr/>
-              </p:nvSpPr>
-              <p:spPr>
-                <a:xfrm>
-                  <a:off x="5857479" y="3780826"/>
-                  <a:ext cx="530405" cy="439031"/>
-                </a:xfrm>
-                <a:prstGeom prst="rect">
-                  <a:avLst/>
-                </a:prstGeom>
-                <a:noFill/>
-              </p:spPr>
-              <p:txBody>
-                <a:bodyPr rot="0" spcFirstLastPara="0" vertOverflow="overflow" horzOverflow="overflow" vert="horz" wrap="square" lIns="111553" tIns="55776" rIns="111553" bIns="55776" numCol="1" spcCol="0" rtlCol="0" fromWordArt="0" anchor="t" anchorCtr="0" forceAA="0" compatLnSpc="1">
-                  <a:prstTxWarp prst="textNoShape">
-                    <a:avLst/>
-                  </a:prstTxWarp>
-                  <a:noAutofit/>
-                </a:bodyPr>
-                <a:lstStyle/>
-                <a:p>
-                  <a:pPr algn="ctr"/>
-                  <a:r>
-                    <a:rPr lang="en-GB" sz="2583" dirty="0"/>
-                    <a:t>[..]</a:t>
-                  </a:r>
-                  <a:endParaRPr lang="en-US" sz="2583" dirty="0">
-                    <a:cs typeface="Calibri" panose="020F0502020204030204"/>
-                  </a:endParaRPr>
-                </a:p>
-              </p:txBody>
-            </p:sp>
-          </p:grpSp>
-          <p:grpSp>
-            <p:nvGrpSpPr>
-              <p:cNvPr id="126" name="Group 125">
-                <a:extLst>
-                  <a:ext uri="{FF2B5EF4-FFF2-40B4-BE49-F238E27FC236}">
-                    <a16:creationId xmlns:a16="http://schemas.microsoft.com/office/drawing/2014/main" id="{D8541179-3211-4E06-8FC7-5627DB1D50FD}"/>
-                  </a:ext>
-                </a:extLst>
-              </p:cNvPr>
-              <p:cNvGrpSpPr/>
-              <p:nvPr/>
-            </p:nvGrpSpPr>
-            <p:grpSpPr>
-              <a:xfrm>
-                <a:off x="4250428" y="4730376"/>
-                <a:ext cx="2541206" cy="1896760"/>
-                <a:chOff x="4250428" y="4730376"/>
-                <a:chExt cx="2541206" cy="1896760"/>
-              </a:xfrm>
-            </p:grpSpPr>
-            <p:sp>
-              <p:nvSpPr>
-                <p:cNvPr id="132" name="TextBox 131">
-                  <a:extLst>
-                    <a:ext uri="{FF2B5EF4-FFF2-40B4-BE49-F238E27FC236}">
-                      <a16:creationId xmlns:a16="http://schemas.microsoft.com/office/drawing/2014/main" id="{B41B24F4-7795-4021-8C7C-5D0110F2C97F}"/>
-                    </a:ext>
-                  </a:extLst>
-                </p:cNvPr>
-                <p:cNvSpPr txBox="1"/>
-                <p:nvPr/>
-              </p:nvSpPr>
-              <p:spPr>
-                <a:xfrm>
-                  <a:off x="4250428" y="4774624"/>
-                  <a:ext cx="2418232" cy="1852512"/>
-                </a:xfrm>
-                <a:prstGeom prst="rect">
-                  <a:avLst/>
-                </a:prstGeom>
-                <a:solidFill>
-                  <a:schemeClr val="accent4">
-                    <a:lumMod val="20000"/>
-                    <a:lumOff val="80000"/>
-                  </a:schemeClr>
-                </a:solidFill>
-                <a:ln>
-                  <a:solidFill>
-                    <a:schemeClr val="accent4"/>
-                  </a:solidFill>
-                </a:ln>
-              </p:spPr>
-              <p:txBody>
-                <a:bodyPr rot="0" spcFirstLastPara="0" vertOverflow="overflow" horzOverflow="overflow" vert="horz" wrap="square" lIns="111553" tIns="55776" rIns="111553" bIns="55776" numCol="1" spcCol="0" rtlCol="0" fromWordArt="0" anchor="t" anchorCtr="0" forceAA="0" compatLnSpc="1">
-                  <a:prstTxWarp prst="textNoShape">
-                    <a:avLst/>
-                  </a:prstTxWarp>
-                  <a:noAutofit/>
-                </a:bodyPr>
-                <a:lstStyle/>
-                <a:p>
-                  <a:r>
-                    <a:rPr lang="en-GB" sz="2583" dirty="0" err="1"/>
-                    <a:t>analysisSoftware</a:t>
-                  </a:r>
-                  <a:endParaRPr lang="en-GB" sz="2583" dirty="0" err="1">
-                    <a:cs typeface="Calibri"/>
-                  </a:endParaRPr>
-                </a:p>
-                <a:p>
-                  <a:endParaRPr lang="en-GB" sz="2583" dirty="0">
-                    <a:cs typeface="Calibri"/>
-                  </a:endParaRPr>
-                </a:p>
-              </p:txBody>
-            </p:sp>
-            <p:sp>
-              <p:nvSpPr>
-                <p:cNvPr id="133" name="TextBox 132">
-                  <a:extLst>
-                    <a:ext uri="{FF2B5EF4-FFF2-40B4-BE49-F238E27FC236}">
-                      <a16:creationId xmlns:a16="http://schemas.microsoft.com/office/drawing/2014/main" id="{0521BEA6-BB19-47D2-9BF2-8FDD41DEE0D9}"/>
-                    </a:ext>
-                  </a:extLst>
-                </p:cNvPr>
-                <p:cNvSpPr txBox="1"/>
-                <p:nvPr/>
-              </p:nvSpPr>
-              <p:spPr>
-                <a:xfrm>
-                  <a:off x="4346299" y="5162781"/>
-                  <a:ext cx="1736489" cy="438251"/>
-                </a:xfrm>
-                <a:prstGeom prst="rect">
-                  <a:avLst/>
-                </a:prstGeom>
-                <a:solidFill>
-                  <a:schemeClr val="accent4">
-                    <a:lumMod val="40000"/>
-                    <a:lumOff val="60000"/>
-                  </a:schemeClr>
-                </a:solidFill>
-                <a:ln>
-                  <a:solidFill>
-                    <a:schemeClr val="accent4"/>
-                  </a:solidFill>
-                  <a:prstDash val="solid"/>
-                </a:ln>
-              </p:spPr>
-              <p:txBody>
-                <a:bodyPr rot="0" spcFirstLastPara="0" vertOverflow="overflow" horzOverflow="overflow" vert="horz" wrap="square" lIns="111553" tIns="55776" rIns="111553" bIns="55776" numCol="1" spcCol="0" rtlCol="0" fromWordArt="0" anchor="t" anchorCtr="0" forceAA="0" compatLnSpc="1">
-                  <a:prstTxWarp prst="textNoShape">
-                    <a:avLst/>
-                  </a:prstTxWarp>
-                  <a:noAutofit/>
-                </a:bodyPr>
-                <a:lstStyle/>
-                <a:p>
-                  <a:r>
-                    <a:rPr lang="en-GB" sz="2583" dirty="0">
-                      <a:ea typeface="+mn-lt"/>
-                      <a:cs typeface="+mn-lt"/>
-                    </a:rPr>
-                    <a:t>version</a:t>
-                  </a:r>
-                </a:p>
-              </p:txBody>
-            </p:sp>
-            <p:sp>
-              <p:nvSpPr>
-                <p:cNvPr id="134" name="TextBox 133">
-                  <a:extLst>
-                    <a:ext uri="{FF2B5EF4-FFF2-40B4-BE49-F238E27FC236}">
-                      <a16:creationId xmlns:a16="http://schemas.microsoft.com/office/drawing/2014/main" id="{12E05290-98D0-4FFC-B9B9-D8E3AD135B4D}"/>
-                    </a:ext>
-                  </a:extLst>
-                </p:cNvPr>
-                <p:cNvSpPr txBox="1"/>
-                <p:nvPr/>
-              </p:nvSpPr>
-              <p:spPr>
-                <a:xfrm>
-                  <a:off x="6150674" y="4730376"/>
-                  <a:ext cx="640960" cy="439031"/>
-                </a:xfrm>
-                <a:prstGeom prst="rect">
-                  <a:avLst/>
-                </a:prstGeom>
-                <a:noFill/>
-              </p:spPr>
-              <p:txBody>
-                <a:bodyPr rot="0" spcFirstLastPara="0" vertOverflow="overflow" horzOverflow="overflow" vert="horz" wrap="square" lIns="111553" tIns="55776" rIns="111553" bIns="55776" numCol="1" spcCol="0" rtlCol="0" fromWordArt="0" anchor="t" anchorCtr="0" forceAA="0" compatLnSpc="1">
-                  <a:prstTxWarp prst="textNoShape">
-                    <a:avLst/>
-                  </a:prstTxWarp>
-                  <a:noAutofit/>
-                </a:bodyPr>
-                <a:lstStyle/>
-                <a:p>
-                  <a:pPr algn="ctr"/>
-                  <a:r>
-                    <a:rPr lang="en-GB" sz="2583" dirty="0"/>
-                    <a:t>{..}</a:t>
-                  </a:r>
-                  <a:endParaRPr lang="en-US" sz="2583" dirty="0">
-                    <a:cs typeface="Calibri" panose="020F0502020204030204"/>
-                  </a:endParaRPr>
-                </a:p>
-              </p:txBody>
-            </p:sp>
-            <p:sp>
-              <p:nvSpPr>
-                <p:cNvPr id="135" name="TextBox 134">
-                  <a:extLst>
-                    <a:ext uri="{FF2B5EF4-FFF2-40B4-BE49-F238E27FC236}">
-                      <a16:creationId xmlns:a16="http://schemas.microsoft.com/office/drawing/2014/main" id="{385F3C87-5BAD-40CA-A9BC-95E9B1258DBA}"/>
-                    </a:ext>
-                  </a:extLst>
-                </p:cNvPr>
-                <p:cNvSpPr txBox="1"/>
-                <p:nvPr/>
-              </p:nvSpPr>
-              <p:spPr>
-                <a:xfrm>
-                  <a:off x="4346298" y="5650869"/>
-                  <a:ext cx="1736489" cy="439055"/>
-                </a:xfrm>
-                <a:prstGeom prst="rect">
-                  <a:avLst/>
-                </a:prstGeom>
-                <a:solidFill>
-                  <a:schemeClr val="accent4">
-                    <a:lumMod val="40000"/>
-                    <a:lumOff val="60000"/>
-                  </a:schemeClr>
-                </a:solidFill>
-                <a:ln>
-                  <a:solidFill>
-                    <a:schemeClr val="accent4"/>
-                  </a:solidFill>
-                </a:ln>
-              </p:spPr>
-              <p:txBody>
-                <a:bodyPr rot="0" spcFirstLastPara="0" vertOverflow="overflow" horzOverflow="overflow" vert="horz" wrap="square" lIns="111553" tIns="55776" rIns="111553" bIns="55776" numCol="1" spcCol="0" rtlCol="0" fromWordArt="0" anchor="t" anchorCtr="0" forceAA="0" compatLnSpc="1">
-                  <a:prstTxWarp prst="textNoShape">
-                    <a:avLst/>
-                  </a:prstTxWarp>
-                  <a:spAutoFit/>
-                </a:bodyPr>
-                <a:lstStyle/>
-                <a:p>
-                  <a:r>
-                    <a:rPr lang="en-GB" sz="2583" dirty="0" err="1">
-                      <a:ea typeface="+mn-lt"/>
-                      <a:cs typeface="+mn-lt"/>
-                    </a:rPr>
-                    <a:t>uri</a:t>
-                  </a:r>
-                  <a:endParaRPr lang="en-GB" sz="2583" dirty="0">
-                    <a:ea typeface="+mn-lt"/>
-                    <a:cs typeface="+mn-lt"/>
-                  </a:endParaRPr>
-                </a:p>
-              </p:txBody>
-            </p:sp>
-            <p:sp>
-              <p:nvSpPr>
-                <p:cNvPr id="136" name="TextBox 135">
-                  <a:extLst>
-                    <a:ext uri="{FF2B5EF4-FFF2-40B4-BE49-F238E27FC236}">
-                      <a16:creationId xmlns:a16="http://schemas.microsoft.com/office/drawing/2014/main" id="{AA3E40B9-CDD0-4CE2-AAFD-E361143610E6}"/>
-                    </a:ext>
-                  </a:extLst>
-                </p:cNvPr>
-                <p:cNvSpPr txBox="1"/>
-                <p:nvPr/>
-              </p:nvSpPr>
-              <p:spPr>
-                <a:xfrm>
-                  <a:off x="4346297" y="6136618"/>
-                  <a:ext cx="1736489" cy="439055"/>
-                </a:xfrm>
-                <a:prstGeom prst="rect">
-                  <a:avLst/>
-                </a:prstGeom>
-                <a:solidFill>
-                  <a:schemeClr val="accent4">
-                    <a:lumMod val="40000"/>
-                    <a:lumOff val="60000"/>
-                  </a:schemeClr>
-                </a:solidFill>
-                <a:ln>
-                  <a:solidFill>
-                    <a:schemeClr val="accent4"/>
-                  </a:solidFill>
-                  <a:prstDash val="dash"/>
-                </a:ln>
-              </p:spPr>
-              <p:txBody>
-                <a:bodyPr rot="0" spcFirstLastPara="0" vertOverflow="overflow" horzOverflow="overflow" vert="horz" wrap="square" lIns="111553" tIns="55776" rIns="111553" bIns="55776" numCol="1" spcCol="0" rtlCol="0" fromWordArt="0" anchor="t" anchorCtr="0" forceAA="0" compatLnSpc="1">
-                  <a:prstTxWarp prst="textNoShape">
-                    <a:avLst/>
-                  </a:prstTxWarp>
-                  <a:spAutoFit/>
-                </a:bodyPr>
-                <a:lstStyle/>
-                <a:p>
-                  <a:r>
-                    <a:rPr lang="en-GB" sz="2583" dirty="0" err="1">
-                      <a:ea typeface="+mn-lt"/>
-                      <a:cs typeface="+mn-lt"/>
-                    </a:rPr>
-                    <a:t>cvParameter</a:t>
-                  </a:r>
-                </a:p>
-              </p:txBody>
-            </p:sp>
-          </p:grpSp>
-          <p:grpSp>
-            <p:nvGrpSpPr>
-              <p:cNvPr id="127" name="Group 126">
-                <a:extLst>
-                  <a:ext uri="{FF2B5EF4-FFF2-40B4-BE49-F238E27FC236}">
-                    <a16:creationId xmlns:a16="http://schemas.microsoft.com/office/drawing/2014/main" id="{839AF623-926B-4AAE-80A9-4A486D5A2B17}"/>
-                  </a:ext>
-                </a:extLst>
-              </p:cNvPr>
-              <p:cNvGrpSpPr/>
-              <p:nvPr/>
-            </p:nvGrpSpPr>
-            <p:grpSpPr>
-              <a:xfrm>
-                <a:off x="4250428" y="6617740"/>
-                <a:ext cx="2535302" cy="913820"/>
-                <a:chOff x="4250428" y="6617740"/>
-                <a:chExt cx="2535302" cy="913820"/>
-              </a:xfrm>
-            </p:grpSpPr>
-            <p:sp>
-              <p:nvSpPr>
-                <p:cNvPr id="129" name="TextBox 128">
-                  <a:extLst>
-                    <a:ext uri="{FF2B5EF4-FFF2-40B4-BE49-F238E27FC236}">
-                      <a16:creationId xmlns:a16="http://schemas.microsoft.com/office/drawing/2014/main" id="{8EFAFC64-E3AB-48A2-86CC-370ABDA804F3}"/>
-                    </a:ext>
-                  </a:extLst>
-                </p:cNvPr>
-                <p:cNvSpPr txBox="1"/>
-                <p:nvPr/>
-              </p:nvSpPr>
-              <p:spPr>
-                <a:xfrm>
-                  <a:off x="4250428" y="6661725"/>
-                  <a:ext cx="2418232" cy="869835"/>
-                </a:xfrm>
-                <a:prstGeom prst="rect">
-                  <a:avLst/>
-                </a:prstGeom>
-                <a:solidFill>
-                  <a:schemeClr val="accent4">
-                    <a:lumMod val="20000"/>
-                    <a:lumOff val="80000"/>
-                  </a:schemeClr>
-                </a:solidFill>
-                <a:ln>
-                  <a:solidFill>
-                    <a:schemeClr val="accent4"/>
-                  </a:solidFill>
-                  <a:prstDash val="dash"/>
-                </a:ln>
-              </p:spPr>
-              <p:txBody>
-                <a:bodyPr rot="0" spcFirstLastPara="0" vertOverflow="overflow" horzOverflow="overflow" vert="horz" wrap="square" lIns="111553" tIns="55776" rIns="111553" bIns="55776" numCol="1" spcCol="0" rtlCol="0" fromWordArt="0" anchor="t" anchorCtr="0" forceAA="0" compatLnSpc="1">
-                  <a:prstTxWarp prst="textNoShape">
-                    <a:avLst/>
-                  </a:prstTxWarp>
-                  <a:noAutofit/>
-                </a:bodyPr>
-                <a:lstStyle/>
-                <a:p>
-                  <a:r>
-                    <a:rPr lang="en-GB" sz="2583" dirty="0" err="1"/>
-                    <a:t>cvParameters</a:t>
-                  </a:r>
-                  <a:endParaRPr lang="en-GB" sz="2583" dirty="0">
-                    <a:cs typeface="Calibri"/>
-                  </a:endParaRPr>
-                </a:p>
-                <a:p>
-                  <a:endParaRPr lang="en-GB" sz="2583" dirty="0">
-                    <a:cs typeface="Calibri"/>
-                  </a:endParaRPr>
-                </a:p>
-              </p:txBody>
-            </p:sp>
-            <p:sp>
-              <p:nvSpPr>
-                <p:cNvPr id="130" name="TextBox 129">
-                  <a:extLst>
-                    <a:ext uri="{FF2B5EF4-FFF2-40B4-BE49-F238E27FC236}">
-                      <a16:creationId xmlns:a16="http://schemas.microsoft.com/office/drawing/2014/main" id="{D8018936-FA2B-4FF6-B207-ED1F93141D5D}"/>
-                    </a:ext>
-                  </a:extLst>
-                </p:cNvPr>
-                <p:cNvSpPr txBox="1"/>
-                <p:nvPr/>
-              </p:nvSpPr>
-              <p:spPr>
-                <a:xfrm>
-                  <a:off x="4340983" y="7024114"/>
-                  <a:ext cx="1736489" cy="465494"/>
-                </a:xfrm>
-                <a:prstGeom prst="rect">
-                  <a:avLst/>
-                </a:prstGeom>
-                <a:solidFill>
-                  <a:schemeClr val="accent4">
-                    <a:lumMod val="40000"/>
-                    <a:lumOff val="60000"/>
-                  </a:schemeClr>
-                </a:solidFill>
-                <a:ln>
-                  <a:solidFill>
-                    <a:schemeClr val="accent2"/>
-                  </a:solidFill>
-                  <a:prstDash val="dash"/>
-                </a:ln>
-              </p:spPr>
-              <p:txBody>
-                <a:bodyPr rot="0" spcFirstLastPara="0" vertOverflow="overflow" horzOverflow="overflow" vert="horz" wrap="square" lIns="111553" tIns="55776" rIns="111553" bIns="55776" numCol="1" spcCol="0" rtlCol="0" fromWordArt="0" anchor="t" anchorCtr="0" forceAA="0" compatLnSpc="1">
-                  <a:prstTxWarp prst="textNoShape">
-                    <a:avLst/>
-                  </a:prstTxWarp>
-                  <a:noAutofit/>
-                </a:bodyPr>
-                <a:lstStyle/>
-                <a:p>
-                  <a:r>
-                    <a:rPr lang="en-GB" sz="2583" dirty="0" err="1">
-                      <a:ea typeface="+mn-lt"/>
-                      <a:cs typeface="+mn-lt"/>
-                    </a:rPr>
-                    <a:t>cvParameter</a:t>
-                  </a:r>
-                </a:p>
-              </p:txBody>
-            </p:sp>
-            <p:sp>
-              <p:nvSpPr>
-                <p:cNvPr id="131" name="TextBox 130">
-                  <a:extLst>
-                    <a:ext uri="{FF2B5EF4-FFF2-40B4-BE49-F238E27FC236}">
-                      <a16:creationId xmlns:a16="http://schemas.microsoft.com/office/drawing/2014/main" id="{0B45E571-5C41-487F-8C82-7444608ED5DA}"/>
-                    </a:ext>
-                  </a:extLst>
-                </p:cNvPr>
-                <p:cNvSpPr txBox="1"/>
-                <p:nvPr/>
-              </p:nvSpPr>
-              <p:spPr>
-                <a:xfrm>
-                  <a:off x="6144770" y="6617740"/>
-                  <a:ext cx="640960" cy="439031"/>
-                </a:xfrm>
-                <a:prstGeom prst="rect">
-                  <a:avLst/>
-                </a:prstGeom>
-                <a:noFill/>
-              </p:spPr>
-              <p:txBody>
-                <a:bodyPr rot="0" spcFirstLastPara="0" vertOverflow="overflow" horzOverflow="overflow" vert="horz" wrap="square" lIns="111553" tIns="55776" rIns="111553" bIns="55776" numCol="1" spcCol="0" rtlCol="0" fromWordArt="0" anchor="t" anchorCtr="0" forceAA="0" compatLnSpc="1">
-                  <a:prstTxWarp prst="textNoShape">
-                    <a:avLst/>
-                  </a:prstTxWarp>
-                  <a:noAutofit/>
-                </a:bodyPr>
-                <a:lstStyle/>
-                <a:p>
-                  <a:pPr algn="ctr"/>
-                  <a:r>
-                    <a:rPr lang="en-GB" sz="2583" dirty="0"/>
-                    <a:t>[..]</a:t>
-                  </a:r>
-                  <a:endParaRPr lang="en-US" sz="2583" dirty="0">
-                    <a:cs typeface="Calibri" panose="020F0502020204030204"/>
-                  </a:endParaRPr>
-                </a:p>
-              </p:txBody>
-            </p:sp>
-          </p:grpSp>
-          <p:sp>
-            <p:nvSpPr>
-              <p:cNvPr id="128" name="TextBox 127">
-                <a:extLst>
-                  <a:ext uri="{FF2B5EF4-FFF2-40B4-BE49-F238E27FC236}">
-                    <a16:creationId xmlns:a16="http://schemas.microsoft.com/office/drawing/2014/main" id="{78DDAD13-550A-48A7-96C6-5A10A0B2D979}"/>
-                  </a:ext>
-                </a:extLst>
-              </p:cNvPr>
-              <p:cNvSpPr txBox="1"/>
-              <p:nvPr/>
-            </p:nvSpPr>
-            <p:spPr>
-              <a:xfrm>
-                <a:off x="4249437" y="3392040"/>
-                <a:ext cx="1826902" cy="439055"/>
-              </a:xfrm>
-              <a:prstGeom prst="rect">
-                <a:avLst/>
-              </a:prstGeom>
-              <a:solidFill>
-                <a:schemeClr val="accent4">
-                  <a:lumMod val="40000"/>
-                  <a:lumOff val="60000"/>
-                </a:schemeClr>
-              </a:solidFill>
-              <a:ln>
-                <a:solidFill>
-                  <a:schemeClr val="accent4"/>
-                </a:solidFill>
-                <a:prstDash val="dash"/>
-              </a:ln>
-            </p:spPr>
-            <p:txBody>
-              <a:bodyPr rot="0" spcFirstLastPara="0" vertOverflow="overflow" horzOverflow="overflow" vert="horz" wrap="square" lIns="111553" tIns="55776" rIns="111553" bIns="55776" numCol="1" spcCol="0" rtlCol="0" fromWordArt="0" anchor="t" anchorCtr="0" forceAA="0" compatLnSpc="1">
-                <a:prstTxWarp prst="textNoShape">
-                  <a:avLst/>
-                </a:prstTxWarp>
-                <a:spAutoFit/>
-              </a:bodyPr>
-              <a:lstStyle/>
-              <a:p>
-                <a:r>
-                  <a:rPr lang="en-GB" sz="2550" dirty="0">
-                    <a:ea typeface="+mn-lt"/>
-                    <a:cs typeface="+mn-lt"/>
-                  </a:rPr>
-                  <a:t>label</a:t>
-                </a:r>
-                <a:endParaRPr lang="en-GB" sz="2583" dirty="0">
-                  <a:ea typeface="+mn-lt"/>
-                  <a:cs typeface="+mn-lt"/>
-                </a:endParaRPr>
-              </a:p>
-            </p:txBody>
-          </p:sp>
         </p:grpSp>
         <p:sp>
           <p:nvSpPr>
-            <p:cNvPr id="122" name="TextBox 121">
+            <p:cNvPr id="183" name="TextBox 182">
               <a:extLst>
                 <a:ext uri="{FF2B5EF4-FFF2-40B4-BE49-F238E27FC236}">
-                  <a16:creationId xmlns:a16="http://schemas.microsoft.com/office/drawing/2014/main" id="{C1D250D8-A417-4C29-92FE-9DF77E3C76B8}"/>
+                  <a16:creationId xmlns:a16="http://schemas.microsoft.com/office/drawing/2014/main" id="{6D3DAD95-D1C2-4431-82F5-6208DCB65F8C}"/>
                 </a:ext>
               </a:extLst>
             </p:cNvPr>
@@ -8388,13 +8466,24 @@
           </p:nvSpPr>
           <p:spPr>
             <a:xfrm>
-              <a:off x="5634416" y="3091635"/>
-              <a:ext cx="549050" cy="439055"/>
+              <a:off x="895336" y="3752958"/>
+              <a:ext cx="2122613" cy="510122"/>
             </a:xfrm>
             <a:prstGeom prst="rect">
               <a:avLst/>
             </a:prstGeom>
-            <a:noFill/>
+            <a:solidFill>
+              <a:schemeClr val="accent4">
+                <a:lumMod val="40000"/>
+                <a:lumOff val="60000"/>
+              </a:schemeClr>
+            </a:solidFill>
+            <a:ln w="28575">
+              <a:solidFill>
+                <a:schemeClr val="accent4"/>
+              </a:solidFill>
+              <a:prstDash val="dash"/>
+            </a:ln>
           </p:spPr>
           <p:txBody>
             <a:bodyPr rot="0" spcFirstLastPara="0" vertOverflow="overflow" horzOverflow="overflow" vert="horz" wrap="square" lIns="111553" tIns="55776" rIns="111553" bIns="55776" numCol="1" spcCol="0" rtlCol="0" fromWordArt="0" anchor="t" anchorCtr="0" forceAA="0" compatLnSpc="1">
@@ -8405,10 +8494,103 @@
             </a:bodyPr>
             <a:lstStyle/>
             <a:p>
+              <a:r>
+                <a:rPr lang="en-GB" sz="2550" dirty="0">
+                  <a:ea typeface="+mn-lt"/>
+                  <a:cs typeface="+mn-lt"/>
+                </a:rPr>
+                <a:t>label</a:t>
+              </a:r>
+              <a:endParaRPr lang="en-GB" sz="2583" dirty="0">
+                <a:ea typeface="+mn-lt"/>
+                <a:cs typeface="+mn-lt"/>
+              </a:endParaRPr>
+            </a:p>
+          </p:txBody>
+        </p:sp>
+        <p:sp>
+          <p:nvSpPr>
+            <p:cNvPr id="184" name="TextBox 183">
+              <a:extLst>
+                <a:ext uri="{FF2B5EF4-FFF2-40B4-BE49-F238E27FC236}">
+                  <a16:creationId xmlns:a16="http://schemas.microsoft.com/office/drawing/2014/main" id="{67F4F6FC-C936-481A-8D9B-5DD12170F7B4}"/>
+                </a:ext>
+              </a:extLst>
+            </p:cNvPr>
+            <p:cNvSpPr txBox="1"/>
+            <p:nvPr/>
+          </p:nvSpPr>
+          <p:spPr>
+            <a:xfrm>
+              <a:off x="2504494" y="3728560"/>
+              <a:ext cx="637922" cy="510122"/>
+            </a:xfrm>
+            <a:prstGeom prst="rect">
+              <a:avLst/>
+            </a:prstGeom>
+            <a:noFill/>
+            <a:ln w="28575">
+              <a:noFill/>
+            </a:ln>
+          </p:spPr>
+          <p:txBody>
+            <a:bodyPr rot="0" spcFirstLastPara="0" vertOverflow="overflow" horzOverflow="overflow" vert="horz" wrap="square" lIns="111553" tIns="55776" rIns="111553" bIns="55776" numCol="1" spcCol="0" rtlCol="0" fromWordArt="0" anchor="t" anchorCtr="0" forceAA="0" compatLnSpc="1">
+              <a:prstTxWarp prst="textNoShape">
+                <a:avLst/>
+              </a:prstTxWarp>
+              <a:spAutoFit/>
+            </a:bodyPr>
+            <a:lstStyle/>
+            <a:p>
               <a:pPr algn="ctr"/>
               <a:r>
                 <a:rPr lang="en-GB" sz="2583" dirty="0"/>
                 <a:t>.:.</a:t>
+              </a:r>
+              <a:endParaRPr lang="en-US" sz="2583" dirty="0">
+                <a:cs typeface="Calibri" panose="020F0502020204030204"/>
+              </a:endParaRPr>
+            </a:p>
+          </p:txBody>
+        </p:sp>
+        <p:sp>
+          <p:nvSpPr>
+            <p:cNvPr id="185" name="TextBox 184">
+              <a:extLst>
+                <a:ext uri="{FF2B5EF4-FFF2-40B4-BE49-F238E27FC236}">
+                  <a16:creationId xmlns:a16="http://schemas.microsoft.com/office/drawing/2014/main" id="{33020B60-9202-4FD5-8E37-CCE7FBC07710}"/>
+                </a:ext>
+              </a:extLst>
+            </p:cNvPr>
+            <p:cNvSpPr txBox="1"/>
+            <p:nvPr/>
+          </p:nvSpPr>
+          <p:spPr>
+            <a:xfrm>
+              <a:off x="3006851" y="6397914"/>
+              <a:ext cx="690446" cy="510095"/>
+            </a:xfrm>
+            <a:prstGeom prst="rect">
+              <a:avLst/>
+            </a:prstGeom>
+            <a:noFill/>
+            <a:ln w="28575">
+              <a:noFill/>
+            </a:ln>
+          </p:spPr>
+          <p:txBody>
+            <a:bodyPr rot="0" spcFirstLastPara="0" vertOverflow="overflow" horzOverflow="overflow" vert="horz" wrap="square" lIns="111553" tIns="55776" rIns="111553" bIns="55776" numCol="1" spcCol="0" rtlCol="0" fromWordArt="0" anchor="t" anchorCtr="0" forceAA="0" compatLnSpc="1">
+              <a:prstTxWarp prst="textNoShape">
+                <a:avLst/>
+              </a:prstTxWarp>
+              <a:noAutofit/>
+            </a:bodyPr>
+            <a:lstStyle/>
+            <a:p>
+              <a:pPr algn="ctr"/>
+              <a:r>
+                <a:rPr lang="en-GB" sz="2583" dirty="0"/>
+                <a:t>{..}</a:t>
               </a:r>
               <a:endParaRPr lang="en-US" sz="2583" dirty="0">
                 <a:cs typeface="Calibri" panose="020F0502020204030204"/>
